--- a/db_ppt/5장. 함수.pptx
+++ b/db_ppt/5장. 함수.pptx
@@ -238,7 +238,7 @@
           <a:p>
             <a:fld id="{7665CDAC-D627-4E87-877A-1B781DD4CADC}" type="datetimeFigureOut">
               <a:rPr lang="ko-KR" altLang="en-US" smtClean="0"/>
-              <a:t>2023-04-17</a:t>
+              <a:t>2023-04-23</a:t>
             </a:fld>
             <a:endParaRPr lang="ko-KR" altLang="en-US"/>
           </a:p>
@@ -1094,7 +1094,7 @@
           <a:p>
             <a:fld id="{E240FE80-3752-4C44-80B8-E31C3450070D}" type="datetime1">
               <a:rPr lang="ko-KR" altLang="en-US" smtClean="0"/>
-              <a:t>2023-04-17</a:t>
+              <a:t>2023-04-23</a:t>
             </a:fld>
             <a:endParaRPr lang="ko-KR" altLang="en-US"/>
           </a:p>
@@ -1274,7 +1274,7 @@
           <a:p>
             <a:fld id="{5FA88D13-428F-4553-BC93-2E91B1DA3F5C}" type="datetime1">
               <a:rPr lang="ko-KR" altLang="en-US" smtClean="0"/>
-              <a:t>2023-04-17</a:t>
+              <a:t>2023-04-23</a:t>
             </a:fld>
             <a:endParaRPr lang="ko-KR" altLang="en-US"/>
           </a:p>
@@ -1448,7 +1448,7 @@
           <a:p>
             <a:fld id="{4E9D4779-FB94-4D0A-9770-16BB460ADD4B}" type="datetime1">
               <a:rPr lang="ko-KR" altLang="en-US" smtClean="0"/>
-              <a:t>2023-04-17</a:t>
+              <a:t>2023-04-23</a:t>
             </a:fld>
             <a:endParaRPr lang="ko-KR" altLang="en-US"/>
           </a:p>
@@ -1694,7 +1694,7 @@
           <a:p>
             <a:fld id="{DD687F0D-089E-4098-8EE9-5721C76E52EC}" type="datetime1">
               <a:rPr lang="ko-KR" altLang="en-US" smtClean="0"/>
-              <a:t>2023-04-17</a:t>
+              <a:t>2023-04-23</a:t>
             </a:fld>
             <a:endParaRPr lang="ko-KR" altLang="en-US"/>
           </a:p>
@@ -1982,7 +1982,7 @@
           <a:p>
             <a:fld id="{09C650FE-E6B2-4D57-AAF6-1B2A37421AAD}" type="datetime1">
               <a:rPr lang="ko-KR" altLang="en-US" smtClean="0"/>
-              <a:t>2023-04-17</a:t>
+              <a:t>2023-04-23</a:t>
             </a:fld>
             <a:endParaRPr lang="ko-KR" altLang="en-US"/>
           </a:p>
@@ -2404,7 +2404,7 @@
           <a:p>
             <a:fld id="{E87F20C2-C949-4E4F-9580-FEE4F2DAC554}" type="datetime1">
               <a:rPr lang="ko-KR" altLang="en-US" smtClean="0"/>
-              <a:t>2023-04-17</a:t>
+              <a:t>2023-04-23</a:t>
             </a:fld>
             <a:endParaRPr lang="ko-KR" altLang="en-US"/>
           </a:p>
@@ -2522,7 +2522,7 @@
           <a:p>
             <a:fld id="{476DBFE0-70CA-4AA9-9C17-F02054822E7E}" type="datetime1">
               <a:rPr lang="ko-KR" altLang="en-US" smtClean="0"/>
-              <a:t>2023-04-17</a:t>
+              <a:t>2023-04-23</a:t>
             </a:fld>
             <a:endParaRPr lang="ko-KR" altLang="en-US"/>
           </a:p>
@@ -2617,7 +2617,7 @@
           <a:p>
             <a:fld id="{6DA84A72-C6AC-45C3-AE5A-9CF6D245353A}" type="datetime1">
               <a:rPr lang="ko-KR" altLang="en-US" smtClean="0"/>
-              <a:t>2023-04-17</a:t>
+              <a:t>2023-04-23</a:t>
             </a:fld>
             <a:endParaRPr lang="ko-KR" altLang="en-US"/>
           </a:p>
@@ -2894,7 +2894,7 @@
           <a:p>
             <a:fld id="{092D9E8D-7616-4FA8-9B12-88059974D499}" type="datetime1">
               <a:rPr lang="ko-KR" altLang="en-US" smtClean="0"/>
-              <a:t>2023-04-17</a:t>
+              <a:t>2023-04-23</a:t>
             </a:fld>
             <a:endParaRPr lang="ko-KR" altLang="en-US"/>
           </a:p>
@@ -3147,7 +3147,7 @@
           <a:p>
             <a:fld id="{79F4C3F6-B4DC-4E51-8609-BCC628ECDBF3}" type="datetime1">
               <a:rPr lang="ko-KR" altLang="en-US" smtClean="0"/>
-              <a:t>2023-04-17</a:t>
+              <a:t>2023-04-23</a:t>
             </a:fld>
             <a:endParaRPr lang="ko-KR" altLang="en-US"/>
           </a:p>
@@ -3327,7 +3327,7 @@
           <a:p>
             <a:fld id="{B2C4C586-F21B-48DD-B591-4B12E73E0749}" type="datetime1">
               <a:rPr lang="ko-KR" altLang="en-US" smtClean="0"/>
-              <a:t>2023-04-17</a:t>
+              <a:t>2023-04-23</a:t>
             </a:fld>
             <a:endParaRPr lang="ko-KR" altLang="en-US"/>
           </a:p>
@@ -10644,8 +10644,44 @@
         </p:blipFill>
         <p:spPr>
           <a:xfrm>
-            <a:off x="1187624" y="1556792"/>
+            <a:off x="1115616" y="1083974"/>
             <a:ext cx="4168501" cy="3049817"/>
+          </a:xfrm>
+          <a:prstGeom prst="rect">
+            <a:avLst/>
+          </a:prstGeom>
+          <a:ln>
+            <a:solidFill>
+              <a:schemeClr val="bg1">
+                <a:lumMod val="85000"/>
+              </a:schemeClr>
+            </a:solidFill>
+          </a:ln>
+        </p:spPr>
+      </p:pic>
+      <p:pic>
+        <p:nvPicPr>
+          <p:cNvPr id="5" name="그림 4"/>
+          <p:cNvPicPr>
+            <a:picLocks noChangeAspect="1"/>
+          </p:cNvPicPr>
+          <p:nvPr/>
+        </p:nvPicPr>
+        <p:blipFill rotWithShape="1">
+          <a:blip r:embed="rId3">
+            <a:extLst>
+              <a:ext uri="{28A0092B-C50C-407E-A947-70E740481C1C}">
+                <a14:useLocalDpi xmlns:a14="http://schemas.microsoft.com/office/drawing/2010/main" val="0"/>
+              </a:ext>
+            </a:extLst>
+          </a:blip>
+          <a:srcRect b="53907"/>
+          <a:stretch/>
+        </p:blipFill>
+        <p:spPr>
+          <a:xfrm>
+            <a:off x="2267744" y="4293096"/>
+            <a:ext cx="4549534" cy="1872208"/>
           </a:xfrm>
           <a:prstGeom prst="rect">
             <a:avLst/>
@@ -10770,7 +10806,7 @@
       </p:sp>
       <p:pic>
         <p:nvPicPr>
-          <p:cNvPr id="5" name="그림 4"/>
+          <p:cNvPr id="6" name="그림 5"/>
           <p:cNvPicPr>
             <a:picLocks noChangeAspect="1"/>
           </p:cNvPicPr>
@@ -10790,8 +10826,8 @@
         </p:blipFill>
         <p:spPr>
           <a:xfrm>
-            <a:off x="1174595" y="1412776"/>
-            <a:ext cx="4549534" cy="4061812"/>
+            <a:off x="6300192" y="3373361"/>
+            <a:ext cx="1226926" cy="510584"/>
           </a:xfrm>
           <a:prstGeom prst="rect">
             <a:avLst/>
@@ -10807,13 +10843,13 @@
       </p:pic>
       <p:pic>
         <p:nvPicPr>
-          <p:cNvPr id="6" name="그림 5"/>
+          <p:cNvPr id="7" name="그림 6"/>
           <p:cNvPicPr>
             <a:picLocks noChangeAspect="1"/>
           </p:cNvPicPr>
           <p:nvPr/>
         </p:nvPicPr>
-        <p:blipFill>
+        <p:blipFill rotWithShape="1">
           <a:blip r:embed="rId3">
             <a:extLst>
               <a:ext uri="{28A0092B-C50C-407E-A947-70E740481C1C}">
@@ -10821,14 +10857,49 @@
               </a:ext>
             </a:extLst>
           </a:blip>
-          <a:stretch>
-            <a:fillRect/>
-          </a:stretch>
+          <a:srcRect t="47866"/>
+          <a:stretch/>
         </p:blipFill>
         <p:spPr>
           <a:xfrm>
-            <a:off x="6300192" y="4077072"/>
-            <a:ext cx="1226926" cy="510584"/>
+            <a:off x="1162829" y="1452044"/>
+            <a:ext cx="4549534" cy="2117596"/>
+          </a:xfrm>
+          <a:prstGeom prst="rect">
+            <a:avLst/>
+          </a:prstGeom>
+          <a:ln>
+            <a:solidFill>
+              <a:schemeClr val="bg1">
+                <a:lumMod val="85000"/>
+              </a:schemeClr>
+            </a:solidFill>
+          </a:ln>
+        </p:spPr>
+      </p:pic>
+      <p:pic>
+        <p:nvPicPr>
+          <p:cNvPr id="3" name="그림 2"/>
+          <p:cNvPicPr>
+            <a:picLocks noChangeAspect="1"/>
+          </p:cNvPicPr>
+          <p:nvPr/>
+        </p:nvPicPr>
+        <p:blipFill rotWithShape="1">
+          <a:blip r:embed="rId4">
+            <a:extLst>
+              <a:ext uri="{28A0092B-C50C-407E-A947-70E740481C1C}">
+                <a14:useLocalDpi xmlns:a14="http://schemas.microsoft.com/office/drawing/2010/main" val="0"/>
+              </a:ext>
+            </a:extLst>
+          </a:blip>
+          <a:srcRect r="4020"/>
+          <a:stretch/>
+        </p:blipFill>
+        <p:spPr>
+          <a:xfrm>
+            <a:off x="1149442" y="3933056"/>
+            <a:ext cx="4549533" cy="1691787"/>
           </a:xfrm>
           <a:prstGeom prst="rect">
             <a:avLst/>

--- a/db_ppt/5장. 함수.pptx
+++ b/db_ppt/5장. 함수.pptx
@@ -5,7 +5,7 @@
     <p:sldMasterId id="2147483648" r:id="rId1"/>
   </p:sldMasterIdLst>
   <p:notesMasterIdLst>
-    <p:notesMasterId r:id="rId33"/>
+    <p:notesMasterId r:id="rId36"/>
   </p:notesMasterIdLst>
   <p:sldIdLst>
     <p:sldId id="256" r:id="rId2"/>
@@ -37,8 +37,11 @@
     <p:sldId id="312" r:id="rId28"/>
     <p:sldId id="313" r:id="rId29"/>
     <p:sldId id="314" r:id="rId30"/>
-    <p:sldId id="316" r:id="rId31"/>
-    <p:sldId id="315" r:id="rId32"/>
+    <p:sldId id="315" r:id="rId31"/>
+    <p:sldId id="316" r:id="rId32"/>
+    <p:sldId id="317" r:id="rId33"/>
+    <p:sldId id="318" r:id="rId34"/>
+    <p:sldId id="319" r:id="rId35"/>
   </p:sldIdLst>
   <p:sldSz cx="9144000" cy="6858000" type="screen4x3"/>
   <p:notesSz cx="6858000" cy="9144000"/>
@@ -238,7 +241,7 @@
           <a:p>
             <a:fld id="{7665CDAC-D627-4E87-877A-1B781DD4CADC}" type="datetimeFigureOut">
               <a:rPr lang="ko-KR" altLang="en-US" smtClean="0"/>
-              <a:t>2023-04-23</a:t>
+              <a:t>2023-04-30</a:t>
             </a:fld>
             <a:endParaRPr lang="ko-KR" altLang="en-US"/>
           </a:p>
@@ -1094,7 +1097,7 @@
           <a:p>
             <a:fld id="{E240FE80-3752-4C44-80B8-E31C3450070D}" type="datetime1">
               <a:rPr lang="ko-KR" altLang="en-US" smtClean="0"/>
-              <a:t>2023-04-23</a:t>
+              <a:t>2023-04-30</a:t>
             </a:fld>
             <a:endParaRPr lang="ko-KR" altLang="en-US"/>
           </a:p>
@@ -1274,7 +1277,7 @@
           <a:p>
             <a:fld id="{5FA88D13-428F-4553-BC93-2E91B1DA3F5C}" type="datetime1">
               <a:rPr lang="ko-KR" altLang="en-US" smtClean="0"/>
-              <a:t>2023-04-23</a:t>
+              <a:t>2023-04-30</a:t>
             </a:fld>
             <a:endParaRPr lang="ko-KR" altLang="en-US"/>
           </a:p>
@@ -1448,7 +1451,7 @@
           <a:p>
             <a:fld id="{4E9D4779-FB94-4D0A-9770-16BB460ADD4B}" type="datetime1">
               <a:rPr lang="ko-KR" altLang="en-US" smtClean="0"/>
-              <a:t>2023-04-23</a:t>
+              <a:t>2023-04-30</a:t>
             </a:fld>
             <a:endParaRPr lang="ko-KR" altLang="en-US"/>
           </a:p>
@@ -1694,7 +1697,7 @@
           <a:p>
             <a:fld id="{DD687F0D-089E-4098-8EE9-5721C76E52EC}" type="datetime1">
               <a:rPr lang="ko-KR" altLang="en-US" smtClean="0"/>
-              <a:t>2023-04-23</a:t>
+              <a:t>2023-04-30</a:t>
             </a:fld>
             <a:endParaRPr lang="ko-KR" altLang="en-US"/>
           </a:p>
@@ -1982,7 +1985,7 @@
           <a:p>
             <a:fld id="{09C650FE-E6B2-4D57-AAF6-1B2A37421AAD}" type="datetime1">
               <a:rPr lang="ko-KR" altLang="en-US" smtClean="0"/>
-              <a:t>2023-04-23</a:t>
+              <a:t>2023-04-30</a:t>
             </a:fld>
             <a:endParaRPr lang="ko-KR" altLang="en-US"/>
           </a:p>
@@ -2404,7 +2407,7 @@
           <a:p>
             <a:fld id="{E87F20C2-C949-4E4F-9580-FEE4F2DAC554}" type="datetime1">
               <a:rPr lang="ko-KR" altLang="en-US" smtClean="0"/>
-              <a:t>2023-04-23</a:t>
+              <a:t>2023-04-30</a:t>
             </a:fld>
             <a:endParaRPr lang="ko-KR" altLang="en-US"/>
           </a:p>
@@ -2522,7 +2525,7 @@
           <a:p>
             <a:fld id="{476DBFE0-70CA-4AA9-9C17-F02054822E7E}" type="datetime1">
               <a:rPr lang="ko-KR" altLang="en-US" smtClean="0"/>
-              <a:t>2023-04-23</a:t>
+              <a:t>2023-04-30</a:t>
             </a:fld>
             <a:endParaRPr lang="ko-KR" altLang="en-US"/>
           </a:p>
@@ -2617,7 +2620,7 @@
           <a:p>
             <a:fld id="{6DA84A72-C6AC-45C3-AE5A-9CF6D245353A}" type="datetime1">
               <a:rPr lang="ko-KR" altLang="en-US" smtClean="0"/>
-              <a:t>2023-04-23</a:t>
+              <a:t>2023-04-30</a:t>
             </a:fld>
             <a:endParaRPr lang="ko-KR" altLang="en-US"/>
           </a:p>
@@ -2894,7 +2897,7 @@
           <a:p>
             <a:fld id="{092D9E8D-7616-4FA8-9B12-88059974D499}" type="datetime1">
               <a:rPr lang="ko-KR" altLang="en-US" smtClean="0"/>
-              <a:t>2023-04-23</a:t>
+              <a:t>2023-04-30</a:t>
             </a:fld>
             <a:endParaRPr lang="ko-KR" altLang="en-US"/>
           </a:p>
@@ -3147,7 +3150,7 @@
           <a:p>
             <a:fld id="{79F4C3F6-B4DC-4E51-8609-BCC628ECDBF3}" type="datetime1">
               <a:rPr lang="ko-KR" altLang="en-US" smtClean="0"/>
-              <a:t>2023-04-23</a:t>
+              <a:t>2023-04-30</a:t>
             </a:fld>
             <a:endParaRPr lang="ko-KR" altLang="en-US"/>
           </a:p>
@@ -3327,7 +3330,7 @@
           <a:p>
             <a:fld id="{B2C4C586-F21B-48DD-B591-4B12E73E0749}" type="datetime1">
               <a:rPr lang="ko-KR" altLang="en-US" smtClean="0"/>
-              <a:t>2023-04-23</a:t>
+              <a:t>2023-04-30</a:t>
             </a:fld>
             <a:endParaRPr lang="ko-KR" altLang="en-US"/>
           </a:p>
@@ -11145,20 +11148,14 @@
         </p:nvSpPr>
         <p:spPr/>
         <p:txBody>
-          <a:bodyPr>
-            <a:normAutofit/>
-          </a:bodyPr>
+          <a:bodyPr/>
           <a:lstStyle/>
           <a:p>
             <a:r>
-              <a:rPr lang="en-US" altLang="ko-KR" sz="2800" dirty="0" smtClean="0"/>
-              <a:t>  </a:t>
-            </a:r>
-            <a:r>
-              <a:rPr lang="ko-KR" altLang="en-US" sz="2800" dirty="0" smtClean="0"/>
-              <a:t>게시판 테이블 생성</a:t>
-            </a:r>
-            <a:endParaRPr lang="ko-KR" altLang="en-US" sz="2800" dirty="0"/>
+              <a:rPr lang="ko-KR" altLang="en-US" dirty="0" smtClean="0"/>
+              <a:t> 그룹 함수</a:t>
+            </a:r>
+            <a:endParaRPr lang="ko-KR" altLang="en-US" dirty="0"/>
           </a:p>
         </p:txBody>
       </p:sp>
@@ -11185,121 +11182,565 @@
           </a:p>
         </p:txBody>
       </p:sp>
-      <p:pic>
-        <p:nvPicPr>
-          <p:cNvPr id="3" name="그림 2"/>
-          <p:cNvPicPr>
-            <a:picLocks noChangeAspect="1"/>
-          </p:cNvPicPr>
+      <p:sp>
+        <p:nvSpPr>
+          <p:cNvPr id="12" name="내용 개체 틀 2"/>
+          <p:cNvSpPr txBox="1">
+            <a:spLocks/>
+          </p:cNvSpPr>
           <p:nvPr/>
-        </p:nvPicPr>
-        <p:blipFill rotWithShape="1">
-          <a:blip r:embed="rId2">
-            <a:extLst>
-              <a:ext uri="{28A0092B-C50C-407E-A947-70E740481C1C}">
-                <a14:useLocalDpi xmlns:a14="http://schemas.microsoft.com/office/drawing/2010/main" val="0"/>
-              </a:ext>
-            </a:extLst>
-          </a:blip>
-          <a:srcRect r="12074" b="47424"/>
-          <a:stretch/>
-        </p:blipFill>
+        </p:nvSpPr>
         <p:spPr>
           <a:xfrm>
-            <a:off x="1187624" y="1844824"/>
-            <a:ext cx="5842888" cy="2592288"/>
+            <a:off x="549896" y="1196752"/>
+            <a:ext cx="7910536" cy="1512168"/>
           </a:xfrm>
           <a:prstGeom prst="rect">
             <a:avLst/>
           </a:prstGeom>
-          <a:ln>
-            <a:solidFill>
-              <a:schemeClr val="bg1">
-                <a:lumMod val="85000"/>
-              </a:schemeClr>
-            </a:solidFill>
-          </a:ln>
-        </p:spPr>
-      </p:pic>
-      <p:pic>
-        <p:nvPicPr>
-          <p:cNvPr id="5" name="그림 4"/>
-          <p:cNvPicPr>
-            <a:picLocks noChangeAspect="1"/>
-          </p:cNvPicPr>
-          <p:nvPr/>
-        </p:nvPicPr>
-        <p:blipFill>
-          <a:blip r:embed="rId3">
-            <a:extLst>
-              <a:ext uri="{28A0092B-C50C-407E-A947-70E740481C1C}">
-                <a14:useLocalDpi xmlns:a14="http://schemas.microsoft.com/office/drawing/2010/main" val="0"/>
-              </a:ext>
-            </a:extLst>
-          </a:blip>
-          <a:stretch>
-            <a:fillRect/>
-          </a:stretch>
-        </p:blipFill>
-        <p:spPr>
-          <a:xfrm>
-            <a:off x="1187624" y="4854235"/>
-            <a:ext cx="5014395" cy="662997"/>
-          </a:xfrm>
-          <a:prstGeom prst="rect">
-            <a:avLst/>
-          </a:prstGeom>
-          <a:ln>
-            <a:solidFill>
-              <a:schemeClr val="bg1">
-                <a:lumMod val="85000"/>
-              </a:schemeClr>
-            </a:solidFill>
-          </a:ln>
-        </p:spPr>
-      </p:pic>
-      <p:sp>
-        <p:nvSpPr>
-          <p:cNvPr id="7" name="TextBox 6"/>
-          <p:cNvSpPr txBox="1"/>
-          <p:nvPr/>
-        </p:nvSpPr>
-        <p:spPr>
-          <a:xfrm>
-            <a:off x="827584" y="1193356"/>
-            <a:ext cx="3816424" cy="400110"/>
-          </a:xfrm>
-          <a:prstGeom prst="rect">
-            <a:avLst/>
-          </a:prstGeom>
-          <a:noFill/>
         </p:spPr>
         <p:txBody>
-          <a:bodyPr wrap="square" rtlCol="0">
-            <a:spAutoFit/>
+          <a:bodyPr vert="horz" lIns="91440" tIns="45720" rIns="91440" bIns="45720" rtlCol="0">
+            <a:noAutofit/>
           </a:bodyPr>
-          <a:lstStyle/>
-          <a:p>
-            <a:pPr marL="342900" indent="-342900">
-              <a:buFont typeface="Wingdings" panose="05000000000000000000" pitchFamily="2" charset="2"/>
-              <a:buChar char="l"/>
+          <a:lstStyle>
+            <a:lvl1pPr marL="342900" indent="-342900" algn="l" defTabSz="914400" rtl="0" eaLnBrk="1" latinLnBrk="1" hangingPunct="1">
+              <a:spcBef>
+                <a:spcPct val="20000"/>
+              </a:spcBef>
+              <a:buFont typeface="Arial" panose="020B0604020202020204" pitchFamily="34" charset="0"/>
+              <a:buChar char="•"/>
+              <a:defRPr sz="3200" kern="1200">
+                <a:solidFill>
+                  <a:schemeClr val="tx1"/>
+                </a:solidFill>
+                <a:latin typeface="+mn-lt"/>
+                <a:ea typeface="+mn-ea"/>
+                <a:cs typeface="+mn-cs"/>
+              </a:defRPr>
+            </a:lvl1pPr>
+            <a:lvl2pPr marL="742950" indent="-285750" algn="l" defTabSz="914400" rtl="0" eaLnBrk="1" latinLnBrk="1" hangingPunct="1">
+              <a:spcBef>
+                <a:spcPct val="20000"/>
+              </a:spcBef>
+              <a:buFont typeface="Arial" panose="020B0604020202020204" pitchFamily="34" charset="0"/>
+              <a:buChar char="–"/>
+              <a:defRPr sz="2800" kern="1200">
+                <a:solidFill>
+                  <a:schemeClr val="tx1"/>
+                </a:solidFill>
+                <a:latin typeface="+mn-lt"/>
+                <a:ea typeface="+mn-ea"/>
+                <a:cs typeface="+mn-cs"/>
+              </a:defRPr>
+            </a:lvl2pPr>
+            <a:lvl3pPr marL="1143000" indent="-228600" algn="l" defTabSz="914400" rtl="0" eaLnBrk="1" latinLnBrk="1" hangingPunct="1">
+              <a:spcBef>
+                <a:spcPct val="20000"/>
+              </a:spcBef>
+              <a:buFont typeface="Arial" panose="020B0604020202020204" pitchFamily="34" charset="0"/>
+              <a:buChar char="•"/>
+              <a:defRPr sz="2400" kern="1200">
+                <a:solidFill>
+                  <a:schemeClr val="tx1"/>
+                </a:solidFill>
+                <a:latin typeface="+mn-lt"/>
+                <a:ea typeface="+mn-ea"/>
+                <a:cs typeface="+mn-cs"/>
+              </a:defRPr>
+            </a:lvl3pPr>
+            <a:lvl4pPr marL="1600200" indent="-228600" algn="l" defTabSz="914400" rtl="0" eaLnBrk="1" latinLnBrk="1" hangingPunct="1">
+              <a:spcBef>
+                <a:spcPct val="20000"/>
+              </a:spcBef>
+              <a:buFont typeface="Arial" panose="020B0604020202020204" pitchFamily="34" charset="0"/>
+              <a:buChar char="–"/>
+              <a:defRPr sz="2000" kern="1200">
+                <a:solidFill>
+                  <a:schemeClr val="tx1"/>
+                </a:solidFill>
+                <a:latin typeface="+mn-lt"/>
+                <a:ea typeface="+mn-ea"/>
+                <a:cs typeface="+mn-cs"/>
+              </a:defRPr>
+            </a:lvl4pPr>
+            <a:lvl5pPr marL="2057400" indent="-228600" algn="l" defTabSz="914400" rtl="0" eaLnBrk="1" latinLnBrk="1" hangingPunct="1">
+              <a:spcBef>
+                <a:spcPct val="20000"/>
+              </a:spcBef>
+              <a:buFont typeface="Arial" panose="020B0604020202020204" pitchFamily="34" charset="0"/>
+              <a:buChar char="»"/>
+              <a:defRPr sz="2000" kern="1200">
+                <a:solidFill>
+                  <a:schemeClr val="tx1"/>
+                </a:solidFill>
+                <a:latin typeface="+mn-lt"/>
+                <a:ea typeface="+mn-ea"/>
+                <a:cs typeface="+mn-cs"/>
+              </a:defRPr>
+            </a:lvl5pPr>
+            <a:lvl6pPr marL="2514600" indent="-228600" algn="l" defTabSz="914400" rtl="0" eaLnBrk="1" latinLnBrk="1" hangingPunct="1">
+              <a:spcBef>
+                <a:spcPct val="20000"/>
+              </a:spcBef>
+              <a:buFont typeface="Arial" panose="020B0604020202020204" pitchFamily="34" charset="0"/>
+              <a:buChar char="•"/>
+              <a:defRPr sz="2000" kern="1200">
+                <a:solidFill>
+                  <a:schemeClr val="tx1"/>
+                </a:solidFill>
+                <a:latin typeface="+mn-lt"/>
+                <a:ea typeface="+mn-ea"/>
+                <a:cs typeface="+mn-cs"/>
+              </a:defRPr>
+            </a:lvl6pPr>
+            <a:lvl7pPr marL="2971800" indent="-228600" algn="l" defTabSz="914400" rtl="0" eaLnBrk="1" latinLnBrk="1" hangingPunct="1">
+              <a:spcBef>
+                <a:spcPct val="20000"/>
+              </a:spcBef>
+              <a:buFont typeface="Arial" panose="020B0604020202020204" pitchFamily="34" charset="0"/>
+              <a:buChar char="•"/>
+              <a:defRPr sz="2000" kern="1200">
+                <a:solidFill>
+                  <a:schemeClr val="tx1"/>
+                </a:solidFill>
+                <a:latin typeface="+mn-lt"/>
+                <a:ea typeface="+mn-ea"/>
+                <a:cs typeface="+mn-cs"/>
+              </a:defRPr>
+            </a:lvl7pPr>
+            <a:lvl8pPr marL="3429000" indent="-228600" algn="l" defTabSz="914400" rtl="0" eaLnBrk="1" latinLnBrk="1" hangingPunct="1">
+              <a:spcBef>
+                <a:spcPct val="20000"/>
+              </a:spcBef>
+              <a:buFont typeface="Arial" panose="020B0604020202020204" pitchFamily="34" charset="0"/>
+              <a:buChar char="•"/>
+              <a:defRPr sz="2000" kern="1200">
+                <a:solidFill>
+                  <a:schemeClr val="tx1"/>
+                </a:solidFill>
+                <a:latin typeface="+mn-lt"/>
+                <a:ea typeface="+mn-ea"/>
+                <a:cs typeface="+mn-cs"/>
+              </a:defRPr>
+            </a:lvl8pPr>
+            <a:lvl9pPr marL="3886200" indent="-228600" algn="l" defTabSz="914400" rtl="0" eaLnBrk="1" latinLnBrk="1" hangingPunct="1">
+              <a:spcBef>
+                <a:spcPct val="20000"/>
+              </a:spcBef>
+              <a:buFont typeface="Arial" panose="020B0604020202020204" pitchFamily="34" charset="0"/>
+              <a:buChar char="•"/>
+              <a:defRPr sz="2000" kern="1200">
+                <a:solidFill>
+                  <a:schemeClr val="tx1"/>
+                </a:solidFill>
+                <a:latin typeface="+mn-lt"/>
+                <a:ea typeface="+mn-ea"/>
+                <a:cs typeface="+mn-cs"/>
+              </a:defRPr>
+            </a:lvl9pPr>
+          </a:lstStyle>
+          <a:p>
+            <a:pPr marL="0" indent="0">
+              <a:lnSpc>
+                <a:spcPct val="150000"/>
+              </a:lnSpc>
+              <a:buFont typeface="Arial" panose="020B0604020202020204" pitchFamily="34" charset="0"/>
+              <a:buNone/>
             </a:pPr>
             <a:r>
+              <a:rPr lang="en-US" altLang="ko-KR" sz="1800" dirty="0"/>
+              <a:t> </a:t>
+            </a:r>
+            <a:r>
               <a:rPr lang="ko-KR" altLang="en-US" sz="2000" b="1" dirty="0" smtClean="0"/>
-              <a:t>게시판 </a:t>
-            </a:r>
-            <a:r>
-              <a:rPr lang="en-US" altLang="ko-KR" sz="2000" b="1" dirty="0" smtClean="0"/>
-              <a:t>– BOARD</a:t>
-            </a:r>
-            <a:endParaRPr lang="ko-KR" altLang="en-US" sz="2000" b="1" dirty="0"/>
+              <a:t>그룹 함수 </a:t>
+            </a:r>
+            <a:endParaRPr lang="en-US" altLang="ko-KR" sz="2000" b="1" dirty="0" smtClean="0"/>
+          </a:p>
+          <a:p>
+            <a:pPr marL="0" indent="0">
+              <a:lnSpc>
+                <a:spcPct val="150000"/>
+              </a:lnSpc>
+              <a:buFont typeface="Arial" panose="020B0604020202020204" pitchFamily="34" charset="0"/>
+              <a:buNone/>
+            </a:pPr>
+            <a:r>
+              <a:rPr lang="en-US" altLang="ko-KR" sz="1800" dirty="0" smtClean="0"/>
+              <a:t>   – </a:t>
+            </a:r>
+            <a:r>
+              <a:rPr lang="ko-KR" altLang="en-US" sz="1800" dirty="0" smtClean="0"/>
+              <a:t>단일 행 함수와 달리 여러 행에 대해 함수가 적용되어 하나의 결과를 </a:t>
+            </a:r>
+            <a:endParaRPr lang="en-US" altLang="ko-KR" sz="1800" dirty="0" smtClean="0"/>
+          </a:p>
+          <a:p>
+            <a:pPr marL="0" indent="0">
+              <a:lnSpc>
+                <a:spcPct val="150000"/>
+              </a:lnSpc>
+              <a:buFont typeface="Arial" panose="020B0604020202020204" pitchFamily="34" charset="0"/>
+              <a:buNone/>
+            </a:pPr>
+            <a:r>
+              <a:rPr lang="en-US" altLang="ko-KR" sz="1800" dirty="0"/>
+              <a:t> </a:t>
+            </a:r>
+            <a:r>
+              <a:rPr lang="en-US" altLang="ko-KR" sz="1800" dirty="0" smtClean="0"/>
+              <a:t>     </a:t>
+            </a:r>
+            <a:r>
+              <a:rPr lang="ko-KR" altLang="en-US" sz="1800" dirty="0" smtClean="0"/>
+              <a:t>나타내는 함수</a:t>
+            </a:r>
+            <a:endParaRPr lang="en-US" altLang="ko-KR" sz="1800" dirty="0" smtClean="0"/>
           </a:p>
         </p:txBody>
       </p:sp>
+      <p:graphicFrame>
+        <p:nvGraphicFramePr>
+          <p:cNvPr id="11" name="내용 개체 틀 4"/>
+          <p:cNvGraphicFramePr>
+            <a:graphicFrameLocks/>
+          </p:cNvGraphicFramePr>
+          <p:nvPr>
+            <p:extLst/>
+          </p:nvPr>
+        </p:nvGraphicFramePr>
+        <p:xfrm>
+          <a:off x="1691680" y="2852936"/>
+          <a:ext cx="4409664" cy="2736306"/>
+        </p:xfrm>
+        <a:graphic>
+          <a:graphicData uri="http://schemas.openxmlformats.org/drawingml/2006/table">
+            <a:tbl>
+              <a:tblPr firstRow="1">
+                <a:tableStyleId>{5940675A-B579-460E-94D1-54222C63F5DA}</a:tableStyleId>
+              </a:tblPr>
+              <a:tblGrid>
+                <a:gridCol w="1558554">
+                  <a:extLst>
+                    <a:ext uri="{9D8B030D-6E8A-4147-A177-3AD203B41FA5}">
+                      <a16:colId xmlns:a16="http://schemas.microsoft.com/office/drawing/2014/main" val="20000"/>
+                    </a:ext>
+                  </a:extLst>
+                </a:gridCol>
+                <a:gridCol w="2851110">
+                  <a:extLst>
+                    <a:ext uri="{9D8B030D-6E8A-4147-A177-3AD203B41FA5}">
+                      <a16:colId xmlns:a16="http://schemas.microsoft.com/office/drawing/2014/main" val="20002"/>
+                    </a:ext>
+                  </a:extLst>
+                </a:gridCol>
+              </a:tblGrid>
+              <a:tr h="456051">
+                <a:tc>
+                  <a:txBody>
+                    <a:bodyPr/>
+                    <a:lstStyle/>
+                    <a:p>
+                      <a:pPr algn="ctr" latinLnBrk="1"/>
+                      <a:r>
+                        <a:rPr lang="ko-KR" altLang="en-US" sz="1600" u="none" dirty="0"/>
+                        <a:t> 함수</a:t>
+                      </a:r>
+                    </a:p>
+                  </a:txBody>
+                  <a:tcPr anchor="ctr">
+                    <a:solidFill>
+                      <a:schemeClr val="accent1">
+                        <a:lumMod val="20000"/>
+                        <a:lumOff val="80000"/>
+                      </a:schemeClr>
+                    </a:solidFill>
+                  </a:tcPr>
+                </a:tc>
+                <a:tc>
+                  <a:txBody>
+                    <a:bodyPr/>
+                    <a:lstStyle/>
+                    <a:p>
+                      <a:pPr algn="ctr" latinLnBrk="1"/>
+                      <a:r>
+                        <a:rPr lang="ko-KR" altLang="en-US" sz="1600" dirty="0"/>
+                        <a:t> 기능</a:t>
+                      </a:r>
+                    </a:p>
+                  </a:txBody>
+                  <a:tcPr anchor="ctr">
+                    <a:solidFill>
+                      <a:schemeClr val="accent1">
+                        <a:lumMod val="20000"/>
+                        <a:lumOff val="80000"/>
+                      </a:schemeClr>
+                    </a:solidFill>
+                  </a:tcPr>
+                </a:tc>
+                <a:extLst>
+                  <a:ext uri="{0D108BD9-81ED-4DB2-BD59-A6C34878D82A}">
+                    <a16:rowId xmlns:a16="http://schemas.microsoft.com/office/drawing/2014/main" val="10000"/>
+                  </a:ext>
+                </a:extLst>
+              </a:tr>
+              <a:tr h="456051">
+                <a:tc>
+                  <a:txBody>
+                    <a:bodyPr/>
+                    <a:lstStyle/>
+                    <a:p>
+                      <a:pPr algn="ctr" latinLnBrk="1"/>
+                      <a:r>
+                        <a:rPr lang="en-US" altLang="ko-KR" sz="1600" dirty="0"/>
+                        <a:t>SUM(</a:t>
+                      </a:r>
+                      <a:r>
+                        <a:rPr lang="ko-KR" altLang="en-US" sz="1600" dirty="0"/>
+                        <a:t>칼럼</a:t>
+                      </a:r>
+                      <a:r>
+                        <a:rPr lang="en-US" altLang="ko-KR" sz="1600" baseline="0" dirty="0"/>
+                        <a:t> )</a:t>
+                      </a:r>
+                      <a:endParaRPr lang="ko-KR" altLang="en-US" sz="1600" dirty="0"/>
+                    </a:p>
+                  </a:txBody>
+                  <a:tcPr anchor="ctr"/>
+                </a:tc>
+                <a:tc>
+                  <a:txBody>
+                    <a:bodyPr/>
+                    <a:lstStyle/>
+                    <a:p>
+                      <a:pPr algn="l" latinLnBrk="1"/>
+                      <a:r>
+                        <a:rPr lang="en-US" altLang="ko-KR" sz="1600" dirty="0"/>
+                        <a:t> </a:t>
+                      </a:r>
+                      <a:r>
+                        <a:rPr lang="ko-KR" altLang="en-US" sz="1600" dirty="0"/>
+                        <a:t>합계</a:t>
+                      </a:r>
+                    </a:p>
+                  </a:txBody>
+                  <a:tcPr anchor="ctr"/>
+                </a:tc>
+                <a:extLst>
+                  <a:ext uri="{0D108BD9-81ED-4DB2-BD59-A6C34878D82A}">
+                    <a16:rowId xmlns:a16="http://schemas.microsoft.com/office/drawing/2014/main" val="10001"/>
+                  </a:ext>
+                </a:extLst>
+              </a:tr>
+              <a:tr h="456051">
+                <a:tc>
+                  <a:txBody>
+                    <a:bodyPr/>
+                    <a:lstStyle/>
+                    <a:p>
+                      <a:pPr algn="ctr" latinLnBrk="1"/>
+                      <a:r>
+                        <a:rPr lang="en-US" altLang="ko-KR" sz="1600" dirty="0"/>
+                        <a:t>COUNT(*)</a:t>
+                      </a:r>
+                      <a:endParaRPr lang="ko-KR" altLang="en-US" sz="1600" dirty="0"/>
+                    </a:p>
+                  </a:txBody>
+                  <a:tcPr anchor="ctr"/>
+                </a:tc>
+                <a:tc>
+                  <a:txBody>
+                    <a:bodyPr/>
+                    <a:lstStyle/>
+                    <a:p>
+                      <a:pPr algn="l" latinLnBrk="1"/>
+                      <a:r>
+                        <a:rPr lang="en-US" altLang="ko-KR" sz="1600" dirty="0"/>
+                        <a:t> </a:t>
+                      </a:r>
+                      <a:r>
+                        <a:rPr lang="ko-KR" altLang="en-US" sz="1600" dirty="0"/>
+                        <a:t>개수</a:t>
+                      </a:r>
+                    </a:p>
+                  </a:txBody>
+                  <a:tcPr anchor="ctr"/>
+                </a:tc>
+                <a:extLst>
+                  <a:ext uri="{0D108BD9-81ED-4DB2-BD59-A6C34878D82A}">
+                    <a16:rowId xmlns:a16="http://schemas.microsoft.com/office/drawing/2014/main" val="10002"/>
+                  </a:ext>
+                </a:extLst>
+              </a:tr>
+              <a:tr h="456051">
+                <a:tc>
+                  <a:txBody>
+                    <a:bodyPr/>
+                    <a:lstStyle/>
+                    <a:p>
+                      <a:pPr algn="ctr" latinLnBrk="1"/>
+                      <a:r>
+                        <a:rPr lang="en-US" altLang="ko-KR" sz="1600" dirty="0"/>
+                        <a:t>AVG(</a:t>
+                      </a:r>
+                      <a:r>
+                        <a:rPr lang="ko-KR" altLang="en-US" sz="1600" dirty="0"/>
+                        <a:t>칼럼</a:t>
+                      </a:r>
+                      <a:r>
+                        <a:rPr lang="en-US" altLang="ko-KR" sz="1600" dirty="0"/>
+                        <a:t>)</a:t>
+                      </a:r>
+                      <a:endParaRPr lang="ko-KR" altLang="en-US" sz="1600" dirty="0"/>
+                    </a:p>
+                  </a:txBody>
+                  <a:tcPr anchor="ctr"/>
+                </a:tc>
+                <a:tc>
+                  <a:txBody>
+                    <a:bodyPr/>
+                    <a:lstStyle/>
+                    <a:p>
+                      <a:pPr algn="l" latinLnBrk="1"/>
+                      <a:r>
+                        <a:rPr lang="en-US" altLang="ko-KR" sz="1600" dirty="0"/>
+                        <a:t> </a:t>
+                      </a:r>
+                      <a:r>
+                        <a:rPr lang="ko-KR" altLang="en-US" sz="1600" dirty="0"/>
+                        <a:t>평균</a:t>
+                      </a:r>
+                    </a:p>
+                  </a:txBody>
+                  <a:tcPr anchor="ctr"/>
+                </a:tc>
+                <a:extLst>
+                  <a:ext uri="{0D108BD9-81ED-4DB2-BD59-A6C34878D82A}">
+                    <a16:rowId xmlns:a16="http://schemas.microsoft.com/office/drawing/2014/main" val="10003"/>
+                  </a:ext>
+                </a:extLst>
+              </a:tr>
+              <a:tr h="456051">
+                <a:tc>
+                  <a:txBody>
+                    <a:bodyPr/>
+                    <a:lstStyle/>
+                    <a:p>
+                      <a:pPr algn="ctr" latinLnBrk="1"/>
+                      <a:r>
+                        <a:rPr lang="en-US" altLang="ko-KR" sz="1600" dirty="0"/>
+                        <a:t>MAX(</a:t>
+                      </a:r>
+                      <a:r>
+                        <a:rPr lang="ko-KR" altLang="en-US" sz="1600" dirty="0"/>
+                        <a:t>칼럼</a:t>
+                      </a:r>
+                      <a:r>
+                        <a:rPr lang="en-US" altLang="ko-KR" sz="1600" dirty="0"/>
+                        <a:t>)</a:t>
+                      </a:r>
+                      <a:endParaRPr lang="ko-KR" altLang="en-US" sz="1600" dirty="0"/>
+                    </a:p>
+                  </a:txBody>
+                  <a:tcPr anchor="ctr"/>
+                </a:tc>
+                <a:tc>
+                  <a:txBody>
+                    <a:bodyPr/>
+                    <a:lstStyle/>
+                    <a:p>
+                      <a:pPr algn="l" latinLnBrk="1"/>
+                      <a:r>
+                        <a:rPr lang="en-US" altLang="ko-KR" sz="1600" dirty="0"/>
+                        <a:t> </a:t>
+                      </a:r>
+                      <a:r>
+                        <a:rPr lang="ko-KR" altLang="en-US" sz="1600" dirty="0"/>
+                        <a:t>최대값</a:t>
+                      </a:r>
+                    </a:p>
+                  </a:txBody>
+                  <a:tcPr anchor="ctr"/>
+                </a:tc>
+                <a:extLst>
+                  <a:ext uri="{0D108BD9-81ED-4DB2-BD59-A6C34878D82A}">
+                    <a16:rowId xmlns:a16="http://schemas.microsoft.com/office/drawing/2014/main" val="10004"/>
+                  </a:ext>
+                </a:extLst>
+              </a:tr>
+              <a:tr h="456051">
+                <a:tc>
+                  <a:txBody>
+                    <a:bodyPr/>
+                    <a:lstStyle/>
+                    <a:p>
+                      <a:pPr marL="0" marR="0" indent="0" algn="ctr" defTabSz="914400" rtl="0" eaLnBrk="1" fontAlgn="auto" latinLnBrk="1" hangingPunct="1">
+                        <a:lnSpc>
+                          <a:spcPct val="100000"/>
+                        </a:lnSpc>
+                        <a:spcBef>
+                          <a:spcPts val="0"/>
+                        </a:spcBef>
+                        <a:spcAft>
+                          <a:spcPts val="0"/>
+                        </a:spcAft>
+                        <a:buClrTx/>
+                        <a:buSzTx/>
+                        <a:buFontTx/>
+                        <a:buNone/>
+                        <a:tabLst/>
+                        <a:defRPr/>
+                      </a:pPr>
+                      <a:r>
+                        <a:rPr lang="en-US" altLang="ko-KR" sz="1600" dirty="0"/>
+                        <a:t>MIN(</a:t>
+                      </a:r>
+                      <a:r>
+                        <a:rPr lang="ko-KR" altLang="en-US" sz="1600" dirty="0"/>
+                        <a:t>칼럼</a:t>
+                      </a:r>
+                      <a:r>
+                        <a:rPr lang="en-US" altLang="ko-KR" sz="1600" dirty="0"/>
+                        <a:t>)</a:t>
+                      </a:r>
+                      <a:endParaRPr lang="ko-KR" altLang="en-US" sz="1600" dirty="0"/>
+                    </a:p>
+                  </a:txBody>
+                  <a:tcPr anchor="ctr"/>
+                </a:tc>
+                <a:tc>
+                  <a:txBody>
+                    <a:bodyPr/>
+                    <a:lstStyle/>
+                    <a:p>
+                      <a:pPr algn="l" latinLnBrk="1"/>
+                      <a:r>
+                        <a:rPr lang="en-US" altLang="ko-KR" sz="1600" dirty="0"/>
+                        <a:t>  </a:t>
+                      </a:r>
+                      <a:r>
+                        <a:rPr lang="ko-KR" altLang="en-US" sz="1600" dirty="0"/>
+                        <a:t>최소값</a:t>
+                      </a:r>
+                    </a:p>
+                  </a:txBody>
+                  <a:tcPr anchor="ctr"/>
+                </a:tc>
+                <a:extLst>
+                  <a:ext uri="{0D108BD9-81ED-4DB2-BD59-A6C34878D82A}">
+                    <a16:rowId xmlns:a16="http://schemas.microsoft.com/office/drawing/2014/main" val="10005"/>
+                  </a:ext>
+                </a:extLst>
+              </a:tr>
+            </a:tbl>
+          </a:graphicData>
+        </a:graphic>
+      </p:graphicFrame>
     </p:spTree>
     <p:extLst>
       <p:ext uri="{BB962C8B-B14F-4D97-AF65-F5344CB8AC3E}">
-        <p14:creationId xmlns:p14="http://schemas.microsoft.com/office/powerpoint/2010/main" val="4169221332"/>
+        <p14:creationId xmlns:p14="http://schemas.microsoft.com/office/powerpoint/2010/main" val="971273293"/>
       </p:ext>
     </p:extLst>
   </p:cSld>
@@ -11335,34 +11776,6 @@
       </p:grpSpPr>
       <p:sp>
         <p:nvSpPr>
-          <p:cNvPr id="2" name="제목 1"/>
-          <p:cNvSpPr>
-            <a:spLocks noGrp="1"/>
-          </p:cNvSpPr>
-          <p:nvPr>
-            <p:ph type="title"/>
-          </p:nvPr>
-        </p:nvSpPr>
-        <p:spPr/>
-        <p:txBody>
-          <a:bodyPr>
-            <a:normAutofit/>
-          </a:bodyPr>
-          <a:lstStyle/>
-          <a:p>
-            <a:r>
-              <a:rPr lang="en-US" altLang="ko-KR" sz="2800" dirty="0" smtClean="0"/>
-              <a:t>  </a:t>
-            </a:r>
-            <a:r>
-              <a:rPr lang="ko-KR" altLang="en-US" sz="2800" dirty="0"/>
-              <a:t>게시판 테이블 생성</a:t>
-            </a:r>
-          </a:p>
-        </p:txBody>
-      </p:sp>
-      <p:sp>
-        <p:nvSpPr>
           <p:cNvPr id="4" name="슬라이드 번호 개체 틀 3"/>
           <p:cNvSpPr>
             <a:spLocks noGrp="1"/>
@@ -11386,14 +11799,14 @@
       </p:sp>
       <p:sp>
         <p:nvSpPr>
-          <p:cNvPr id="8" name="TextBox 7"/>
+          <p:cNvPr id="3" name="TextBox 2"/>
           <p:cNvSpPr txBox="1"/>
           <p:nvPr/>
         </p:nvSpPr>
         <p:spPr>
           <a:xfrm>
-            <a:off x="827584" y="1193356"/>
-            <a:ext cx="3816424" cy="400110"/>
+            <a:off x="827584" y="1156682"/>
+            <a:ext cx="6120680" cy="400110"/>
           </a:xfrm>
           <a:prstGeom prst="rect">
             <a:avLst/>
@@ -11406,63 +11819,403 @@
           </a:bodyPr>
           <a:lstStyle/>
           <a:p>
-            <a:pPr marL="342900" indent="-342900">
-              <a:buFont typeface="Wingdings" panose="05000000000000000000" pitchFamily="2" charset="2"/>
-              <a:buChar char="l"/>
-            </a:pPr>
+            <a:r>
+              <a:rPr lang="en-US" altLang="ko-KR" sz="2000" b="1" dirty="0" smtClean="0"/>
+              <a:t>RANK() </a:t>
+            </a:r>
             <a:r>
               <a:rPr lang="ko-KR" altLang="en-US" sz="2000" b="1" dirty="0" smtClean="0"/>
-              <a:t>게시판 </a:t>
+              <a:t>함수 </a:t>
             </a:r>
             <a:r>
               <a:rPr lang="en-US" altLang="ko-KR" sz="2000" b="1" dirty="0" smtClean="0"/>
-              <a:t>– BOARD</a:t>
+              <a:t>– </a:t>
+            </a:r>
+            <a:r>
+              <a:rPr lang="ko-KR" altLang="en-US" sz="2000" b="1" dirty="0" smtClean="0"/>
+              <a:t>데이터 값에 순위 정하기</a:t>
             </a:r>
             <a:endParaRPr lang="ko-KR" altLang="en-US" sz="2000" b="1" dirty="0"/>
           </a:p>
         </p:txBody>
       </p:sp>
-      <p:pic>
-        <p:nvPicPr>
-          <p:cNvPr id="5" name="그림 4"/>
-          <p:cNvPicPr>
-            <a:picLocks noChangeAspect="1"/>
-          </p:cNvPicPr>
-          <p:nvPr/>
-        </p:nvPicPr>
-        <p:blipFill>
-          <a:blip r:embed="rId2">
-            <a:extLst>
-              <a:ext uri="{28A0092B-C50C-407E-A947-70E740481C1C}">
-                <a14:useLocalDpi xmlns:a14="http://schemas.microsoft.com/office/drawing/2010/main" val="0"/>
-              </a:ext>
-            </a:extLst>
-          </a:blip>
-          <a:stretch>
-            <a:fillRect/>
-          </a:stretch>
-        </p:blipFill>
+      <p:sp>
+        <p:nvSpPr>
+          <p:cNvPr id="10" name="제목 1"/>
+          <p:cNvSpPr>
+            <a:spLocks noGrp="1"/>
+          </p:cNvSpPr>
+          <p:nvPr>
+            <p:ph type="title"/>
+          </p:nvPr>
+        </p:nvSpPr>
         <p:spPr>
           <a:xfrm>
-            <a:off x="1187624" y="1772816"/>
-            <a:ext cx="6690940" cy="3817951"/>
+            <a:off x="1" y="-18256"/>
+            <a:ext cx="5724128" cy="854968"/>
           </a:xfrm>
-          <a:prstGeom prst="rect">
-            <a:avLst/>
-          </a:prstGeom>
-          <a:ln>
-            <a:solidFill>
-              <a:schemeClr val="bg1">
-                <a:lumMod val="85000"/>
-              </a:schemeClr>
-            </a:solidFill>
-          </a:ln>
         </p:spPr>
-      </p:pic>
+        <p:txBody>
+          <a:bodyPr>
+            <a:normAutofit/>
+          </a:bodyPr>
+          <a:lstStyle/>
+          <a:p>
+            <a:r>
+              <a:rPr lang="en-US" altLang="ko-KR" sz="2800" dirty="0" smtClean="0"/>
+              <a:t>  </a:t>
+            </a:r>
+            <a:r>
+              <a:rPr lang="ko-KR" altLang="en-US" sz="2800" b="1" dirty="0" smtClean="0"/>
+              <a:t>그룹 함수 </a:t>
+            </a:r>
+            <a:r>
+              <a:rPr lang="en-US" altLang="ko-KR" sz="2800" b="1" dirty="0" smtClean="0"/>
+              <a:t>– RANK()</a:t>
+            </a:r>
+            <a:endParaRPr lang="ko-KR" altLang="en-US" sz="2800" b="1" dirty="0"/>
+          </a:p>
+        </p:txBody>
+      </p:sp>
+      <p:graphicFrame>
+        <p:nvGraphicFramePr>
+          <p:cNvPr id="9" name="내용 개체 틀 4"/>
+          <p:cNvGraphicFramePr>
+            <a:graphicFrameLocks/>
+          </p:cNvGraphicFramePr>
+          <p:nvPr>
+            <p:extLst/>
+          </p:nvPr>
+        </p:nvGraphicFramePr>
+        <p:xfrm>
+          <a:off x="827584" y="1844824"/>
+          <a:ext cx="7632848" cy="2262207"/>
+        </p:xfrm>
+        <a:graphic>
+          <a:graphicData uri="http://schemas.openxmlformats.org/drawingml/2006/table">
+            <a:tbl>
+              <a:tblPr firstRow="1">
+                <a:tableStyleId>{21E4AEA4-8DFA-4A89-87EB-49C32662AFE0}</a:tableStyleId>
+              </a:tblPr>
+              <a:tblGrid>
+                <a:gridCol w="1800200">
+                  <a:extLst>
+                    <a:ext uri="{9D8B030D-6E8A-4147-A177-3AD203B41FA5}">
+                      <a16:colId xmlns:a16="http://schemas.microsoft.com/office/drawing/2014/main" val="20000"/>
+                    </a:ext>
+                  </a:extLst>
+                </a:gridCol>
+                <a:gridCol w="4176464">
+                  <a:extLst>
+                    <a:ext uri="{9D8B030D-6E8A-4147-A177-3AD203B41FA5}">
+                      <a16:colId xmlns:a16="http://schemas.microsoft.com/office/drawing/2014/main" val="20001"/>
+                    </a:ext>
+                  </a:extLst>
+                </a:gridCol>
+                <a:gridCol w="1656184">
+                  <a:extLst>
+                    <a:ext uri="{9D8B030D-6E8A-4147-A177-3AD203B41FA5}">
+                      <a16:colId xmlns:a16="http://schemas.microsoft.com/office/drawing/2014/main" val="20002"/>
+                    </a:ext>
+                  </a:extLst>
+                </a:gridCol>
+              </a:tblGrid>
+              <a:tr h="616287">
+                <a:tc>
+                  <a:txBody>
+                    <a:bodyPr/>
+                    <a:lstStyle/>
+                    <a:p>
+                      <a:pPr algn="ctr" latinLnBrk="1"/>
+                      <a:r>
+                        <a:rPr lang="ko-KR" altLang="en-US" sz="1600" dirty="0" smtClean="0"/>
+                        <a:t>함수</a:t>
+                      </a:r>
+                      <a:endParaRPr lang="ko-KR" altLang="en-US" sz="1600" dirty="0"/>
+                    </a:p>
+                  </a:txBody>
+                  <a:tcPr anchor="ctr">
+                    <a:solidFill>
+                      <a:schemeClr val="accent5">
+                        <a:lumMod val="75000"/>
+                      </a:schemeClr>
+                    </a:solidFill>
+                  </a:tcPr>
+                </a:tc>
+                <a:tc>
+                  <a:txBody>
+                    <a:bodyPr/>
+                    <a:lstStyle/>
+                    <a:p>
+                      <a:pPr algn="ctr" latinLnBrk="1"/>
+                      <a:r>
+                        <a:rPr lang="ko-KR" altLang="en-US" sz="1600" dirty="0" smtClean="0"/>
+                        <a:t>설명</a:t>
+                      </a:r>
+                      <a:endParaRPr lang="ko-KR" altLang="en-US" sz="1600" dirty="0"/>
+                    </a:p>
+                  </a:txBody>
+                  <a:tcPr anchor="ctr">
+                    <a:solidFill>
+                      <a:schemeClr val="accent5">
+                        <a:lumMod val="75000"/>
+                      </a:schemeClr>
+                    </a:solidFill>
+                  </a:tcPr>
+                </a:tc>
+                <a:tc>
+                  <a:txBody>
+                    <a:bodyPr/>
+                    <a:lstStyle/>
+                    <a:p>
+                      <a:pPr algn="ctr" latinLnBrk="1"/>
+                      <a:r>
+                        <a:rPr lang="ko-KR" altLang="en-US" sz="1600" dirty="0" smtClean="0"/>
+                        <a:t>순위 예</a:t>
+                      </a:r>
+                      <a:endParaRPr lang="ko-KR" altLang="en-US" sz="1600" dirty="0"/>
+                    </a:p>
+                  </a:txBody>
+                  <a:tcPr anchor="ctr">
+                    <a:solidFill>
+                      <a:schemeClr val="accent5">
+                        <a:lumMod val="75000"/>
+                      </a:schemeClr>
+                    </a:solidFill>
+                  </a:tcPr>
+                </a:tc>
+                <a:extLst>
+                  <a:ext uri="{0D108BD9-81ED-4DB2-BD59-A6C34878D82A}">
+                    <a16:rowId xmlns:a16="http://schemas.microsoft.com/office/drawing/2014/main" val="10000"/>
+                  </a:ext>
+                </a:extLst>
+              </a:tr>
+              <a:tr h="769439">
+                <a:tc>
+                  <a:txBody>
+                    <a:bodyPr/>
+                    <a:lstStyle/>
+                    <a:p>
+                      <a:pPr algn="l" latinLnBrk="1">
+                        <a:lnSpc>
+                          <a:spcPct val="150000"/>
+                        </a:lnSpc>
+                      </a:pPr>
+                      <a:r>
+                        <a:rPr lang="en-US" altLang="ko-KR" sz="1600" dirty="0" smtClean="0"/>
+                        <a:t> RANK</a:t>
+                      </a:r>
+                      <a:endParaRPr lang="ko-KR" altLang="en-US" sz="1600" dirty="0"/>
+                    </a:p>
+                  </a:txBody>
+                  <a:tcPr anchor="ctr">
+                    <a:solidFill>
+                      <a:schemeClr val="accent5">
+                        <a:lumMod val="20000"/>
+                        <a:lumOff val="80000"/>
+                      </a:schemeClr>
+                    </a:solidFill>
+                  </a:tcPr>
+                </a:tc>
+                <a:tc>
+                  <a:txBody>
+                    <a:bodyPr/>
+                    <a:lstStyle/>
+                    <a:p>
+                      <a:pPr algn="l" latinLnBrk="1">
+                        <a:lnSpc>
+                          <a:spcPct val="150000"/>
+                        </a:lnSpc>
+                      </a:pPr>
+                      <a:r>
+                        <a:rPr lang="en-US" altLang="ko-KR" sz="1600" dirty="0" smtClean="0"/>
+                        <a:t> </a:t>
+                      </a:r>
+                      <a:r>
+                        <a:rPr lang="ko-KR" altLang="en-US" sz="1600" dirty="0" smtClean="0"/>
+                        <a:t>공통 순위를 출력하되 공통 순위만큼 건너뛰어 다음 순위를 출력한다</a:t>
+                      </a:r>
+                      <a:r>
+                        <a:rPr lang="en-US" altLang="ko-KR" sz="1600" dirty="0" smtClean="0"/>
+                        <a:t>.</a:t>
+                      </a:r>
+                      <a:endParaRPr lang="ko-KR" altLang="en-US" sz="1600" dirty="0"/>
+                    </a:p>
+                  </a:txBody>
+                  <a:tcPr anchor="ctr">
+                    <a:solidFill>
+                      <a:schemeClr val="accent5">
+                        <a:lumMod val="20000"/>
+                        <a:lumOff val="80000"/>
+                      </a:schemeClr>
+                    </a:solidFill>
+                  </a:tcPr>
+                </a:tc>
+                <a:tc>
+                  <a:txBody>
+                    <a:bodyPr/>
+                    <a:lstStyle/>
+                    <a:p>
+                      <a:pPr algn="l" latinLnBrk="1">
+                        <a:lnSpc>
+                          <a:spcPct val="150000"/>
+                        </a:lnSpc>
+                      </a:pPr>
+                      <a:r>
+                        <a:rPr lang="en-US" altLang="ko-KR" sz="1600" dirty="0" smtClean="0"/>
+                        <a:t> 1, 2, 2, 4, …</a:t>
+                      </a:r>
+                      <a:endParaRPr lang="ko-KR" altLang="en-US" sz="1600" dirty="0"/>
+                    </a:p>
+                  </a:txBody>
+                  <a:tcPr anchor="ctr">
+                    <a:solidFill>
+                      <a:schemeClr val="accent5">
+                        <a:lumMod val="20000"/>
+                        <a:lumOff val="80000"/>
+                      </a:schemeClr>
+                    </a:solidFill>
+                  </a:tcPr>
+                </a:tc>
+                <a:extLst>
+                  <a:ext uri="{0D108BD9-81ED-4DB2-BD59-A6C34878D82A}">
+                    <a16:rowId xmlns:a16="http://schemas.microsoft.com/office/drawing/2014/main" val="10001"/>
+                  </a:ext>
+                </a:extLst>
+              </a:tr>
+              <a:tr h="616287">
+                <a:tc>
+                  <a:txBody>
+                    <a:bodyPr/>
+                    <a:lstStyle/>
+                    <a:p>
+                      <a:pPr marL="0" marR="0" indent="0" algn="l" defTabSz="914400" rtl="0" eaLnBrk="1" fontAlgn="auto" latinLnBrk="1" hangingPunct="1">
+                        <a:lnSpc>
+                          <a:spcPct val="150000"/>
+                        </a:lnSpc>
+                        <a:spcBef>
+                          <a:spcPts val="0"/>
+                        </a:spcBef>
+                        <a:spcAft>
+                          <a:spcPts val="0"/>
+                        </a:spcAft>
+                        <a:buClrTx/>
+                        <a:buSzTx/>
+                        <a:buFontTx/>
+                        <a:buNone/>
+                        <a:tabLst/>
+                        <a:defRPr/>
+                      </a:pPr>
+                      <a:r>
+                        <a:rPr lang="en-US" altLang="ko-KR" sz="1600" dirty="0" smtClean="0"/>
+                        <a:t> DENSE_RANK</a:t>
+                      </a:r>
+                      <a:endParaRPr lang="ko-KR" altLang="en-US" sz="1600" dirty="0" smtClean="0"/>
+                    </a:p>
+                  </a:txBody>
+                  <a:tcPr anchor="ctr">
+                    <a:solidFill>
+                      <a:schemeClr val="accent5">
+                        <a:lumMod val="20000"/>
+                        <a:lumOff val="80000"/>
+                      </a:schemeClr>
+                    </a:solidFill>
+                  </a:tcPr>
+                </a:tc>
+                <a:tc>
+                  <a:txBody>
+                    <a:bodyPr/>
+                    <a:lstStyle/>
+                    <a:p>
+                      <a:pPr marL="0" marR="0" indent="0" algn="l" defTabSz="914400" rtl="0" eaLnBrk="1" fontAlgn="auto" latinLnBrk="1" hangingPunct="1">
+                        <a:lnSpc>
+                          <a:spcPct val="150000"/>
+                        </a:lnSpc>
+                        <a:spcBef>
+                          <a:spcPts val="0"/>
+                        </a:spcBef>
+                        <a:spcAft>
+                          <a:spcPts val="0"/>
+                        </a:spcAft>
+                        <a:buClrTx/>
+                        <a:buSzTx/>
+                        <a:buFontTx/>
+                        <a:buNone/>
+                        <a:tabLst/>
+                        <a:defRPr/>
+                      </a:pPr>
+                      <a:r>
+                        <a:rPr lang="ko-KR" altLang="en-US" sz="1600" dirty="0" smtClean="0"/>
+                        <a:t>공통 순위를 출력하되 공통 건너 뛰지 않고 다음 순위를 출력한다</a:t>
+                      </a:r>
+                      <a:r>
+                        <a:rPr lang="en-US" altLang="ko-KR" sz="1600" dirty="0" smtClean="0"/>
+                        <a:t>.</a:t>
+                      </a:r>
+                      <a:endParaRPr lang="ko-KR" altLang="en-US" sz="1600" dirty="0" smtClean="0"/>
+                    </a:p>
+                  </a:txBody>
+                  <a:tcPr anchor="ctr">
+                    <a:solidFill>
+                      <a:schemeClr val="accent5">
+                        <a:lumMod val="20000"/>
+                        <a:lumOff val="80000"/>
+                      </a:schemeClr>
+                    </a:solidFill>
+                  </a:tcPr>
+                </a:tc>
+                <a:tc>
+                  <a:txBody>
+                    <a:bodyPr/>
+                    <a:lstStyle/>
+                    <a:p>
+                      <a:pPr marL="0" marR="0" indent="0" algn="l" defTabSz="914400" rtl="0" eaLnBrk="1" fontAlgn="auto" latinLnBrk="1" hangingPunct="1">
+                        <a:lnSpc>
+                          <a:spcPct val="150000"/>
+                        </a:lnSpc>
+                        <a:spcBef>
+                          <a:spcPts val="0"/>
+                        </a:spcBef>
+                        <a:spcAft>
+                          <a:spcPts val="0"/>
+                        </a:spcAft>
+                        <a:buClrTx/>
+                        <a:buSzTx/>
+                        <a:buFontTx/>
+                        <a:buNone/>
+                        <a:tabLst/>
+                        <a:defRPr/>
+                      </a:pPr>
+                      <a:r>
+                        <a:rPr lang="en-US" altLang="ko-KR" sz="1600" dirty="0" smtClean="0"/>
+                        <a:t> 1, 2, 2, 3, …</a:t>
+                      </a:r>
+                      <a:endParaRPr lang="ko-KR" altLang="en-US" sz="1600" dirty="0" smtClean="0"/>
+                    </a:p>
+                  </a:txBody>
+                  <a:tcPr anchor="ctr">
+                    <a:solidFill>
+                      <a:schemeClr val="accent5">
+                        <a:lumMod val="20000"/>
+                        <a:lumOff val="80000"/>
+                      </a:schemeClr>
+                    </a:solidFill>
+                  </a:tcPr>
+                </a:tc>
+                <a:extLst>
+                  <a:ext uri="{0D108BD9-81ED-4DB2-BD59-A6C34878D82A}">
+                    <a16:rowId xmlns:a16="http://schemas.microsoft.com/office/drawing/2014/main" val="10002"/>
+                  </a:ext>
+                </a:extLst>
+              </a:tr>
+            </a:tbl>
+          </a:graphicData>
+        </a:graphic>
+      </p:graphicFrame>
     </p:spTree>
     <p:extLst>
       <p:ext uri="{BB962C8B-B14F-4D97-AF65-F5344CB8AC3E}">
-        <p14:creationId xmlns:p14="http://schemas.microsoft.com/office/powerpoint/2010/main" val="796594052"/>
+        <p14:creationId xmlns:p14="http://schemas.microsoft.com/office/powerpoint/2010/main" val="2603675316"/>
       </p:ext>
     </p:extLst>
   </p:cSld>
@@ -11498,34 +12251,6 @@
       </p:grpSpPr>
       <p:sp>
         <p:nvSpPr>
-          <p:cNvPr id="2" name="제목 1"/>
-          <p:cNvSpPr>
-            <a:spLocks noGrp="1"/>
-          </p:cNvSpPr>
-          <p:nvPr>
-            <p:ph type="title"/>
-          </p:nvPr>
-        </p:nvSpPr>
-        <p:spPr/>
-        <p:txBody>
-          <a:bodyPr>
-            <a:normAutofit/>
-          </a:bodyPr>
-          <a:lstStyle/>
-          <a:p>
-            <a:r>
-              <a:rPr lang="en-US" altLang="ko-KR" sz="2800" dirty="0" smtClean="0"/>
-              <a:t> </a:t>
-            </a:r>
-            <a:r>
-              <a:rPr lang="ko-KR" altLang="en-US" sz="2800" dirty="0"/>
-              <a:t>게시판 테이블</a:t>
-            </a:r>
-          </a:p>
-        </p:txBody>
-      </p:sp>
-      <p:sp>
-        <p:nvSpPr>
           <p:cNvPr id="4" name="슬라이드 번호 개체 틀 3"/>
           <p:cNvSpPr>
             <a:spLocks noGrp="1"/>
@@ -11547,15 +12272,282 @@
           </a:p>
         </p:txBody>
       </p:sp>
+      <p:sp>
+        <p:nvSpPr>
+          <p:cNvPr id="3" name="TextBox 2"/>
+          <p:cNvSpPr txBox="1"/>
+          <p:nvPr/>
+        </p:nvSpPr>
+        <p:spPr>
+          <a:xfrm>
+            <a:off x="827584" y="1052736"/>
+            <a:ext cx="6120680" cy="400110"/>
+          </a:xfrm>
+          <a:prstGeom prst="rect">
+            <a:avLst/>
+          </a:prstGeom>
+          <a:noFill/>
+        </p:spPr>
+        <p:txBody>
+          <a:bodyPr wrap="square" rtlCol="0">
+            <a:spAutoFit/>
+          </a:bodyPr>
+          <a:lstStyle/>
+          <a:p>
+            <a:r>
+              <a:rPr lang="en-US" altLang="ko-KR" sz="2000" b="1" dirty="0" smtClean="0"/>
+              <a:t>RANK() </a:t>
+            </a:r>
+            <a:r>
+              <a:rPr lang="ko-KR" altLang="en-US" sz="2000" b="1" dirty="0" smtClean="0"/>
+              <a:t>함수 </a:t>
+            </a:r>
+            <a:r>
+              <a:rPr lang="en-US" altLang="ko-KR" sz="2000" b="1" dirty="0" smtClean="0"/>
+              <a:t>– </a:t>
+            </a:r>
+            <a:r>
+              <a:rPr lang="ko-KR" altLang="en-US" sz="2000" b="1" dirty="0" smtClean="0"/>
+              <a:t>데이터 값에 순위 정하기</a:t>
+            </a:r>
+            <a:endParaRPr lang="ko-KR" altLang="en-US" sz="2000" b="1" dirty="0"/>
+          </a:p>
+        </p:txBody>
+      </p:sp>
+      <p:sp>
+        <p:nvSpPr>
+          <p:cNvPr id="10" name="제목 1"/>
+          <p:cNvSpPr>
+            <a:spLocks noGrp="1"/>
+          </p:cNvSpPr>
+          <p:nvPr>
+            <p:ph type="title"/>
+          </p:nvPr>
+        </p:nvSpPr>
+        <p:spPr>
+          <a:xfrm>
+            <a:off x="1" y="-18256"/>
+            <a:ext cx="5724128" cy="854968"/>
+          </a:xfrm>
+        </p:spPr>
+        <p:txBody>
+          <a:bodyPr>
+            <a:normAutofit/>
+          </a:bodyPr>
+          <a:lstStyle/>
+          <a:p>
+            <a:r>
+              <a:rPr lang="en-US" altLang="ko-KR" sz="2800" dirty="0" smtClean="0"/>
+              <a:t>  </a:t>
+            </a:r>
+            <a:r>
+              <a:rPr lang="ko-KR" altLang="en-US" sz="2800" b="1" dirty="0" smtClean="0"/>
+              <a:t>그룹 함수 </a:t>
+            </a:r>
+            <a:r>
+              <a:rPr lang="en-US" altLang="ko-KR" sz="2800" b="1" dirty="0" smtClean="0"/>
+              <a:t>– RANK()</a:t>
+            </a:r>
+            <a:endParaRPr lang="ko-KR" altLang="en-US" sz="2800" b="1" dirty="0"/>
+          </a:p>
+        </p:txBody>
+      </p:sp>
+      <p:sp>
+        <p:nvSpPr>
+          <p:cNvPr id="7" name="내용 개체 틀 2"/>
+          <p:cNvSpPr txBox="1">
+            <a:spLocks/>
+          </p:cNvSpPr>
+          <p:nvPr/>
+        </p:nvSpPr>
+        <p:spPr>
+          <a:xfrm>
+            <a:off x="1835696" y="1700808"/>
+            <a:ext cx="4896544" cy="507452"/>
+          </a:xfrm>
+          <a:prstGeom prst="rect">
+            <a:avLst/>
+          </a:prstGeom>
+          <a:solidFill>
+            <a:schemeClr val="accent5">
+              <a:lumMod val="20000"/>
+              <a:lumOff val="80000"/>
+            </a:schemeClr>
+          </a:solidFill>
+        </p:spPr>
+        <p:txBody>
+          <a:bodyPr vert="horz" lIns="91440" tIns="45720" rIns="91440" bIns="45720" rtlCol="0">
+            <a:normAutofit/>
+          </a:bodyPr>
+          <a:lstStyle>
+            <a:lvl1pPr marL="342900" indent="-342900" algn="l" defTabSz="914400" rtl="0" eaLnBrk="1" latinLnBrk="1" hangingPunct="1">
+              <a:spcBef>
+                <a:spcPct val="20000"/>
+              </a:spcBef>
+              <a:buFont typeface="Arial" panose="020B0604020202020204" pitchFamily="34" charset="0"/>
+              <a:buChar char="•"/>
+              <a:defRPr sz="3200" kern="1200">
+                <a:solidFill>
+                  <a:schemeClr val="tx1"/>
+                </a:solidFill>
+                <a:latin typeface="+mn-lt"/>
+                <a:ea typeface="+mn-ea"/>
+                <a:cs typeface="+mn-cs"/>
+              </a:defRPr>
+            </a:lvl1pPr>
+            <a:lvl2pPr marL="742950" indent="-285750" algn="l" defTabSz="914400" rtl="0" eaLnBrk="1" latinLnBrk="1" hangingPunct="1">
+              <a:spcBef>
+                <a:spcPct val="20000"/>
+              </a:spcBef>
+              <a:buFont typeface="Arial" panose="020B0604020202020204" pitchFamily="34" charset="0"/>
+              <a:buChar char="–"/>
+              <a:defRPr sz="2800" kern="1200">
+                <a:solidFill>
+                  <a:schemeClr val="tx1"/>
+                </a:solidFill>
+                <a:latin typeface="+mn-lt"/>
+                <a:ea typeface="+mn-ea"/>
+                <a:cs typeface="+mn-cs"/>
+              </a:defRPr>
+            </a:lvl2pPr>
+            <a:lvl3pPr marL="1143000" indent="-228600" algn="l" defTabSz="914400" rtl="0" eaLnBrk="1" latinLnBrk="1" hangingPunct="1">
+              <a:spcBef>
+                <a:spcPct val="20000"/>
+              </a:spcBef>
+              <a:buFont typeface="Arial" panose="020B0604020202020204" pitchFamily="34" charset="0"/>
+              <a:buChar char="•"/>
+              <a:defRPr sz="2400" kern="1200">
+                <a:solidFill>
+                  <a:schemeClr val="tx1"/>
+                </a:solidFill>
+                <a:latin typeface="+mn-lt"/>
+                <a:ea typeface="+mn-ea"/>
+                <a:cs typeface="+mn-cs"/>
+              </a:defRPr>
+            </a:lvl3pPr>
+            <a:lvl4pPr marL="1600200" indent="-228600" algn="l" defTabSz="914400" rtl="0" eaLnBrk="1" latinLnBrk="1" hangingPunct="1">
+              <a:spcBef>
+                <a:spcPct val="20000"/>
+              </a:spcBef>
+              <a:buFont typeface="Arial" panose="020B0604020202020204" pitchFamily="34" charset="0"/>
+              <a:buChar char="–"/>
+              <a:defRPr sz="2000" kern="1200">
+                <a:solidFill>
+                  <a:schemeClr val="tx1"/>
+                </a:solidFill>
+                <a:latin typeface="+mn-lt"/>
+                <a:ea typeface="+mn-ea"/>
+                <a:cs typeface="+mn-cs"/>
+              </a:defRPr>
+            </a:lvl4pPr>
+            <a:lvl5pPr marL="2057400" indent="-228600" algn="l" defTabSz="914400" rtl="0" eaLnBrk="1" latinLnBrk="1" hangingPunct="1">
+              <a:spcBef>
+                <a:spcPct val="20000"/>
+              </a:spcBef>
+              <a:buFont typeface="Arial" panose="020B0604020202020204" pitchFamily="34" charset="0"/>
+              <a:buChar char="»"/>
+              <a:defRPr sz="2000" kern="1200">
+                <a:solidFill>
+                  <a:schemeClr val="tx1"/>
+                </a:solidFill>
+                <a:latin typeface="+mn-lt"/>
+                <a:ea typeface="+mn-ea"/>
+                <a:cs typeface="+mn-cs"/>
+              </a:defRPr>
+            </a:lvl5pPr>
+            <a:lvl6pPr marL="2514600" indent="-228600" algn="l" defTabSz="914400" rtl="0" eaLnBrk="1" latinLnBrk="1" hangingPunct="1">
+              <a:spcBef>
+                <a:spcPct val="20000"/>
+              </a:spcBef>
+              <a:buFont typeface="Arial" panose="020B0604020202020204" pitchFamily="34" charset="0"/>
+              <a:buChar char="•"/>
+              <a:defRPr sz="2000" kern="1200">
+                <a:solidFill>
+                  <a:schemeClr val="tx1"/>
+                </a:solidFill>
+                <a:latin typeface="+mn-lt"/>
+                <a:ea typeface="+mn-ea"/>
+                <a:cs typeface="+mn-cs"/>
+              </a:defRPr>
+            </a:lvl6pPr>
+            <a:lvl7pPr marL="2971800" indent="-228600" algn="l" defTabSz="914400" rtl="0" eaLnBrk="1" latinLnBrk="1" hangingPunct="1">
+              <a:spcBef>
+                <a:spcPct val="20000"/>
+              </a:spcBef>
+              <a:buFont typeface="Arial" panose="020B0604020202020204" pitchFamily="34" charset="0"/>
+              <a:buChar char="•"/>
+              <a:defRPr sz="2000" kern="1200">
+                <a:solidFill>
+                  <a:schemeClr val="tx1"/>
+                </a:solidFill>
+                <a:latin typeface="+mn-lt"/>
+                <a:ea typeface="+mn-ea"/>
+                <a:cs typeface="+mn-cs"/>
+              </a:defRPr>
+            </a:lvl7pPr>
+            <a:lvl8pPr marL="3429000" indent="-228600" algn="l" defTabSz="914400" rtl="0" eaLnBrk="1" latinLnBrk="1" hangingPunct="1">
+              <a:spcBef>
+                <a:spcPct val="20000"/>
+              </a:spcBef>
+              <a:buFont typeface="Arial" panose="020B0604020202020204" pitchFamily="34" charset="0"/>
+              <a:buChar char="•"/>
+              <a:defRPr sz="2000" kern="1200">
+                <a:solidFill>
+                  <a:schemeClr val="tx1"/>
+                </a:solidFill>
+                <a:latin typeface="+mn-lt"/>
+                <a:ea typeface="+mn-ea"/>
+                <a:cs typeface="+mn-cs"/>
+              </a:defRPr>
+            </a:lvl8pPr>
+            <a:lvl9pPr marL="3886200" indent="-228600" algn="l" defTabSz="914400" rtl="0" eaLnBrk="1" latinLnBrk="1" hangingPunct="1">
+              <a:spcBef>
+                <a:spcPct val="20000"/>
+              </a:spcBef>
+              <a:buFont typeface="Arial" panose="020B0604020202020204" pitchFamily="34" charset="0"/>
+              <a:buChar char="•"/>
+              <a:defRPr sz="2000" kern="1200">
+                <a:solidFill>
+                  <a:schemeClr val="tx1"/>
+                </a:solidFill>
+                <a:latin typeface="+mn-lt"/>
+                <a:ea typeface="+mn-ea"/>
+                <a:cs typeface="+mn-cs"/>
+              </a:defRPr>
+            </a:lvl9pPr>
+          </a:lstStyle>
+          <a:p>
+            <a:pPr marL="0" indent="0">
+              <a:lnSpc>
+                <a:spcPct val="150000"/>
+              </a:lnSpc>
+              <a:buFont typeface="Arial" panose="020B0604020202020204" pitchFamily="34" charset="0"/>
+              <a:buNone/>
+            </a:pPr>
+            <a:r>
+              <a:rPr lang="en-US" altLang="ko-KR" sz="1800" b="1" dirty="0" smtClean="0"/>
+              <a:t>RANK()  OVER(ORDER BY </a:t>
+            </a:r>
+            <a:r>
+              <a:rPr lang="ko-KR" altLang="en-US" sz="1800" b="1" dirty="0" smtClean="0"/>
+              <a:t>열 이름</a:t>
+            </a:r>
+            <a:r>
+              <a:rPr lang="en-US" altLang="ko-KR" sz="1800" b="1" dirty="0" smtClean="0"/>
+              <a:t>)</a:t>
+            </a:r>
+          </a:p>
+        </p:txBody>
+      </p:sp>
       <p:pic>
         <p:nvPicPr>
-          <p:cNvPr id="3" name="그림 2"/>
+          <p:cNvPr id="6" name="그림 5"/>
           <p:cNvPicPr>
             <a:picLocks noChangeAspect="1"/>
           </p:cNvPicPr>
           <p:nvPr/>
         </p:nvPicPr>
-        <p:blipFill rotWithShape="1">
+        <p:blipFill>
           <a:blip r:embed="rId2">
             <a:extLst>
               <a:ext uri="{28A0092B-C50C-407E-A947-70E740481C1C}">
@@ -11563,13 +12555,51 @@
               </a:ext>
             </a:extLst>
           </a:blip>
-          <a:srcRect b="14773"/>
-          <a:stretch/>
+          <a:stretch>
+            <a:fillRect/>
+          </a:stretch>
         </p:blipFill>
         <p:spPr>
           <a:xfrm>
-            <a:off x="1259632" y="1772816"/>
-            <a:ext cx="5166808" cy="3312368"/>
+            <a:off x="1547664" y="3152642"/>
+            <a:ext cx="6226080" cy="1356478"/>
+          </a:xfrm>
+          <a:prstGeom prst="rect">
+            <a:avLst/>
+          </a:prstGeom>
+          <a:ln>
+            <a:solidFill>
+              <a:schemeClr val="bg1">
+                <a:lumMod val="85000"/>
+              </a:schemeClr>
+            </a:solidFill>
+          </a:ln>
+        </p:spPr>
+      </p:pic>
+      <p:pic>
+        <p:nvPicPr>
+          <p:cNvPr id="8" name="그림 7"/>
+          <p:cNvPicPr>
+            <a:picLocks noChangeAspect="1"/>
+          </p:cNvPicPr>
+          <p:nvPr/>
+        </p:nvPicPr>
+        <p:blipFill>
+          <a:blip r:embed="rId3">
+            <a:extLst>
+              <a:ext uri="{28A0092B-C50C-407E-A947-70E740481C1C}">
+                <a14:useLocalDpi xmlns:a14="http://schemas.microsoft.com/office/drawing/2010/main" val="0"/>
+              </a:ext>
+            </a:extLst>
+          </a:blip>
+          <a:stretch>
+            <a:fillRect/>
+          </a:stretch>
+        </p:blipFill>
+        <p:spPr>
+          <a:xfrm>
+            <a:off x="1547664" y="4840086"/>
+            <a:ext cx="4122777" cy="1181202"/>
           </a:xfrm>
           <a:prstGeom prst="rect">
             <a:avLst/>
@@ -11585,82 +12615,195 @@
       </p:pic>
       <p:sp>
         <p:nvSpPr>
-          <p:cNvPr id="7" name="TextBox 6"/>
-          <p:cNvSpPr txBox="1"/>
+          <p:cNvPr id="11" name="내용 개체 틀 2"/>
+          <p:cNvSpPr txBox="1">
+            <a:spLocks/>
+          </p:cNvSpPr>
           <p:nvPr/>
         </p:nvSpPr>
         <p:spPr>
           <a:xfrm>
-            <a:off x="827584" y="1193356"/>
-            <a:ext cx="3816424" cy="400110"/>
+            <a:off x="1835696" y="2326248"/>
+            <a:ext cx="4896544" cy="507452"/>
           </a:xfrm>
           <a:prstGeom prst="rect">
             <a:avLst/>
           </a:prstGeom>
-          <a:noFill/>
+          <a:solidFill>
+            <a:schemeClr val="accent5">
+              <a:lumMod val="20000"/>
+              <a:lumOff val="80000"/>
+            </a:schemeClr>
+          </a:solidFill>
         </p:spPr>
         <p:txBody>
-          <a:bodyPr wrap="square" rtlCol="0">
-            <a:spAutoFit/>
+          <a:bodyPr vert="horz" lIns="91440" tIns="45720" rIns="91440" bIns="45720" rtlCol="0">
+            <a:normAutofit/>
           </a:bodyPr>
-          <a:lstStyle/>
-          <a:p>
-            <a:pPr marL="342900" indent="-342900">
-              <a:buFont typeface="Wingdings" panose="05000000000000000000" pitchFamily="2" charset="2"/>
-              <a:buChar char="l"/>
+          <a:lstStyle>
+            <a:lvl1pPr marL="342900" indent="-342900" algn="l" defTabSz="914400" rtl="0" eaLnBrk="1" latinLnBrk="1" hangingPunct="1">
+              <a:spcBef>
+                <a:spcPct val="20000"/>
+              </a:spcBef>
+              <a:buFont typeface="Arial" panose="020B0604020202020204" pitchFamily="34" charset="0"/>
+              <a:buChar char="•"/>
+              <a:defRPr sz="3200" kern="1200">
+                <a:solidFill>
+                  <a:schemeClr val="tx1"/>
+                </a:solidFill>
+                <a:latin typeface="+mn-lt"/>
+                <a:ea typeface="+mn-ea"/>
+                <a:cs typeface="+mn-cs"/>
+              </a:defRPr>
+            </a:lvl1pPr>
+            <a:lvl2pPr marL="742950" indent="-285750" algn="l" defTabSz="914400" rtl="0" eaLnBrk="1" latinLnBrk="1" hangingPunct="1">
+              <a:spcBef>
+                <a:spcPct val="20000"/>
+              </a:spcBef>
+              <a:buFont typeface="Arial" panose="020B0604020202020204" pitchFamily="34" charset="0"/>
+              <a:buChar char="–"/>
+              <a:defRPr sz="2800" kern="1200">
+                <a:solidFill>
+                  <a:schemeClr val="tx1"/>
+                </a:solidFill>
+                <a:latin typeface="+mn-lt"/>
+                <a:ea typeface="+mn-ea"/>
+                <a:cs typeface="+mn-cs"/>
+              </a:defRPr>
+            </a:lvl2pPr>
+            <a:lvl3pPr marL="1143000" indent="-228600" algn="l" defTabSz="914400" rtl="0" eaLnBrk="1" latinLnBrk="1" hangingPunct="1">
+              <a:spcBef>
+                <a:spcPct val="20000"/>
+              </a:spcBef>
+              <a:buFont typeface="Arial" panose="020B0604020202020204" pitchFamily="34" charset="0"/>
+              <a:buChar char="•"/>
+              <a:defRPr sz="2400" kern="1200">
+                <a:solidFill>
+                  <a:schemeClr val="tx1"/>
+                </a:solidFill>
+                <a:latin typeface="+mn-lt"/>
+                <a:ea typeface="+mn-ea"/>
+                <a:cs typeface="+mn-cs"/>
+              </a:defRPr>
+            </a:lvl3pPr>
+            <a:lvl4pPr marL="1600200" indent="-228600" algn="l" defTabSz="914400" rtl="0" eaLnBrk="1" latinLnBrk="1" hangingPunct="1">
+              <a:spcBef>
+                <a:spcPct val="20000"/>
+              </a:spcBef>
+              <a:buFont typeface="Arial" panose="020B0604020202020204" pitchFamily="34" charset="0"/>
+              <a:buChar char="–"/>
+              <a:defRPr sz="2000" kern="1200">
+                <a:solidFill>
+                  <a:schemeClr val="tx1"/>
+                </a:solidFill>
+                <a:latin typeface="+mn-lt"/>
+                <a:ea typeface="+mn-ea"/>
+                <a:cs typeface="+mn-cs"/>
+              </a:defRPr>
+            </a:lvl4pPr>
+            <a:lvl5pPr marL="2057400" indent="-228600" algn="l" defTabSz="914400" rtl="0" eaLnBrk="1" latinLnBrk="1" hangingPunct="1">
+              <a:spcBef>
+                <a:spcPct val="20000"/>
+              </a:spcBef>
+              <a:buFont typeface="Arial" panose="020B0604020202020204" pitchFamily="34" charset="0"/>
+              <a:buChar char="»"/>
+              <a:defRPr sz="2000" kern="1200">
+                <a:solidFill>
+                  <a:schemeClr val="tx1"/>
+                </a:solidFill>
+                <a:latin typeface="+mn-lt"/>
+                <a:ea typeface="+mn-ea"/>
+                <a:cs typeface="+mn-cs"/>
+              </a:defRPr>
+            </a:lvl5pPr>
+            <a:lvl6pPr marL="2514600" indent="-228600" algn="l" defTabSz="914400" rtl="0" eaLnBrk="1" latinLnBrk="1" hangingPunct="1">
+              <a:spcBef>
+                <a:spcPct val="20000"/>
+              </a:spcBef>
+              <a:buFont typeface="Arial" panose="020B0604020202020204" pitchFamily="34" charset="0"/>
+              <a:buChar char="•"/>
+              <a:defRPr sz="2000" kern="1200">
+                <a:solidFill>
+                  <a:schemeClr val="tx1"/>
+                </a:solidFill>
+                <a:latin typeface="+mn-lt"/>
+                <a:ea typeface="+mn-ea"/>
+                <a:cs typeface="+mn-cs"/>
+              </a:defRPr>
+            </a:lvl6pPr>
+            <a:lvl7pPr marL="2971800" indent="-228600" algn="l" defTabSz="914400" rtl="0" eaLnBrk="1" latinLnBrk="1" hangingPunct="1">
+              <a:spcBef>
+                <a:spcPct val="20000"/>
+              </a:spcBef>
+              <a:buFont typeface="Arial" panose="020B0604020202020204" pitchFamily="34" charset="0"/>
+              <a:buChar char="•"/>
+              <a:defRPr sz="2000" kern="1200">
+                <a:solidFill>
+                  <a:schemeClr val="tx1"/>
+                </a:solidFill>
+                <a:latin typeface="+mn-lt"/>
+                <a:ea typeface="+mn-ea"/>
+                <a:cs typeface="+mn-cs"/>
+              </a:defRPr>
+            </a:lvl7pPr>
+            <a:lvl8pPr marL="3429000" indent="-228600" algn="l" defTabSz="914400" rtl="0" eaLnBrk="1" latinLnBrk="1" hangingPunct="1">
+              <a:spcBef>
+                <a:spcPct val="20000"/>
+              </a:spcBef>
+              <a:buFont typeface="Arial" panose="020B0604020202020204" pitchFamily="34" charset="0"/>
+              <a:buChar char="•"/>
+              <a:defRPr sz="2000" kern="1200">
+                <a:solidFill>
+                  <a:schemeClr val="tx1"/>
+                </a:solidFill>
+                <a:latin typeface="+mn-lt"/>
+                <a:ea typeface="+mn-ea"/>
+                <a:cs typeface="+mn-cs"/>
+              </a:defRPr>
+            </a:lvl8pPr>
+            <a:lvl9pPr marL="3886200" indent="-228600" algn="l" defTabSz="914400" rtl="0" eaLnBrk="1" latinLnBrk="1" hangingPunct="1">
+              <a:spcBef>
+                <a:spcPct val="20000"/>
+              </a:spcBef>
+              <a:buFont typeface="Arial" panose="020B0604020202020204" pitchFamily="34" charset="0"/>
+              <a:buChar char="•"/>
+              <a:defRPr sz="2000" kern="1200">
+                <a:solidFill>
+                  <a:schemeClr val="tx1"/>
+                </a:solidFill>
+                <a:latin typeface="+mn-lt"/>
+                <a:ea typeface="+mn-ea"/>
+                <a:cs typeface="+mn-cs"/>
+              </a:defRPr>
+            </a:lvl9pPr>
+          </a:lstStyle>
+          <a:p>
+            <a:pPr marL="0" indent="0">
+              <a:lnSpc>
+                <a:spcPct val="150000"/>
+              </a:lnSpc>
+              <a:buFont typeface="Arial" panose="020B0604020202020204" pitchFamily="34" charset="0"/>
+              <a:buNone/>
             </a:pPr>
             <a:r>
-              <a:rPr lang="ko-KR" altLang="en-US" sz="2000" b="1" dirty="0" smtClean="0"/>
-              <a:t>게시판 </a:t>
-            </a:r>
-            <a:r>
-              <a:rPr lang="en-US" altLang="ko-KR" sz="2000" b="1" dirty="0" smtClean="0"/>
-              <a:t>– BOARD</a:t>
-            </a:r>
-            <a:endParaRPr lang="ko-KR" altLang="en-US" sz="2000" b="1" dirty="0"/>
+              <a:rPr lang="en-US" altLang="ko-KR" sz="1800" b="1" dirty="0" smtClean="0"/>
+              <a:t>DENSE_RANK()  OVER(ORDER BY </a:t>
+            </a:r>
+            <a:r>
+              <a:rPr lang="ko-KR" altLang="en-US" sz="1800" b="1" dirty="0" smtClean="0"/>
+              <a:t>열 이름</a:t>
+            </a:r>
+            <a:r>
+              <a:rPr lang="en-US" altLang="ko-KR" sz="1800" b="1" dirty="0" smtClean="0"/>
+              <a:t>)</a:t>
+            </a:r>
           </a:p>
         </p:txBody>
       </p:sp>
-      <p:pic>
-        <p:nvPicPr>
-          <p:cNvPr id="9" name="그림 8"/>
-          <p:cNvPicPr>
-            <a:picLocks noChangeAspect="1"/>
-          </p:cNvPicPr>
-          <p:nvPr/>
-        </p:nvPicPr>
-        <p:blipFill rotWithShape="1">
-          <a:blip r:embed="rId3">
-            <a:extLst>
-              <a:ext uri="{28A0092B-C50C-407E-A947-70E740481C1C}">
-                <a14:useLocalDpi xmlns:a14="http://schemas.microsoft.com/office/drawing/2010/main" val="0"/>
-              </a:ext>
-            </a:extLst>
-          </a:blip>
-          <a:srcRect r="12969" b="80037"/>
-          <a:stretch/>
-        </p:blipFill>
-        <p:spPr>
-          <a:xfrm>
-            <a:off x="1259632" y="5256827"/>
-            <a:ext cx="5544616" cy="864096"/>
-          </a:xfrm>
-          <a:prstGeom prst="rect">
-            <a:avLst/>
-          </a:prstGeom>
-          <a:ln>
-            <a:solidFill>
-              <a:schemeClr val="bg1">
-                <a:lumMod val="85000"/>
-              </a:schemeClr>
-            </a:solidFill>
-          </a:ln>
-        </p:spPr>
-      </p:pic>
     </p:spTree>
     <p:extLst>
       <p:ext uri="{BB962C8B-B14F-4D97-AF65-F5344CB8AC3E}">
-        <p14:creationId xmlns:p14="http://schemas.microsoft.com/office/powerpoint/2010/main" val="3735519795"/>
+        <p14:creationId xmlns:p14="http://schemas.microsoft.com/office/powerpoint/2010/main" val="3890892201"/>
       </p:ext>
     </p:extLst>
   </p:cSld>
@@ -11713,7 +12856,23 @@
           <a:p>
             <a:r>
               <a:rPr lang="en-US" altLang="ko-KR" sz="2800" dirty="0" smtClean="0"/>
-              <a:t>  ROWNUM</a:t>
+              <a:t> </a:t>
+            </a:r>
+            <a:r>
+              <a:rPr lang="en-US" altLang="ko-KR" sz="2800" b="1" dirty="0" smtClean="0"/>
+              <a:t>LOLLUP() </a:t>
+            </a:r>
+            <a:r>
+              <a:rPr lang="ko-KR" altLang="en-US" sz="2800" b="1" dirty="0"/>
+              <a:t>함수 </a:t>
+            </a:r>
+            <a:r>
+              <a:rPr lang="en-US" altLang="ko-KR" sz="2800" b="1" dirty="0"/>
+              <a:t>vs </a:t>
+            </a:r>
+            <a:r>
+              <a:rPr lang="en-US" altLang="ko-KR" sz="2800" b="1" dirty="0" smtClean="0"/>
+              <a:t>CUBE()</a:t>
             </a:r>
             <a:endParaRPr lang="ko-KR" altLang="en-US" sz="2800" dirty="0"/>
           </a:p>
@@ -11744,7 +12903,7 @@
       </p:sp>
       <p:sp>
         <p:nvSpPr>
-          <p:cNvPr id="8" name="TextBox 7"/>
+          <p:cNvPr id="6" name="TextBox 5"/>
           <p:cNvSpPr txBox="1"/>
           <p:nvPr/>
         </p:nvSpPr>
@@ -11766,62 +12925,269 @@
           <a:p>
             <a:pPr marL="342900" indent="-342900">
               <a:buFont typeface="Wingdings" panose="05000000000000000000" pitchFamily="2" charset="2"/>
-              <a:buChar char="l"/>
+              <a:buChar char="ü"/>
             </a:pPr>
             <a:r>
               <a:rPr lang="en-US" altLang="ko-KR" sz="2000" b="1" dirty="0" smtClean="0"/>
-              <a:t>ROWNUM</a:t>
+              <a:t>LOLLUP(</a:t>
+            </a:r>
+            <a:r>
+              <a:rPr lang="ko-KR" altLang="en-US" sz="2000" b="1" dirty="0" err="1" smtClean="0"/>
+              <a:t>칼럼명</a:t>
+            </a:r>
+            <a:r>
+              <a:rPr lang="en-US" altLang="ko-KR" sz="2000" b="1" dirty="0" smtClean="0"/>
+              <a:t>, </a:t>
+            </a:r>
+            <a:r>
+              <a:rPr lang="ko-KR" altLang="en-US" sz="2000" b="1" dirty="0" err="1" smtClean="0"/>
+              <a:t>칼럼명</a:t>
+            </a:r>
+            <a:r>
+              <a:rPr lang="en-US" altLang="ko-KR" sz="2000" b="1" dirty="0" smtClean="0"/>
+              <a:t>)</a:t>
             </a:r>
             <a:endParaRPr lang="ko-KR" altLang="en-US" sz="2000" b="1" dirty="0"/>
           </a:p>
         </p:txBody>
       </p:sp>
-      <p:pic>
-        <p:nvPicPr>
-          <p:cNvPr id="7" name="그림 6"/>
-          <p:cNvPicPr>
-            <a:picLocks noChangeAspect="1"/>
-          </p:cNvPicPr>
+      <p:sp>
+        <p:nvSpPr>
+          <p:cNvPr id="8" name="내용 개체 틀 2"/>
+          <p:cNvSpPr txBox="1">
+            <a:spLocks/>
+          </p:cNvSpPr>
           <p:nvPr/>
-        </p:nvPicPr>
-        <p:blipFill rotWithShape="1">
-          <a:blip r:embed="rId2">
-            <a:extLst>
-              <a:ext uri="{28A0092B-C50C-407E-A947-70E740481C1C}">
-                <a14:useLocalDpi xmlns:a14="http://schemas.microsoft.com/office/drawing/2010/main" val="0"/>
-              </a:ext>
-            </a:extLst>
-          </a:blip>
-          <a:srcRect t="21917" b="46786"/>
-          <a:stretch/>
-        </p:blipFill>
+        </p:nvSpPr>
         <p:spPr>
           <a:xfrm>
-            <a:off x="1256486" y="3789040"/>
-            <a:ext cx="6775043" cy="1440648"/>
+            <a:off x="1259632" y="1718753"/>
+            <a:ext cx="6120680" cy="1371548"/>
           </a:xfrm>
           <a:prstGeom prst="rect">
             <a:avLst/>
           </a:prstGeom>
-          <a:ln>
-            <a:solidFill>
-              <a:schemeClr val="bg1">
-                <a:lumMod val="85000"/>
-              </a:schemeClr>
-            </a:solidFill>
-          </a:ln>
+          <a:solidFill>
+            <a:schemeClr val="accent5">
+              <a:lumMod val="20000"/>
+              <a:lumOff val="80000"/>
+            </a:schemeClr>
+          </a:solidFill>
         </p:spPr>
-      </p:pic>
+        <p:txBody>
+          <a:bodyPr vert="horz" lIns="91440" tIns="45720" rIns="91440" bIns="45720" rtlCol="0">
+            <a:normAutofit lnSpcReduction="10000"/>
+          </a:bodyPr>
+          <a:lstStyle>
+            <a:lvl1pPr marL="342900" indent="-342900" algn="l" defTabSz="914400" rtl="0" eaLnBrk="1" latinLnBrk="1" hangingPunct="1">
+              <a:spcBef>
+                <a:spcPct val="20000"/>
+              </a:spcBef>
+              <a:buFont typeface="Arial" panose="020B0604020202020204" pitchFamily="34" charset="0"/>
+              <a:buChar char="•"/>
+              <a:defRPr sz="3200" kern="1200">
+                <a:solidFill>
+                  <a:schemeClr val="tx1"/>
+                </a:solidFill>
+                <a:latin typeface="+mn-lt"/>
+                <a:ea typeface="+mn-ea"/>
+                <a:cs typeface="+mn-cs"/>
+              </a:defRPr>
+            </a:lvl1pPr>
+            <a:lvl2pPr marL="742950" indent="-285750" algn="l" defTabSz="914400" rtl="0" eaLnBrk="1" latinLnBrk="1" hangingPunct="1">
+              <a:spcBef>
+                <a:spcPct val="20000"/>
+              </a:spcBef>
+              <a:buFont typeface="Arial" panose="020B0604020202020204" pitchFamily="34" charset="0"/>
+              <a:buChar char="–"/>
+              <a:defRPr sz="2800" kern="1200">
+                <a:solidFill>
+                  <a:schemeClr val="tx1"/>
+                </a:solidFill>
+                <a:latin typeface="+mn-lt"/>
+                <a:ea typeface="+mn-ea"/>
+                <a:cs typeface="+mn-cs"/>
+              </a:defRPr>
+            </a:lvl2pPr>
+            <a:lvl3pPr marL="1143000" indent="-228600" algn="l" defTabSz="914400" rtl="0" eaLnBrk="1" latinLnBrk="1" hangingPunct="1">
+              <a:spcBef>
+                <a:spcPct val="20000"/>
+              </a:spcBef>
+              <a:buFont typeface="Arial" panose="020B0604020202020204" pitchFamily="34" charset="0"/>
+              <a:buChar char="•"/>
+              <a:defRPr sz="2400" kern="1200">
+                <a:solidFill>
+                  <a:schemeClr val="tx1"/>
+                </a:solidFill>
+                <a:latin typeface="+mn-lt"/>
+                <a:ea typeface="+mn-ea"/>
+                <a:cs typeface="+mn-cs"/>
+              </a:defRPr>
+            </a:lvl3pPr>
+            <a:lvl4pPr marL="1600200" indent="-228600" algn="l" defTabSz="914400" rtl="0" eaLnBrk="1" latinLnBrk="1" hangingPunct="1">
+              <a:spcBef>
+                <a:spcPct val="20000"/>
+              </a:spcBef>
+              <a:buFont typeface="Arial" panose="020B0604020202020204" pitchFamily="34" charset="0"/>
+              <a:buChar char="–"/>
+              <a:defRPr sz="2000" kern="1200">
+                <a:solidFill>
+                  <a:schemeClr val="tx1"/>
+                </a:solidFill>
+                <a:latin typeface="+mn-lt"/>
+                <a:ea typeface="+mn-ea"/>
+                <a:cs typeface="+mn-cs"/>
+              </a:defRPr>
+            </a:lvl4pPr>
+            <a:lvl5pPr marL="2057400" indent="-228600" algn="l" defTabSz="914400" rtl="0" eaLnBrk="1" latinLnBrk="1" hangingPunct="1">
+              <a:spcBef>
+                <a:spcPct val="20000"/>
+              </a:spcBef>
+              <a:buFont typeface="Arial" panose="020B0604020202020204" pitchFamily="34" charset="0"/>
+              <a:buChar char="»"/>
+              <a:defRPr sz="2000" kern="1200">
+                <a:solidFill>
+                  <a:schemeClr val="tx1"/>
+                </a:solidFill>
+                <a:latin typeface="+mn-lt"/>
+                <a:ea typeface="+mn-ea"/>
+                <a:cs typeface="+mn-cs"/>
+              </a:defRPr>
+            </a:lvl5pPr>
+            <a:lvl6pPr marL="2514600" indent="-228600" algn="l" defTabSz="914400" rtl="0" eaLnBrk="1" latinLnBrk="1" hangingPunct="1">
+              <a:spcBef>
+                <a:spcPct val="20000"/>
+              </a:spcBef>
+              <a:buFont typeface="Arial" panose="020B0604020202020204" pitchFamily="34" charset="0"/>
+              <a:buChar char="•"/>
+              <a:defRPr sz="2000" kern="1200">
+                <a:solidFill>
+                  <a:schemeClr val="tx1"/>
+                </a:solidFill>
+                <a:latin typeface="+mn-lt"/>
+                <a:ea typeface="+mn-ea"/>
+                <a:cs typeface="+mn-cs"/>
+              </a:defRPr>
+            </a:lvl6pPr>
+            <a:lvl7pPr marL="2971800" indent="-228600" algn="l" defTabSz="914400" rtl="0" eaLnBrk="1" latinLnBrk="1" hangingPunct="1">
+              <a:spcBef>
+                <a:spcPct val="20000"/>
+              </a:spcBef>
+              <a:buFont typeface="Arial" panose="020B0604020202020204" pitchFamily="34" charset="0"/>
+              <a:buChar char="•"/>
+              <a:defRPr sz="2000" kern="1200">
+                <a:solidFill>
+                  <a:schemeClr val="tx1"/>
+                </a:solidFill>
+                <a:latin typeface="+mn-lt"/>
+                <a:ea typeface="+mn-ea"/>
+                <a:cs typeface="+mn-cs"/>
+              </a:defRPr>
+            </a:lvl7pPr>
+            <a:lvl8pPr marL="3429000" indent="-228600" algn="l" defTabSz="914400" rtl="0" eaLnBrk="1" latinLnBrk="1" hangingPunct="1">
+              <a:spcBef>
+                <a:spcPct val="20000"/>
+              </a:spcBef>
+              <a:buFont typeface="Arial" panose="020B0604020202020204" pitchFamily="34" charset="0"/>
+              <a:buChar char="•"/>
+              <a:defRPr sz="2000" kern="1200">
+                <a:solidFill>
+                  <a:schemeClr val="tx1"/>
+                </a:solidFill>
+                <a:latin typeface="+mn-lt"/>
+                <a:ea typeface="+mn-ea"/>
+                <a:cs typeface="+mn-cs"/>
+              </a:defRPr>
+            </a:lvl8pPr>
+            <a:lvl9pPr marL="3886200" indent="-228600" algn="l" defTabSz="914400" rtl="0" eaLnBrk="1" latinLnBrk="1" hangingPunct="1">
+              <a:spcBef>
+                <a:spcPct val="20000"/>
+              </a:spcBef>
+              <a:buFont typeface="Arial" panose="020B0604020202020204" pitchFamily="34" charset="0"/>
+              <a:buChar char="•"/>
+              <a:defRPr sz="2000" kern="1200">
+                <a:solidFill>
+                  <a:schemeClr val="tx1"/>
+                </a:solidFill>
+                <a:latin typeface="+mn-lt"/>
+                <a:ea typeface="+mn-ea"/>
+                <a:cs typeface="+mn-cs"/>
+              </a:defRPr>
+            </a:lvl9pPr>
+          </a:lstStyle>
+          <a:p>
+            <a:pPr marL="0" indent="0">
+              <a:lnSpc>
+                <a:spcPct val="150000"/>
+              </a:lnSpc>
+              <a:buFont typeface="Arial" panose="020B0604020202020204" pitchFamily="34" charset="0"/>
+              <a:buNone/>
+            </a:pPr>
+            <a:r>
+              <a:rPr lang="en-US" altLang="ko-KR" sz="1800" dirty="0" smtClean="0"/>
+              <a:t>GROUP BY</a:t>
+            </a:r>
+            <a:r>
+              <a:rPr lang="ko-KR" altLang="en-US" sz="1800" dirty="0" smtClean="0"/>
+              <a:t>의 칼럼에 대해서 소계를 만들어 준다</a:t>
+            </a:r>
+            <a:r>
+              <a:rPr lang="en-US" altLang="ko-KR" sz="1800" dirty="0" smtClean="0"/>
+              <a:t>.</a:t>
+            </a:r>
+            <a:r>
+              <a:rPr lang="ko-KR" altLang="en-US" sz="1800" dirty="0" smtClean="0"/>
+              <a:t> </a:t>
+            </a:r>
+            <a:endParaRPr lang="en-US" altLang="ko-KR" sz="1800" dirty="0" smtClean="0"/>
+          </a:p>
+          <a:p>
+            <a:pPr marL="0" indent="0">
+              <a:lnSpc>
+                <a:spcPct val="150000"/>
+              </a:lnSpc>
+              <a:buFont typeface="Arial" panose="020B0604020202020204" pitchFamily="34" charset="0"/>
+              <a:buNone/>
+            </a:pPr>
+            <a:r>
+              <a:rPr lang="en-US" altLang="ko-KR" sz="1800" dirty="0" smtClean="0"/>
+              <a:t>GROUP BY </a:t>
+            </a:r>
+            <a:r>
+              <a:rPr lang="ko-KR" altLang="en-US" sz="1800" dirty="0" smtClean="0"/>
+              <a:t>구문에 칼럼이 두 개 이상 오면 순서에 따라</a:t>
+            </a:r>
+            <a:endParaRPr lang="en-US" altLang="ko-KR" sz="1800" dirty="0" smtClean="0"/>
+          </a:p>
+          <a:p>
+            <a:pPr marL="0" indent="0">
+              <a:lnSpc>
+                <a:spcPct val="150000"/>
+              </a:lnSpc>
+              <a:buFont typeface="Arial" panose="020B0604020202020204" pitchFamily="34" charset="0"/>
+              <a:buNone/>
+            </a:pPr>
+            <a:r>
+              <a:rPr lang="ko-KR" altLang="en-US" sz="1800" dirty="0" smtClean="0"/>
+              <a:t>결과가 달라진다</a:t>
+            </a:r>
+            <a:r>
+              <a:rPr lang="en-US" altLang="ko-KR" sz="1800" dirty="0" smtClean="0"/>
+              <a:t>.</a:t>
+            </a:r>
+          </a:p>
+        </p:txBody>
+      </p:sp>
       <p:sp>
         <p:nvSpPr>
-          <p:cNvPr id="6" name="TextBox 5"/>
+          <p:cNvPr id="7" name="TextBox 6"/>
           <p:cNvSpPr txBox="1"/>
           <p:nvPr/>
         </p:nvSpPr>
         <p:spPr>
           <a:xfrm>
-            <a:off x="1187624" y="1593466"/>
-            <a:ext cx="6840760" cy="1938992"/>
+            <a:off x="827584" y="3645024"/>
+            <a:ext cx="5400600" cy="400110"/>
           </a:xfrm>
           <a:prstGeom prst="rect">
             <a:avLst/>
@@ -11834,99 +13200,241 @@
           </a:bodyPr>
           <a:lstStyle/>
           <a:p>
-            <a:pPr marL="285750" indent="-285750">
+            <a:pPr marL="342900" indent="-342900">
+              <a:buFont typeface="Wingdings" panose="05000000000000000000" pitchFamily="2" charset="2"/>
+              <a:buChar char="ü"/>
+            </a:pPr>
+            <a:r>
+              <a:rPr lang="en-US" altLang="ko-KR" sz="2000" b="1" dirty="0" smtClean="0"/>
+              <a:t>CUBE(</a:t>
+            </a:r>
+            <a:r>
+              <a:rPr lang="ko-KR" altLang="en-US" sz="2000" b="1" dirty="0" err="1" smtClean="0"/>
+              <a:t>칼럼명</a:t>
+            </a:r>
+            <a:r>
+              <a:rPr lang="en-US" altLang="ko-KR" sz="2000" b="1" dirty="0" smtClean="0"/>
+              <a:t>, </a:t>
+            </a:r>
+            <a:r>
+              <a:rPr lang="ko-KR" altLang="en-US" sz="2000" b="1" dirty="0" err="1" smtClean="0"/>
+              <a:t>칼럼명</a:t>
+            </a:r>
+            <a:r>
+              <a:rPr lang="en-US" altLang="ko-KR" sz="2000" b="1" dirty="0" smtClean="0"/>
+              <a:t>)</a:t>
+            </a:r>
+            <a:endParaRPr lang="ko-KR" altLang="en-US" sz="2000" b="1" dirty="0"/>
+          </a:p>
+        </p:txBody>
+      </p:sp>
+      <p:sp>
+        <p:nvSpPr>
+          <p:cNvPr id="9" name="내용 개체 틀 2"/>
+          <p:cNvSpPr txBox="1">
+            <a:spLocks/>
+          </p:cNvSpPr>
+          <p:nvPr/>
+        </p:nvSpPr>
+        <p:spPr>
+          <a:xfrm>
+            <a:off x="1259632" y="4217691"/>
+            <a:ext cx="6984776" cy="1092228"/>
+          </a:xfrm>
+          <a:prstGeom prst="rect">
+            <a:avLst/>
+          </a:prstGeom>
+          <a:solidFill>
+            <a:schemeClr val="accent5">
+              <a:lumMod val="20000"/>
+              <a:lumOff val="80000"/>
+            </a:schemeClr>
+          </a:solidFill>
+        </p:spPr>
+        <p:txBody>
+          <a:bodyPr vert="horz" lIns="91440" tIns="45720" rIns="91440" bIns="45720" rtlCol="0">
+            <a:noAutofit/>
+          </a:bodyPr>
+          <a:lstStyle>
+            <a:lvl1pPr marL="342900" indent="-342900" algn="l" defTabSz="914400" rtl="0" eaLnBrk="1" latinLnBrk="1" hangingPunct="1">
+              <a:spcBef>
+                <a:spcPct val="20000"/>
+              </a:spcBef>
+              <a:buFont typeface="Arial" panose="020B0604020202020204" pitchFamily="34" charset="0"/>
+              <a:buChar char="•"/>
+              <a:defRPr sz="3200" kern="1200">
+                <a:solidFill>
+                  <a:schemeClr val="tx1"/>
+                </a:solidFill>
+                <a:latin typeface="+mn-lt"/>
+                <a:ea typeface="+mn-ea"/>
+                <a:cs typeface="+mn-cs"/>
+              </a:defRPr>
+            </a:lvl1pPr>
+            <a:lvl2pPr marL="742950" indent="-285750" algn="l" defTabSz="914400" rtl="0" eaLnBrk="1" latinLnBrk="1" hangingPunct="1">
+              <a:spcBef>
+                <a:spcPct val="20000"/>
+              </a:spcBef>
+              <a:buFont typeface="Arial" panose="020B0604020202020204" pitchFamily="34" charset="0"/>
+              <a:buChar char="–"/>
+              <a:defRPr sz="2800" kern="1200">
+                <a:solidFill>
+                  <a:schemeClr val="tx1"/>
+                </a:solidFill>
+                <a:latin typeface="+mn-lt"/>
+                <a:ea typeface="+mn-ea"/>
+                <a:cs typeface="+mn-cs"/>
+              </a:defRPr>
+            </a:lvl2pPr>
+            <a:lvl3pPr marL="1143000" indent="-228600" algn="l" defTabSz="914400" rtl="0" eaLnBrk="1" latinLnBrk="1" hangingPunct="1">
+              <a:spcBef>
+                <a:spcPct val="20000"/>
+              </a:spcBef>
+              <a:buFont typeface="Arial" panose="020B0604020202020204" pitchFamily="34" charset="0"/>
+              <a:buChar char="•"/>
+              <a:defRPr sz="2400" kern="1200">
+                <a:solidFill>
+                  <a:schemeClr val="tx1"/>
+                </a:solidFill>
+                <a:latin typeface="+mn-lt"/>
+                <a:ea typeface="+mn-ea"/>
+                <a:cs typeface="+mn-cs"/>
+              </a:defRPr>
+            </a:lvl3pPr>
+            <a:lvl4pPr marL="1600200" indent="-228600" algn="l" defTabSz="914400" rtl="0" eaLnBrk="1" latinLnBrk="1" hangingPunct="1">
+              <a:spcBef>
+                <a:spcPct val="20000"/>
+              </a:spcBef>
+              <a:buFont typeface="Arial" panose="020B0604020202020204" pitchFamily="34" charset="0"/>
+              <a:buChar char="–"/>
+              <a:defRPr sz="2000" kern="1200">
+                <a:solidFill>
+                  <a:schemeClr val="tx1"/>
+                </a:solidFill>
+                <a:latin typeface="+mn-lt"/>
+                <a:ea typeface="+mn-ea"/>
+                <a:cs typeface="+mn-cs"/>
+              </a:defRPr>
+            </a:lvl4pPr>
+            <a:lvl5pPr marL="2057400" indent="-228600" algn="l" defTabSz="914400" rtl="0" eaLnBrk="1" latinLnBrk="1" hangingPunct="1">
+              <a:spcBef>
+                <a:spcPct val="20000"/>
+              </a:spcBef>
+              <a:buFont typeface="Arial" panose="020B0604020202020204" pitchFamily="34" charset="0"/>
+              <a:buChar char="»"/>
+              <a:defRPr sz="2000" kern="1200">
+                <a:solidFill>
+                  <a:schemeClr val="tx1"/>
+                </a:solidFill>
+                <a:latin typeface="+mn-lt"/>
+                <a:ea typeface="+mn-ea"/>
+                <a:cs typeface="+mn-cs"/>
+              </a:defRPr>
+            </a:lvl5pPr>
+            <a:lvl6pPr marL="2514600" indent="-228600" algn="l" defTabSz="914400" rtl="0" eaLnBrk="1" latinLnBrk="1" hangingPunct="1">
+              <a:spcBef>
+                <a:spcPct val="20000"/>
+              </a:spcBef>
+              <a:buFont typeface="Arial" panose="020B0604020202020204" pitchFamily="34" charset="0"/>
+              <a:buChar char="•"/>
+              <a:defRPr sz="2000" kern="1200">
+                <a:solidFill>
+                  <a:schemeClr val="tx1"/>
+                </a:solidFill>
+                <a:latin typeface="+mn-lt"/>
+                <a:ea typeface="+mn-ea"/>
+                <a:cs typeface="+mn-cs"/>
+              </a:defRPr>
+            </a:lvl6pPr>
+            <a:lvl7pPr marL="2971800" indent="-228600" algn="l" defTabSz="914400" rtl="0" eaLnBrk="1" latinLnBrk="1" hangingPunct="1">
+              <a:spcBef>
+                <a:spcPct val="20000"/>
+              </a:spcBef>
+              <a:buFont typeface="Arial" panose="020B0604020202020204" pitchFamily="34" charset="0"/>
+              <a:buChar char="•"/>
+              <a:defRPr sz="2000" kern="1200">
+                <a:solidFill>
+                  <a:schemeClr val="tx1"/>
+                </a:solidFill>
+                <a:latin typeface="+mn-lt"/>
+                <a:ea typeface="+mn-ea"/>
+                <a:cs typeface="+mn-cs"/>
+              </a:defRPr>
+            </a:lvl7pPr>
+            <a:lvl8pPr marL="3429000" indent="-228600" algn="l" defTabSz="914400" rtl="0" eaLnBrk="1" latinLnBrk="1" hangingPunct="1">
+              <a:spcBef>
+                <a:spcPct val="20000"/>
+              </a:spcBef>
+              <a:buFont typeface="Arial" panose="020B0604020202020204" pitchFamily="34" charset="0"/>
+              <a:buChar char="•"/>
+              <a:defRPr sz="2000" kern="1200">
+                <a:solidFill>
+                  <a:schemeClr val="tx1"/>
+                </a:solidFill>
+                <a:latin typeface="+mn-lt"/>
+                <a:ea typeface="+mn-ea"/>
+                <a:cs typeface="+mn-cs"/>
+              </a:defRPr>
+            </a:lvl8pPr>
+            <a:lvl9pPr marL="3886200" indent="-228600" algn="l" defTabSz="914400" rtl="0" eaLnBrk="1" latinLnBrk="1" hangingPunct="1">
+              <a:spcBef>
+                <a:spcPct val="20000"/>
+              </a:spcBef>
+              <a:buFont typeface="Arial" panose="020B0604020202020204" pitchFamily="34" charset="0"/>
+              <a:buChar char="•"/>
+              <a:defRPr sz="2000" kern="1200">
+                <a:solidFill>
+                  <a:schemeClr val="tx1"/>
+                </a:solidFill>
+                <a:latin typeface="+mn-lt"/>
+                <a:ea typeface="+mn-ea"/>
+                <a:cs typeface="+mn-cs"/>
+              </a:defRPr>
+            </a:lvl9pPr>
+          </a:lstStyle>
+          <a:p>
+            <a:pPr marL="0" indent="0">
               <a:lnSpc>
                 <a:spcPct val="150000"/>
               </a:lnSpc>
-              <a:buFontTx/>
-              <a:buChar char="-"/>
+              <a:buNone/>
             </a:pPr>
             <a:r>
-              <a:rPr lang="en-US" altLang="ko-KR" sz="1600" dirty="0" smtClean="0"/>
-              <a:t>ROWNUM</a:t>
-            </a:r>
-            <a:r>
-              <a:rPr lang="ko-KR" altLang="en-US" sz="1600" dirty="0" smtClean="0"/>
-              <a:t>은 </a:t>
-            </a:r>
-            <a:r>
-              <a:rPr lang="en-US" altLang="ko-KR" sz="1600" dirty="0" smtClean="0"/>
-              <a:t>ORACLE </a:t>
-            </a:r>
-            <a:r>
-              <a:rPr lang="ko-KR" altLang="en-US" sz="1600" dirty="0" smtClean="0"/>
-              <a:t>데이터베이스의 </a:t>
-            </a:r>
-            <a:r>
-              <a:rPr lang="en-US" altLang="ko-KR" sz="1600" dirty="0" smtClean="0"/>
-              <a:t>SELECT</a:t>
-            </a:r>
-            <a:r>
-              <a:rPr lang="ko-KR" altLang="en-US" sz="1600" dirty="0" smtClean="0"/>
-              <a:t>문 결과에 대해서 논리적인 일련번호를 부여한다</a:t>
-            </a:r>
-            <a:r>
-              <a:rPr lang="en-US" altLang="ko-KR" sz="1600" dirty="0" smtClean="0"/>
+              <a:rPr lang="en-US" altLang="ko-KR" sz="1800" dirty="0"/>
+              <a:t>GROUP BY</a:t>
+            </a:r>
+            <a:r>
+              <a:rPr lang="ko-KR" altLang="en-US" sz="1800" dirty="0"/>
+              <a:t>의 칼럼에 대해서 </a:t>
+            </a:r>
+            <a:r>
+              <a:rPr lang="ko-KR" altLang="en-US" sz="1800" dirty="0" smtClean="0"/>
+              <a:t>결합 가능한 모든 집계를 계산한다</a:t>
+            </a:r>
+            <a:r>
+              <a:rPr lang="en-US" altLang="ko-KR" sz="1800" dirty="0" smtClean="0"/>
               <a:t>.</a:t>
             </a:r>
           </a:p>
           <a:p>
-            <a:pPr marL="285750" indent="-285750">
+            <a:pPr marL="0" indent="0">
               <a:lnSpc>
                 <a:spcPct val="150000"/>
               </a:lnSpc>
-              <a:buFontTx/>
-              <a:buChar char="-"/>
+              <a:buNone/>
             </a:pPr>
             <a:r>
-              <a:rPr lang="en-US" altLang="ko-KR" sz="1600" dirty="0" smtClean="0"/>
-              <a:t>ROWNUM</a:t>
-            </a:r>
-            <a:r>
-              <a:rPr lang="ko-KR" altLang="en-US" sz="1600" dirty="0" smtClean="0"/>
-              <a:t>은 조회되는 행 수를 제한할 때 사용한다</a:t>
-            </a:r>
-            <a:r>
-              <a:rPr lang="en-US" altLang="ko-KR" sz="1600" dirty="0" smtClean="0"/>
-              <a:t>.</a:t>
-            </a:r>
-          </a:p>
-          <a:p>
-            <a:pPr marL="285750" indent="-285750">
-              <a:lnSpc>
-                <a:spcPct val="150000"/>
-              </a:lnSpc>
-              <a:buFontTx/>
-              <a:buChar char="-"/>
-            </a:pPr>
-            <a:r>
-              <a:rPr lang="en-US" altLang="ko-KR" sz="1600" dirty="0" smtClean="0"/>
-              <a:t>ROWNUM</a:t>
-            </a:r>
-            <a:r>
-              <a:rPr lang="ko-KR" altLang="en-US" sz="1600" dirty="0" smtClean="0"/>
-              <a:t>을 사용해서 페이지 단위 출력을 위해서는 인라인 뷰</a:t>
-            </a:r>
-            <a:r>
-              <a:rPr lang="en-US" altLang="ko-KR" sz="1600" dirty="0" smtClean="0"/>
-              <a:t>(Inline view)</a:t>
-            </a:r>
-            <a:r>
-              <a:rPr lang="ko-KR" altLang="en-US" sz="1600" dirty="0" smtClean="0"/>
-              <a:t>를 사용해야 한다</a:t>
-            </a:r>
-            <a:r>
-              <a:rPr lang="en-US" altLang="ko-KR" sz="1600" dirty="0" smtClean="0"/>
-              <a:t>.</a:t>
-            </a:r>
-            <a:endParaRPr lang="ko-KR" altLang="en-US" sz="1600" dirty="0"/>
+              <a:rPr lang="ko-KR" altLang="en-US" sz="1800" dirty="0" smtClean="0"/>
+              <a:t>다차원 집계를 제공하여 다양하게 데이터를 분석할 수 있다</a:t>
+            </a:r>
+            <a:endParaRPr lang="en-US" altLang="ko-KR" sz="1800" dirty="0" smtClean="0"/>
           </a:p>
         </p:txBody>
       </p:sp>
     </p:spTree>
     <p:extLst>
       <p:ext uri="{BB962C8B-B14F-4D97-AF65-F5344CB8AC3E}">
-        <p14:creationId xmlns:p14="http://schemas.microsoft.com/office/powerpoint/2010/main" val="2337630675"/>
+        <p14:creationId xmlns:p14="http://schemas.microsoft.com/office/powerpoint/2010/main" val="212136427"/>
       </p:ext>
     </p:extLst>
   </p:cSld>
@@ -13304,7 +14812,23 @@
           <a:p>
             <a:r>
               <a:rPr lang="en-US" altLang="ko-KR" sz="2800" dirty="0" smtClean="0"/>
-              <a:t>  ROWNUM</a:t>
+              <a:t> </a:t>
+            </a:r>
+            <a:r>
+              <a:rPr lang="en-US" altLang="ko-KR" sz="2800" b="1" dirty="0" smtClean="0"/>
+              <a:t>LOLLUP() </a:t>
+            </a:r>
+            <a:r>
+              <a:rPr lang="ko-KR" altLang="en-US" sz="2800" b="1" dirty="0"/>
+              <a:t>함수 </a:t>
+            </a:r>
+            <a:r>
+              <a:rPr lang="en-US" altLang="ko-KR" sz="2800" b="1" dirty="0"/>
+              <a:t>vs </a:t>
+            </a:r>
+            <a:r>
+              <a:rPr lang="en-US" altLang="ko-KR" sz="2800" b="1" dirty="0" smtClean="0"/>
+              <a:t>CUBE()</a:t>
             </a:r>
             <a:endParaRPr lang="ko-KR" altLang="en-US" sz="2800" dirty="0"/>
           </a:p>
@@ -13333,53 +14857,15 @@
           </a:p>
         </p:txBody>
       </p:sp>
-      <p:sp>
-        <p:nvSpPr>
-          <p:cNvPr id="8" name="TextBox 7"/>
-          <p:cNvSpPr txBox="1"/>
-          <p:nvPr/>
-        </p:nvSpPr>
-        <p:spPr>
-          <a:xfrm>
-            <a:off x="827584" y="1193356"/>
-            <a:ext cx="3816424" cy="400110"/>
-          </a:xfrm>
-          <a:prstGeom prst="rect">
-            <a:avLst/>
-          </a:prstGeom>
-          <a:noFill/>
-        </p:spPr>
-        <p:txBody>
-          <a:bodyPr wrap="square" rtlCol="0">
-            <a:spAutoFit/>
-          </a:bodyPr>
-          <a:lstStyle/>
-          <a:p>
-            <a:pPr marL="342900" indent="-342900">
-              <a:buFont typeface="Wingdings" panose="05000000000000000000" pitchFamily="2" charset="2"/>
-              <a:buChar char="l"/>
-            </a:pPr>
-            <a:r>
-              <a:rPr lang="en-US" altLang="ko-KR" sz="2000" b="1" dirty="0" smtClean="0"/>
-              <a:t>ROWNUM – </a:t>
-            </a:r>
-            <a:r>
-              <a:rPr lang="ko-KR" altLang="en-US" sz="2000" b="1" dirty="0" smtClean="0"/>
-              <a:t>페이지 처리</a:t>
-            </a:r>
-            <a:endParaRPr lang="ko-KR" altLang="en-US" sz="2000" b="1" dirty="0"/>
-          </a:p>
-        </p:txBody>
-      </p:sp>
       <p:pic>
         <p:nvPicPr>
-          <p:cNvPr id="7" name="그림 6"/>
+          <p:cNvPr id="3" name="그림 2"/>
           <p:cNvPicPr>
             <a:picLocks noChangeAspect="1"/>
           </p:cNvPicPr>
           <p:nvPr/>
         </p:nvPicPr>
-        <p:blipFill rotWithShape="1">
+        <p:blipFill>
           <a:blip r:embed="rId2">
             <a:extLst>
               <a:ext uri="{28A0092B-C50C-407E-A947-70E740481C1C}">
@@ -13387,13 +14873,14 @@
               </a:ext>
             </a:extLst>
           </a:blip>
-          <a:srcRect t="55188"/>
-          <a:stretch/>
+          <a:stretch>
+            <a:fillRect/>
+          </a:stretch>
         </p:blipFill>
         <p:spPr>
           <a:xfrm>
-            <a:off x="1187624" y="1822092"/>
-            <a:ext cx="6546240" cy="1993088"/>
+            <a:off x="1291378" y="1772816"/>
+            <a:ext cx="5121084" cy="3071126"/>
           </a:xfrm>
           <a:prstGeom prst="rect">
             <a:avLst/>
@@ -13407,47 +14894,48 @@
           </a:ln>
         </p:spPr>
       </p:pic>
-      <p:pic>
-        <p:nvPicPr>
-          <p:cNvPr id="3" name="그림 2"/>
-          <p:cNvPicPr>
-            <a:picLocks noChangeAspect="1"/>
-          </p:cNvPicPr>
+      <p:sp>
+        <p:nvSpPr>
+          <p:cNvPr id="5" name="TextBox 4"/>
+          <p:cNvSpPr txBox="1"/>
           <p:nvPr/>
-        </p:nvPicPr>
-        <p:blipFill>
-          <a:blip r:embed="rId3">
-            <a:extLst>
-              <a:ext uri="{28A0092B-C50C-407E-A947-70E740481C1C}">
-                <a14:useLocalDpi xmlns:a14="http://schemas.microsoft.com/office/drawing/2010/main" val="0"/>
-              </a:ext>
-            </a:extLst>
-          </a:blip>
-          <a:stretch>
-            <a:fillRect/>
-          </a:stretch>
-        </p:blipFill>
+        </p:nvSpPr>
         <p:spPr>
           <a:xfrm>
-            <a:off x="1979712" y="4077072"/>
-            <a:ext cx="4237087" cy="2110923"/>
+            <a:off x="827584" y="1193356"/>
+            <a:ext cx="3024336" cy="400110"/>
           </a:xfrm>
           <a:prstGeom prst="rect">
             <a:avLst/>
           </a:prstGeom>
-          <a:ln>
-            <a:solidFill>
-              <a:schemeClr val="bg1">
-                <a:lumMod val="85000"/>
-              </a:schemeClr>
-            </a:solidFill>
-          </a:ln>
+          <a:noFill/>
         </p:spPr>
-      </p:pic>
+        <p:txBody>
+          <a:bodyPr wrap="square" rtlCol="0">
+            <a:spAutoFit/>
+          </a:bodyPr>
+          <a:lstStyle/>
+          <a:p>
+            <a:pPr marL="342900" indent="-342900">
+              <a:buFont typeface="Wingdings" panose="05000000000000000000" pitchFamily="2" charset="2"/>
+              <a:buChar char="ü"/>
+            </a:pPr>
+            <a:r>
+              <a:rPr lang="en-US" altLang="ko-KR" sz="2000" b="1" dirty="0" smtClean="0"/>
+              <a:t>DEPT </a:t>
+            </a:r>
+            <a:r>
+              <a:rPr lang="ko-KR" altLang="en-US" sz="2000" b="1" dirty="0" smtClean="0"/>
+              <a:t>테이블 생성</a:t>
+            </a:r>
+            <a:endParaRPr lang="ko-KR" altLang="en-US" sz="2000" b="1" dirty="0"/>
+          </a:p>
+        </p:txBody>
+      </p:sp>
     </p:spTree>
     <p:extLst>
       <p:ext uri="{BB962C8B-B14F-4D97-AF65-F5344CB8AC3E}">
-        <p14:creationId xmlns:p14="http://schemas.microsoft.com/office/powerpoint/2010/main" val="3713819021"/>
+        <p14:creationId xmlns:p14="http://schemas.microsoft.com/office/powerpoint/2010/main" val="288452371"/>
       </p:ext>
     </p:extLst>
   </p:cSld>
@@ -13500,7 +14988,23 @@
           <a:p>
             <a:r>
               <a:rPr lang="en-US" altLang="ko-KR" sz="2800" dirty="0" smtClean="0"/>
-              <a:t>  ROWNUM</a:t>
+              <a:t> </a:t>
+            </a:r>
+            <a:r>
+              <a:rPr lang="en-US" altLang="ko-KR" sz="2800" b="1" dirty="0" smtClean="0"/>
+              <a:t>LOLLUP() </a:t>
+            </a:r>
+            <a:r>
+              <a:rPr lang="ko-KR" altLang="en-US" sz="2800" b="1" dirty="0"/>
+              <a:t>함수 </a:t>
+            </a:r>
+            <a:r>
+              <a:rPr lang="en-US" altLang="ko-KR" sz="2800" b="1" dirty="0"/>
+              <a:t>vs </a:t>
+            </a:r>
+            <a:r>
+              <a:rPr lang="en-US" altLang="ko-KR" sz="2800" b="1" dirty="0" smtClean="0"/>
+              <a:t>CUBE()</a:t>
             </a:r>
             <a:endParaRPr lang="ko-KR" altLang="en-US" sz="2800" dirty="0"/>
           </a:p>
@@ -13531,14 +15035,14 @@
       </p:sp>
       <p:sp>
         <p:nvSpPr>
-          <p:cNvPr id="8" name="TextBox 7"/>
+          <p:cNvPr id="5" name="TextBox 4"/>
           <p:cNvSpPr txBox="1"/>
           <p:nvPr/>
         </p:nvSpPr>
         <p:spPr>
           <a:xfrm>
             <a:off x="827584" y="1193356"/>
-            <a:ext cx="3816424" cy="400110"/>
+            <a:ext cx="4248472" cy="400110"/>
           </a:xfrm>
           <a:prstGeom prst="rect">
             <a:avLst/>
@@ -13553,11 +15057,23 @@
           <a:p>
             <a:pPr marL="342900" indent="-342900">
               <a:buFont typeface="Wingdings" panose="05000000000000000000" pitchFamily="2" charset="2"/>
-              <a:buChar char="l"/>
+              <a:buChar char="ü"/>
             </a:pPr>
             <a:r>
+              <a:rPr lang="ko-KR" altLang="en-US" sz="2000" b="1" dirty="0" err="1" smtClean="0"/>
+              <a:t>그룹함수</a:t>
+            </a:r>
+            <a:r>
+              <a:rPr lang="ko-KR" altLang="en-US" sz="2000" b="1" dirty="0" smtClean="0"/>
+              <a:t> </a:t>
+            </a:r>
+            <a:r>
               <a:rPr lang="en-US" altLang="ko-KR" sz="2000" b="1" dirty="0" smtClean="0"/>
-              <a:t>ROWID</a:t>
+              <a:t>– Group By </a:t>
+            </a:r>
+            <a:r>
+              <a:rPr lang="ko-KR" altLang="en-US" sz="2000" b="1" dirty="0" smtClean="0"/>
+              <a:t>절</a:t>
             </a:r>
             <a:endParaRPr lang="ko-KR" altLang="en-US" sz="2000" b="1" dirty="0"/>
           </a:p>
@@ -13565,7 +15081,145 @@
       </p:sp>
       <p:pic>
         <p:nvPicPr>
-          <p:cNvPr id="3" name="그림 2"/>
+          <p:cNvPr id="6" name="그림 5"/>
+          <p:cNvPicPr>
+            <a:picLocks noChangeAspect="1"/>
+          </p:cNvPicPr>
+          <p:nvPr/>
+        </p:nvPicPr>
+        <p:blipFill>
+          <a:blip r:embed="rId2">
+            <a:extLst>
+              <a:ext uri="{28A0092B-C50C-407E-A947-70E740481C1C}">
+                <a14:useLocalDpi xmlns:a14="http://schemas.microsoft.com/office/drawing/2010/main" val="0"/>
+              </a:ext>
+            </a:extLst>
+          </a:blip>
+          <a:stretch>
+            <a:fillRect/>
+          </a:stretch>
+        </p:blipFill>
+        <p:spPr>
+          <a:xfrm>
+            <a:off x="1331640" y="1981752"/>
+            <a:ext cx="5253798" cy="2311343"/>
+          </a:xfrm>
+          <a:prstGeom prst="rect">
+            <a:avLst/>
+          </a:prstGeom>
+          <a:ln>
+            <a:solidFill>
+              <a:schemeClr val="bg1">
+                <a:lumMod val="85000"/>
+              </a:schemeClr>
+            </a:solidFill>
+          </a:ln>
+        </p:spPr>
+      </p:pic>
+    </p:spTree>
+    <p:extLst>
+      <p:ext uri="{BB962C8B-B14F-4D97-AF65-F5344CB8AC3E}">
+        <p14:creationId xmlns:p14="http://schemas.microsoft.com/office/powerpoint/2010/main" val="3159587052"/>
+      </p:ext>
+    </p:extLst>
+  </p:cSld>
+  <p:clrMapOvr>
+    <a:masterClrMapping/>
+  </p:clrMapOvr>
+  <p:timing>
+    <p:tnLst>
+      <p:par>
+        <p:cTn id="1" dur="indefinite" restart="never" nodeType="tmRoot"/>
+      </p:par>
+    </p:tnLst>
+  </p:timing>
+</p:sld>
+</file>
+
+<file path=ppt/slides/slide32.xml><?xml version="1.0" encoding="utf-8"?>
+<p:sld xmlns:a="http://schemas.openxmlformats.org/drawingml/2006/main" xmlns:r="http://schemas.openxmlformats.org/officeDocument/2006/relationships" xmlns:p="http://schemas.openxmlformats.org/presentationml/2006/main">
+  <p:cSld>
+    <p:spTree>
+      <p:nvGrpSpPr>
+        <p:cNvPr id="1" name=""/>
+        <p:cNvGrpSpPr/>
+        <p:nvPr/>
+      </p:nvGrpSpPr>
+      <p:grpSpPr>
+        <a:xfrm>
+          <a:off x="0" y="0"/>
+          <a:ext cx="0" cy="0"/>
+          <a:chOff x="0" y="0"/>
+          <a:chExt cx="0" cy="0"/>
+        </a:xfrm>
+      </p:grpSpPr>
+      <p:sp>
+        <p:nvSpPr>
+          <p:cNvPr id="2" name="제목 1"/>
+          <p:cNvSpPr>
+            <a:spLocks noGrp="1"/>
+          </p:cNvSpPr>
+          <p:nvPr>
+            <p:ph type="title"/>
+          </p:nvPr>
+        </p:nvSpPr>
+        <p:spPr/>
+        <p:txBody>
+          <a:bodyPr>
+            <a:normAutofit/>
+          </a:bodyPr>
+          <a:lstStyle/>
+          <a:p>
+            <a:r>
+              <a:rPr lang="en-US" altLang="ko-KR" sz="2800" dirty="0" smtClean="0"/>
+              <a:t> </a:t>
+            </a:r>
+            <a:r>
+              <a:rPr lang="en-US" altLang="ko-KR" sz="2800" b="1" dirty="0" smtClean="0"/>
+              <a:t>LOLLUP() </a:t>
+            </a:r>
+            <a:r>
+              <a:rPr lang="ko-KR" altLang="en-US" sz="2800" b="1" dirty="0"/>
+              <a:t>함수 </a:t>
+            </a:r>
+            <a:r>
+              <a:rPr lang="en-US" altLang="ko-KR" sz="2800" b="1" dirty="0"/>
+              <a:t>vs </a:t>
+            </a:r>
+            <a:r>
+              <a:rPr lang="en-US" altLang="ko-KR" sz="2800" b="1" dirty="0" smtClean="0"/>
+              <a:t>CUBE()</a:t>
+            </a:r>
+            <a:endParaRPr lang="ko-KR" altLang="en-US" sz="2800" dirty="0"/>
+          </a:p>
+        </p:txBody>
+      </p:sp>
+      <p:sp>
+        <p:nvSpPr>
+          <p:cNvPr id="4" name="슬라이드 번호 개체 틀 3"/>
+          <p:cNvSpPr>
+            <a:spLocks noGrp="1"/>
+          </p:cNvSpPr>
+          <p:nvPr>
+            <p:ph type="sldNum" sz="quarter" idx="12"/>
+          </p:nvPr>
+        </p:nvSpPr>
+        <p:spPr/>
+        <p:txBody>
+          <a:bodyPr/>
+          <a:lstStyle/>
+          <a:p>
+            <a:fld id="{1BDE3FE7-3AEA-4B05-AC5A-802D1816ACF0}" type="slidenum">
+              <a:rPr lang="ko-KR" altLang="en-US" smtClean="0"/>
+              <a:t>32</a:t>
+            </a:fld>
+            <a:endParaRPr lang="ko-KR" altLang="en-US"/>
+          </a:p>
+        </p:txBody>
+      </p:sp>
+      <p:pic>
+        <p:nvPicPr>
+          <p:cNvPr id="5" name="그림 4"/>
           <p:cNvPicPr>
             <a:picLocks noChangeAspect="1"/>
           </p:cNvPicPr>
@@ -13579,13 +15233,13 @@
               </a:ext>
             </a:extLst>
           </a:blip>
-          <a:srcRect t="17140" r="24912"/>
+          <a:srcRect b="51868"/>
           <a:stretch/>
         </p:blipFill>
         <p:spPr>
           <a:xfrm>
-            <a:off x="1691680" y="3384885"/>
-            <a:ext cx="5333087" cy="1578621"/>
+            <a:off x="1986279" y="1844824"/>
+            <a:ext cx="3967155" cy="1512168"/>
           </a:xfrm>
           <a:prstGeom prst="rect">
             <a:avLst/>
@@ -13621,8 +15275,8 @@
         </p:blipFill>
         <p:spPr>
           <a:xfrm>
-            <a:off x="2267744" y="5185265"/>
-            <a:ext cx="4061812" cy="914479"/>
+            <a:off x="2001085" y="3717032"/>
+            <a:ext cx="3964165" cy="2232248"/>
           </a:xfrm>
           <a:prstGeom prst="rect">
             <a:avLst/>
@@ -13636,6 +15290,39 @@
           </a:ln>
         </p:spPr>
       </p:pic>
+      <p:cxnSp>
+        <p:nvCxnSpPr>
+          <p:cNvPr id="8" name="직선 화살표 연결선 7"/>
+          <p:cNvCxnSpPr/>
+          <p:nvPr/>
+        </p:nvCxnSpPr>
+        <p:spPr>
+          <a:xfrm flipV="1">
+            <a:off x="5580112" y="4077072"/>
+            <a:ext cx="720080" cy="432048"/>
+          </a:xfrm>
+          <a:prstGeom prst="straightConnector1">
+            <a:avLst/>
+          </a:prstGeom>
+          <a:ln>
+            <a:tailEnd type="triangle"/>
+          </a:ln>
+        </p:spPr>
+        <p:style>
+          <a:lnRef idx="1">
+            <a:schemeClr val="accent1"/>
+          </a:lnRef>
+          <a:fillRef idx="0">
+            <a:schemeClr val="accent1"/>
+          </a:fillRef>
+          <a:effectRef idx="0">
+            <a:schemeClr val="accent1"/>
+          </a:effectRef>
+          <a:fontRef idx="minor">
+            <a:schemeClr val="tx1"/>
+          </a:fontRef>
+        </p:style>
+      </p:cxnSp>
       <p:sp>
         <p:nvSpPr>
           <p:cNvPr id="9" name="TextBox 8"/>
@@ -13644,8 +15331,168 @@
         </p:nvSpPr>
         <p:spPr>
           <a:xfrm>
-            <a:off x="1187624" y="1593466"/>
-            <a:ext cx="6840760" cy="1569660"/>
+            <a:off x="6362464" y="3907795"/>
+            <a:ext cx="1233872" cy="322659"/>
+          </a:xfrm>
+          <a:prstGeom prst="round2SameRect">
+            <a:avLst/>
+          </a:prstGeom>
+        </p:spPr>
+        <p:style>
+          <a:lnRef idx="2">
+            <a:schemeClr val="accent2"/>
+          </a:lnRef>
+          <a:fillRef idx="1">
+            <a:schemeClr val="lt1"/>
+          </a:fillRef>
+          <a:effectRef idx="0">
+            <a:schemeClr val="accent2"/>
+          </a:effectRef>
+          <a:fontRef idx="minor">
+            <a:schemeClr val="dk1"/>
+          </a:fontRef>
+        </p:style>
+        <p:txBody>
+          <a:bodyPr wrap="square" rtlCol="0">
+            <a:spAutoFit/>
+          </a:bodyPr>
+          <a:lstStyle/>
+          <a:p>
+            <a:r>
+              <a:rPr lang="ko-KR" altLang="en-US" sz="1400" smtClean="0"/>
+              <a:t>부서별소계</a:t>
+            </a:r>
+            <a:endParaRPr lang="ko-KR" altLang="en-US" sz="1400" dirty="0"/>
+          </a:p>
+        </p:txBody>
+      </p:sp>
+      <p:cxnSp>
+        <p:nvCxnSpPr>
+          <p:cNvPr id="11" name="직선 화살표 연결선 10"/>
+          <p:cNvCxnSpPr>
+            <a:endCxn id="9" idx="2"/>
+          </p:cNvCxnSpPr>
+          <p:nvPr/>
+        </p:nvCxnSpPr>
+        <p:spPr>
+          <a:xfrm flipV="1">
+            <a:off x="5580112" y="4069125"/>
+            <a:ext cx="782352" cy="1376101"/>
+          </a:xfrm>
+          <a:prstGeom prst="straightConnector1">
+            <a:avLst/>
+          </a:prstGeom>
+          <a:ln>
+            <a:tailEnd type="triangle"/>
+          </a:ln>
+        </p:spPr>
+        <p:style>
+          <a:lnRef idx="1">
+            <a:schemeClr val="accent1"/>
+          </a:lnRef>
+          <a:fillRef idx="0">
+            <a:schemeClr val="accent1"/>
+          </a:fillRef>
+          <a:effectRef idx="0">
+            <a:schemeClr val="accent1"/>
+          </a:effectRef>
+          <a:fontRef idx="minor">
+            <a:schemeClr val="tx1"/>
+          </a:fontRef>
+        </p:style>
+      </p:cxnSp>
+      <p:sp>
+        <p:nvSpPr>
+          <p:cNvPr id="15" name="TextBox 14"/>
+          <p:cNvSpPr txBox="1"/>
+          <p:nvPr/>
+        </p:nvSpPr>
+        <p:spPr>
+          <a:xfrm>
+            <a:off x="6362464" y="5233473"/>
+            <a:ext cx="648072" cy="322659"/>
+          </a:xfrm>
+          <a:prstGeom prst="round2SameRect">
+            <a:avLst/>
+          </a:prstGeom>
+        </p:spPr>
+        <p:style>
+          <a:lnRef idx="2">
+            <a:schemeClr val="accent2"/>
+          </a:lnRef>
+          <a:fillRef idx="1">
+            <a:schemeClr val="lt1"/>
+          </a:fillRef>
+          <a:effectRef idx="0">
+            <a:schemeClr val="accent2"/>
+          </a:effectRef>
+          <a:fontRef idx="minor">
+            <a:schemeClr val="dk1"/>
+          </a:fontRef>
+        </p:style>
+        <p:txBody>
+          <a:bodyPr wrap="square" rtlCol="0">
+            <a:spAutoFit/>
+          </a:bodyPr>
+          <a:lstStyle/>
+          <a:p>
+            <a:r>
+              <a:rPr lang="ko-KR" altLang="en-US" sz="1400" dirty="0"/>
+              <a:t>총</a:t>
+            </a:r>
+            <a:r>
+              <a:rPr lang="ko-KR" altLang="en-US" sz="1400" dirty="0" smtClean="0"/>
+              <a:t>계</a:t>
+            </a:r>
+            <a:endParaRPr lang="ko-KR" altLang="en-US" sz="1400" dirty="0"/>
+          </a:p>
+        </p:txBody>
+      </p:sp>
+      <p:cxnSp>
+        <p:nvCxnSpPr>
+          <p:cNvPr id="17" name="직선 화살표 연결선 16"/>
+          <p:cNvCxnSpPr>
+            <a:endCxn id="15" idx="2"/>
+          </p:cNvCxnSpPr>
+          <p:nvPr/>
+        </p:nvCxnSpPr>
+        <p:spPr>
+          <a:xfrm flipV="1">
+            <a:off x="5580112" y="5394803"/>
+            <a:ext cx="782352" cy="338453"/>
+          </a:xfrm>
+          <a:prstGeom prst="straightConnector1">
+            <a:avLst/>
+          </a:prstGeom>
+          <a:ln>
+            <a:tailEnd type="triangle"/>
+          </a:ln>
+        </p:spPr>
+        <p:style>
+          <a:lnRef idx="1">
+            <a:schemeClr val="accent1"/>
+          </a:lnRef>
+          <a:fillRef idx="0">
+            <a:schemeClr val="accent1"/>
+          </a:fillRef>
+          <a:effectRef idx="0">
+            <a:schemeClr val="accent1"/>
+          </a:effectRef>
+          <a:fontRef idx="minor">
+            <a:schemeClr val="tx1"/>
+          </a:fontRef>
+        </p:style>
+      </p:cxnSp>
+      <p:sp>
+        <p:nvSpPr>
+          <p:cNvPr id="20" name="TextBox 19"/>
+          <p:cNvSpPr txBox="1"/>
+          <p:nvPr/>
+        </p:nvSpPr>
+        <p:spPr>
+          <a:xfrm>
+            <a:off x="827584" y="1193356"/>
+            <a:ext cx="3816424" cy="400110"/>
           </a:xfrm>
           <a:prstGeom prst="rect">
             <a:avLst/>
@@ -13658,103 +15505,1086 @@
           </a:bodyPr>
           <a:lstStyle/>
           <a:p>
-            <a:pPr marL="285750" indent="-285750">
-              <a:lnSpc>
-                <a:spcPct val="150000"/>
-              </a:lnSpc>
-              <a:buFontTx/>
-              <a:buChar char="-"/>
+            <a:pPr marL="342900" indent="-342900">
+              <a:buFont typeface="Wingdings" panose="05000000000000000000" pitchFamily="2" charset="2"/>
+              <a:buChar char="ü"/>
             </a:pPr>
             <a:r>
-              <a:rPr lang="ko-KR" altLang="en-US" sz="1600" dirty="0"/>
-              <a:t>데이터를 구분할 수 있는 </a:t>
-            </a:r>
-            <a:r>
-              <a:rPr lang="ko-KR" altLang="en-US" sz="1600" dirty="0" smtClean="0"/>
-              <a:t>유일한 값이다</a:t>
-            </a:r>
-            <a:r>
-              <a:rPr lang="en-US" altLang="ko-KR" sz="1600" dirty="0" smtClean="0"/>
-              <a:t>. </a:t>
-            </a:r>
-          </a:p>
-          <a:p>
-            <a:pPr marL="285750" indent="-285750">
-              <a:lnSpc>
-                <a:spcPct val="150000"/>
-              </a:lnSpc>
-              <a:buFontTx/>
-              <a:buChar char="-"/>
-            </a:pPr>
-            <a:r>
-              <a:rPr lang="en-US" altLang="ko-KR" sz="1600" dirty="0" smtClean="0"/>
-              <a:t>ROWID</a:t>
-            </a:r>
-            <a:r>
-              <a:rPr lang="ko-KR" altLang="en-US" sz="1600" dirty="0" smtClean="0"/>
-              <a:t>를 통해서 데이터가 어떤 데이터 파일</a:t>
-            </a:r>
-            <a:r>
-              <a:rPr lang="en-US" altLang="ko-KR" sz="1600" dirty="0" smtClean="0"/>
+              <a:rPr lang="en-US" altLang="ko-KR" sz="2000" b="1" dirty="0" smtClean="0"/>
+              <a:t>LOLLUP(</a:t>
+            </a:r>
+            <a:r>
+              <a:rPr lang="ko-KR" altLang="en-US" sz="2000" b="1" dirty="0" err="1" smtClean="0"/>
+              <a:t>칼럼명</a:t>
+            </a:r>
+            <a:r>
+              <a:rPr lang="en-US" altLang="ko-KR" sz="2000" b="1" dirty="0" smtClean="0"/>
               <a:t>, </a:t>
             </a:r>
             <a:r>
-              <a:rPr lang="ko-KR" altLang="en-US" sz="1600" dirty="0" smtClean="0"/>
-              <a:t>어느 블록에 저장되어 있는지 알 수 있다</a:t>
-            </a:r>
-            <a:r>
-              <a:rPr lang="en-US" altLang="ko-KR" sz="1600" dirty="0" smtClean="0"/>
-              <a:t>.</a:t>
-            </a:r>
-          </a:p>
-          <a:p>
-            <a:pPr marL="285750" indent="-285750">
-              <a:lnSpc>
-                <a:spcPct val="150000"/>
-              </a:lnSpc>
-              <a:buFontTx/>
-              <a:buChar char="-"/>
-            </a:pPr>
-            <a:r>
-              <a:rPr lang="ko-KR" altLang="en-US" sz="1600" dirty="0" smtClean="0"/>
-              <a:t>오브젝트 번호</a:t>
-            </a:r>
-            <a:r>
-              <a:rPr lang="en-US" altLang="ko-KR" sz="1600" dirty="0" smtClean="0"/>
-              <a:t>, </a:t>
-            </a:r>
-            <a:r>
-              <a:rPr lang="ko-KR" altLang="en-US" sz="1600" dirty="0" smtClean="0"/>
-              <a:t>상대 </a:t>
-            </a:r>
-            <a:r>
-              <a:rPr lang="ko-KR" altLang="en-US" sz="1600" dirty="0" err="1" smtClean="0"/>
-              <a:t>파일번호</a:t>
-            </a:r>
-            <a:r>
-              <a:rPr lang="en-US" altLang="ko-KR" sz="1600" dirty="0" smtClean="0"/>
-              <a:t>, </a:t>
-            </a:r>
-            <a:r>
-              <a:rPr lang="ko-KR" altLang="en-US" sz="1600" dirty="0" smtClean="0"/>
-              <a:t>블록 번호</a:t>
-            </a:r>
-            <a:r>
-              <a:rPr lang="en-US" altLang="ko-KR" sz="1600" dirty="0" smtClean="0"/>
-              <a:t>, </a:t>
-            </a:r>
-            <a:r>
-              <a:rPr lang="ko-KR" altLang="en-US" sz="1600" dirty="0" smtClean="0"/>
-              <a:t>데이터 번호를 구성</a:t>
-            </a:r>
-            <a:endParaRPr lang="en-US" altLang="ko-KR" sz="1600" dirty="0" smtClean="0"/>
+              <a:rPr lang="ko-KR" altLang="en-US" sz="2000" b="1" dirty="0" err="1" smtClean="0"/>
+              <a:t>칼럼명</a:t>
+            </a:r>
+            <a:r>
+              <a:rPr lang="en-US" altLang="ko-KR" sz="2000" b="1" dirty="0" smtClean="0"/>
+              <a:t>)</a:t>
+            </a:r>
+            <a:endParaRPr lang="ko-KR" altLang="en-US" sz="2000" b="1" dirty="0"/>
           </a:p>
         </p:txBody>
       </p:sp>
     </p:spTree>
     <p:extLst>
       <p:ext uri="{BB962C8B-B14F-4D97-AF65-F5344CB8AC3E}">
-        <p14:creationId xmlns:p14="http://schemas.microsoft.com/office/powerpoint/2010/main" val="1095895902"/>
+        <p14:creationId xmlns:p14="http://schemas.microsoft.com/office/powerpoint/2010/main" val="3897172443"/>
+      </p:ext>
+    </p:extLst>
+  </p:cSld>
+  <p:clrMapOvr>
+    <a:masterClrMapping/>
+  </p:clrMapOvr>
+  <p:timing>
+    <p:tnLst>
+      <p:par>
+        <p:cTn id="1" dur="indefinite" restart="never" nodeType="tmRoot"/>
+      </p:par>
+    </p:tnLst>
+  </p:timing>
+</p:sld>
+</file>
+
+<file path=ppt/slides/slide33.xml><?xml version="1.0" encoding="utf-8"?>
+<p:sld xmlns:a="http://schemas.openxmlformats.org/drawingml/2006/main" xmlns:r="http://schemas.openxmlformats.org/officeDocument/2006/relationships" xmlns:p="http://schemas.openxmlformats.org/presentationml/2006/main">
+  <p:cSld>
+    <p:spTree>
+      <p:nvGrpSpPr>
+        <p:cNvPr id="1" name=""/>
+        <p:cNvGrpSpPr/>
+        <p:nvPr/>
+      </p:nvGrpSpPr>
+      <p:grpSpPr>
+        <a:xfrm>
+          <a:off x="0" y="0"/>
+          <a:ext cx="0" cy="0"/>
+          <a:chOff x="0" y="0"/>
+          <a:chExt cx="0" cy="0"/>
+        </a:xfrm>
+      </p:grpSpPr>
+      <p:sp>
+        <p:nvSpPr>
+          <p:cNvPr id="2" name="제목 1"/>
+          <p:cNvSpPr>
+            <a:spLocks noGrp="1"/>
+          </p:cNvSpPr>
+          <p:nvPr>
+            <p:ph type="title"/>
+          </p:nvPr>
+        </p:nvSpPr>
+        <p:spPr/>
+        <p:txBody>
+          <a:bodyPr>
+            <a:normAutofit/>
+          </a:bodyPr>
+          <a:lstStyle/>
+          <a:p>
+            <a:r>
+              <a:rPr lang="en-US" altLang="ko-KR" sz="2800" dirty="0" smtClean="0"/>
+              <a:t> </a:t>
+            </a:r>
+            <a:r>
+              <a:rPr lang="en-US" altLang="ko-KR" sz="2800" b="1" dirty="0" smtClean="0"/>
+              <a:t>LOLLUP() </a:t>
+            </a:r>
+            <a:r>
+              <a:rPr lang="ko-KR" altLang="en-US" sz="2800" b="1" dirty="0"/>
+              <a:t>함수 </a:t>
+            </a:r>
+            <a:r>
+              <a:rPr lang="en-US" altLang="ko-KR" sz="2800" b="1" dirty="0"/>
+              <a:t>vs </a:t>
+            </a:r>
+            <a:r>
+              <a:rPr lang="en-US" altLang="ko-KR" sz="2800" b="1" dirty="0" smtClean="0"/>
+              <a:t>CUBE()</a:t>
+            </a:r>
+            <a:endParaRPr lang="ko-KR" altLang="en-US" sz="2800" dirty="0"/>
+          </a:p>
+        </p:txBody>
+      </p:sp>
+      <p:sp>
+        <p:nvSpPr>
+          <p:cNvPr id="4" name="슬라이드 번호 개체 틀 3"/>
+          <p:cNvSpPr>
+            <a:spLocks noGrp="1"/>
+          </p:cNvSpPr>
+          <p:nvPr>
+            <p:ph type="sldNum" sz="quarter" idx="12"/>
+          </p:nvPr>
+        </p:nvSpPr>
+        <p:spPr/>
+        <p:txBody>
+          <a:bodyPr/>
+          <a:lstStyle/>
+          <a:p>
+            <a:fld id="{1BDE3FE7-3AEA-4B05-AC5A-802D1816ACF0}" type="slidenum">
+              <a:rPr lang="ko-KR" altLang="en-US" smtClean="0"/>
+              <a:t>33</a:t>
+            </a:fld>
+            <a:endParaRPr lang="ko-KR" altLang="en-US"/>
+          </a:p>
+        </p:txBody>
+      </p:sp>
+      <p:sp>
+        <p:nvSpPr>
+          <p:cNvPr id="15" name="TextBox 14"/>
+          <p:cNvSpPr txBox="1"/>
+          <p:nvPr/>
+        </p:nvSpPr>
+        <p:spPr>
+          <a:xfrm>
+            <a:off x="5879199" y="5586837"/>
+            <a:ext cx="648072" cy="354925"/>
+          </a:xfrm>
+          <a:prstGeom prst="round2SameRect">
+            <a:avLst/>
+          </a:prstGeom>
+        </p:spPr>
+        <p:style>
+          <a:lnRef idx="2">
+            <a:schemeClr val="accent2"/>
+          </a:lnRef>
+          <a:fillRef idx="1">
+            <a:schemeClr val="lt1"/>
+          </a:fillRef>
+          <a:effectRef idx="0">
+            <a:schemeClr val="accent2"/>
+          </a:effectRef>
+          <a:fontRef idx="minor">
+            <a:schemeClr val="dk1"/>
+          </a:fontRef>
+        </p:style>
+        <p:txBody>
+          <a:bodyPr wrap="square" rtlCol="0">
+            <a:spAutoFit/>
+          </a:bodyPr>
+          <a:lstStyle/>
+          <a:p>
+            <a:r>
+              <a:rPr lang="ko-KR" altLang="en-US" sz="1600" dirty="0"/>
+              <a:t>총</a:t>
+            </a:r>
+            <a:r>
+              <a:rPr lang="ko-KR" altLang="en-US" sz="1600" dirty="0" smtClean="0"/>
+              <a:t>계</a:t>
+            </a:r>
+            <a:endParaRPr lang="ko-KR" altLang="en-US" sz="1600" dirty="0"/>
+          </a:p>
+        </p:txBody>
+      </p:sp>
+      <p:cxnSp>
+        <p:nvCxnSpPr>
+          <p:cNvPr id="17" name="직선 화살표 연결선 16"/>
+          <p:cNvCxnSpPr/>
+          <p:nvPr/>
+        </p:nvCxnSpPr>
+        <p:spPr>
+          <a:xfrm flipV="1">
+            <a:off x="4860032" y="5822686"/>
+            <a:ext cx="936104" cy="54586"/>
+          </a:xfrm>
+          <a:prstGeom prst="straightConnector1">
+            <a:avLst/>
+          </a:prstGeom>
+          <a:ln>
+            <a:tailEnd type="triangle"/>
+          </a:ln>
+        </p:spPr>
+        <p:style>
+          <a:lnRef idx="1">
+            <a:schemeClr val="accent1"/>
+          </a:lnRef>
+          <a:fillRef idx="0">
+            <a:schemeClr val="accent1"/>
+          </a:fillRef>
+          <a:effectRef idx="0">
+            <a:schemeClr val="accent1"/>
+          </a:effectRef>
+          <a:fontRef idx="minor">
+            <a:schemeClr val="tx1"/>
+          </a:fontRef>
+        </p:style>
+      </p:cxnSp>
+      <p:sp>
+        <p:nvSpPr>
+          <p:cNvPr id="20" name="TextBox 19"/>
+          <p:cNvSpPr txBox="1"/>
+          <p:nvPr/>
+        </p:nvSpPr>
+        <p:spPr>
+          <a:xfrm>
+            <a:off x="827584" y="1193356"/>
+            <a:ext cx="3816424" cy="400110"/>
+          </a:xfrm>
+          <a:prstGeom prst="rect">
+            <a:avLst/>
+          </a:prstGeom>
+          <a:noFill/>
+        </p:spPr>
+        <p:txBody>
+          <a:bodyPr wrap="square" rtlCol="0">
+            <a:spAutoFit/>
+          </a:bodyPr>
+          <a:lstStyle/>
+          <a:p>
+            <a:pPr marL="342900" indent="-342900">
+              <a:buFont typeface="Wingdings" panose="05000000000000000000" pitchFamily="2" charset="2"/>
+              <a:buChar char="ü"/>
+            </a:pPr>
+            <a:r>
+              <a:rPr lang="en-US" altLang="ko-KR" sz="2000" b="1" dirty="0" smtClean="0"/>
+              <a:t>CUBE(</a:t>
+            </a:r>
+            <a:r>
+              <a:rPr lang="ko-KR" altLang="en-US" sz="2000" b="1" dirty="0" err="1" smtClean="0"/>
+              <a:t>칼럼명</a:t>
+            </a:r>
+            <a:r>
+              <a:rPr lang="en-US" altLang="ko-KR" sz="2000" b="1" dirty="0" smtClean="0"/>
+              <a:t>, </a:t>
+            </a:r>
+            <a:r>
+              <a:rPr lang="ko-KR" altLang="en-US" sz="2000" b="1" dirty="0" err="1" smtClean="0"/>
+              <a:t>칼럼명</a:t>
+            </a:r>
+            <a:r>
+              <a:rPr lang="en-US" altLang="ko-KR" sz="2000" b="1" dirty="0" smtClean="0"/>
+              <a:t>)</a:t>
+            </a:r>
+            <a:endParaRPr lang="ko-KR" altLang="en-US" sz="2000" b="1" dirty="0"/>
+          </a:p>
+        </p:txBody>
+      </p:sp>
+      <p:sp>
+        <p:nvSpPr>
+          <p:cNvPr id="12" name="TextBox 11"/>
+          <p:cNvSpPr txBox="1"/>
+          <p:nvPr/>
+        </p:nvSpPr>
+        <p:spPr>
+          <a:xfrm>
+            <a:off x="5674382" y="4261063"/>
+            <a:ext cx="1238538" cy="322659"/>
+          </a:xfrm>
+          <a:prstGeom prst="round2SameRect">
+            <a:avLst/>
+          </a:prstGeom>
+        </p:spPr>
+        <p:style>
+          <a:lnRef idx="2">
+            <a:schemeClr val="accent2"/>
+          </a:lnRef>
+          <a:fillRef idx="1">
+            <a:schemeClr val="lt1"/>
+          </a:fillRef>
+          <a:effectRef idx="0">
+            <a:schemeClr val="accent2"/>
+          </a:effectRef>
+          <a:fontRef idx="minor">
+            <a:schemeClr val="dk1"/>
+          </a:fontRef>
+        </p:style>
+        <p:txBody>
+          <a:bodyPr wrap="square" rtlCol="0">
+            <a:spAutoFit/>
+          </a:bodyPr>
+          <a:lstStyle/>
+          <a:p>
+            <a:r>
+              <a:rPr lang="ko-KR" altLang="en-US" sz="1400" dirty="0" smtClean="0"/>
+              <a:t>부서별 소계</a:t>
+            </a:r>
+            <a:endParaRPr lang="ko-KR" altLang="en-US" sz="1400" dirty="0"/>
+          </a:p>
+        </p:txBody>
+      </p:sp>
+      <p:sp>
+        <p:nvSpPr>
+          <p:cNvPr id="13" name="TextBox 12"/>
+          <p:cNvSpPr txBox="1"/>
+          <p:nvPr/>
+        </p:nvSpPr>
+        <p:spPr>
+          <a:xfrm>
+            <a:off x="5591446" y="5065930"/>
+            <a:ext cx="1584176" cy="322659"/>
+          </a:xfrm>
+          <a:prstGeom prst="round2SameRect">
+            <a:avLst/>
+          </a:prstGeom>
+        </p:spPr>
+        <p:style>
+          <a:lnRef idx="2">
+            <a:schemeClr val="accent2"/>
+          </a:lnRef>
+          <a:fillRef idx="1">
+            <a:schemeClr val="lt1"/>
+          </a:fillRef>
+          <a:effectRef idx="0">
+            <a:schemeClr val="accent2"/>
+          </a:effectRef>
+          <a:fontRef idx="minor">
+            <a:schemeClr val="dk1"/>
+          </a:fontRef>
+        </p:style>
+        <p:txBody>
+          <a:bodyPr wrap="square" rtlCol="0">
+            <a:spAutoFit/>
+          </a:bodyPr>
+          <a:lstStyle/>
+          <a:p>
+            <a:r>
+              <a:rPr lang="ko-KR" altLang="en-US" sz="1400" dirty="0" err="1" smtClean="0"/>
+              <a:t>직무이름별</a:t>
+            </a:r>
+            <a:r>
+              <a:rPr lang="ko-KR" altLang="en-US" sz="1400" dirty="0" smtClean="0"/>
+              <a:t> 소계</a:t>
+            </a:r>
+            <a:endParaRPr lang="ko-KR" altLang="en-US" sz="1400" dirty="0"/>
+          </a:p>
+        </p:txBody>
+      </p:sp>
+      <p:cxnSp>
+        <p:nvCxnSpPr>
+          <p:cNvPr id="14" name="직선 화살표 연결선 13"/>
+          <p:cNvCxnSpPr>
+            <a:endCxn id="12" idx="2"/>
+          </p:cNvCxnSpPr>
+          <p:nvPr/>
+        </p:nvCxnSpPr>
+        <p:spPr>
+          <a:xfrm>
+            <a:off x="4894160" y="4403366"/>
+            <a:ext cx="780222" cy="19027"/>
+          </a:xfrm>
+          <a:prstGeom prst="straightConnector1">
+            <a:avLst/>
+          </a:prstGeom>
+          <a:ln>
+            <a:tailEnd type="triangle"/>
+          </a:ln>
+        </p:spPr>
+        <p:style>
+          <a:lnRef idx="1">
+            <a:schemeClr val="accent1"/>
+          </a:lnRef>
+          <a:fillRef idx="0">
+            <a:schemeClr val="accent1"/>
+          </a:fillRef>
+          <a:effectRef idx="0">
+            <a:schemeClr val="accent1"/>
+          </a:effectRef>
+          <a:fontRef idx="minor">
+            <a:schemeClr val="tx1"/>
+          </a:fontRef>
+        </p:style>
+      </p:cxnSp>
+      <p:cxnSp>
+        <p:nvCxnSpPr>
+          <p:cNvPr id="16" name="직선 화살표 연결선 15"/>
+          <p:cNvCxnSpPr/>
+          <p:nvPr/>
+        </p:nvCxnSpPr>
+        <p:spPr>
+          <a:xfrm flipV="1">
+            <a:off x="4855646" y="5180125"/>
+            <a:ext cx="720080" cy="109170"/>
+          </a:xfrm>
+          <a:prstGeom prst="straightConnector1">
+            <a:avLst/>
+          </a:prstGeom>
+          <a:ln>
+            <a:tailEnd type="triangle"/>
+          </a:ln>
+        </p:spPr>
+        <p:style>
+          <a:lnRef idx="1">
+            <a:schemeClr val="accent1"/>
+          </a:lnRef>
+          <a:fillRef idx="0">
+            <a:schemeClr val="accent1"/>
+          </a:fillRef>
+          <a:effectRef idx="0">
+            <a:schemeClr val="accent1"/>
+          </a:effectRef>
+          <a:fontRef idx="minor">
+            <a:schemeClr val="tx1"/>
+          </a:fontRef>
+        </p:style>
+      </p:cxnSp>
+      <p:cxnSp>
+        <p:nvCxnSpPr>
+          <p:cNvPr id="18" name="직선 화살표 연결선 17"/>
+          <p:cNvCxnSpPr/>
+          <p:nvPr/>
+        </p:nvCxnSpPr>
+        <p:spPr>
+          <a:xfrm flipV="1">
+            <a:off x="4846798" y="5234710"/>
+            <a:ext cx="728928" cy="229984"/>
+          </a:xfrm>
+          <a:prstGeom prst="straightConnector1">
+            <a:avLst/>
+          </a:prstGeom>
+          <a:ln>
+            <a:tailEnd type="triangle"/>
+          </a:ln>
+        </p:spPr>
+        <p:style>
+          <a:lnRef idx="1">
+            <a:schemeClr val="accent1"/>
+          </a:lnRef>
+          <a:fillRef idx="0">
+            <a:schemeClr val="accent1"/>
+          </a:fillRef>
+          <a:effectRef idx="0">
+            <a:schemeClr val="accent1"/>
+          </a:effectRef>
+          <a:fontRef idx="minor">
+            <a:schemeClr val="tx1"/>
+          </a:fontRef>
+        </p:style>
+      </p:cxnSp>
+      <p:cxnSp>
+        <p:nvCxnSpPr>
+          <p:cNvPr id="19" name="직선 화살표 연결선 18"/>
+          <p:cNvCxnSpPr/>
+          <p:nvPr/>
+        </p:nvCxnSpPr>
+        <p:spPr>
+          <a:xfrm flipV="1">
+            <a:off x="4756914" y="5331017"/>
+            <a:ext cx="818812" cy="380932"/>
+          </a:xfrm>
+          <a:prstGeom prst="straightConnector1">
+            <a:avLst/>
+          </a:prstGeom>
+          <a:ln>
+            <a:tailEnd type="triangle"/>
+          </a:ln>
+        </p:spPr>
+        <p:style>
+          <a:lnRef idx="1">
+            <a:schemeClr val="accent1"/>
+          </a:lnRef>
+          <a:fillRef idx="0">
+            <a:schemeClr val="accent1"/>
+          </a:fillRef>
+          <a:effectRef idx="0">
+            <a:schemeClr val="accent1"/>
+          </a:effectRef>
+          <a:fontRef idx="minor">
+            <a:schemeClr val="tx1"/>
+          </a:fontRef>
+        </p:style>
+      </p:cxnSp>
+      <p:cxnSp>
+        <p:nvCxnSpPr>
+          <p:cNvPr id="21" name="직선 화살표 연결선 20"/>
+          <p:cNvCxnSpPr>
+            <a:endCxn id="12" idx="2"/>
+          </p:cNvCxnSpPr>
+          <p:nvPr/>
+        </p:nvCxnSpPr>
+        <p:spPr>
+          <a:xfrm flipV="1">
+            <a:off x="4904201" y="4422393"/>
+            <a:ext cx="770181" cy="639168"/>
+          </a:xfrm>
+          <a:prstGeom prst="straightConnector1">
+            <a:avLst/>
+          </a:prstGeom>
+          <a:ln>
+            <a:tailEnd type="triangle"/>
+          </a:ln>
+        </p:spPr>
+        <p:style>
+          <a:lnRef idx="1">
+            <a:schemeClr val="accent1"/>
+          </a:lnRef>
+          <a:fillRef idx="0">
+            <a:schemeClr val="accent1"/>
+          </a:fillRef>
+          <a:effectRef idx="0">
+            <a:schemeClr val="accent1"/>
+          </a:effectRef>
+          <a:fontRef idx="minor">
+            <a:schemeClr val="tx1"/>
+          </a:fontRef>
+        </p:style>
+      </p:cxnSp>
+      <p:pic>
+        <p:nvPicPr>
+          <p:cNvPr id="3" name="그림 2"/>
+          <p:cNvPicPr>
+            <a:picLocks noChangeAspect="1"/>
+          </p:cNvPicPr>
+          <p:nvPr/>
+        </p:nvPicPr>
+        <p:blipFill>
+          <a:blip r:embed="rId2">
+            <a:extLst>
+              <a:ext uri="{28A0092B-C50C-407E-A947-70E740481C1C}">
+                <a14:useLocalDpi xmlns:a14="http://schemas.microsoft.com/office/drawing/2010/main" val="0"/>
+              </a:ext>
+            </a:extLst>
+          </a:blip>
+          <a:stretch>
+            <a:fillRect/>
+          </a:stretch>
+        </p:blipFill>
+        <p:spPr>
+          <a:xfrm>
+            <a:off x="1498484" y="1931887"/>
+            <a:ext cx="4000847" cy="1447925"/>
+          </a:xfrm>
+          <a:prstGeom prst="rect">
+            <a:avLst/>
+          </a:prstGeom>
+          <a:ln>
+            <a:solidFill>
+              <a:schemeClr val="bg1">
+                <a:lumMod val="85000"/>
+              </a:schemeClr>
+            </a:solidFill>
+          </a:ln>
+        </p:spPr>
+      </p:pic>
+      <p:pic>
+        <p:nvPicPr>
+          <p:cNvPr id="7" name="그림 6"/>
+          <p:cNvPicPr>
+            <a:picLocks noChangeAspect="1"/>
+          </p:cNvPicPr>
+          <p:nvPr/>
+        </p:nvPicPr>
+        <p:blipFill>
+          <a:blip r:embed="rId3"/>
+          <a:stretch>
+            <a:fillRect/>
+          </a:stretch>
+        </p:blipFill>
+        <p:spPr>
+          <a:xfrm>
+            <a:off x="1822144" y="3718233"/>
+            <a:ext cx="3017782" cy="2377646"/>
+          </a:xfrm>
+          <a:prstGeom prst="rect">
+            <a:avLst/>
+          </a:prstGeom>
+          <a:ln>
+            <a:solidFill>
+              <a:schemeClr val="bg1">
+                <a:lumMod val="85000"/>
+              </a:schemeClr>
+            </a:solidFill>
+          </a:ln>
+        </p:spPr>
+      </p:pic>
+    </p:spTree>
+    <p:extLst>
+      <p:ext uri="{BB962C8B-B14F-4D97-AF65-F5344CB8AC3E}">
+        <p14:creationId xmlns:p14="http://schemas.microsoft.com/office/powerpoint/2010/main" val="3934399305"/>
+      </p:ext>
+    </p:extLst>
+  </p:cSld>
+  <p:clrMapOvr>
+    <a:masterClrMapping/>
+  </p:clrMapOvr>
+  <p:timing>
+    <p:tnLst>
+      <p:par>
+        <p:cTn id="1" dur="indefinite" restart="never" nodeType="tmRoot"/>
+      </p:par>
+    </p:tnLst>
+  </p:timing>
+</p:sld>
+</file>
+
+<file path=ppt/slides/slide34.xml><?xml version="1.0" encoding="utf-8"?>
+<p:sld xmlns:a="http://schemas.openxmlformats.org/drawingml/2006/main" xmlns:r="http://schemas.openxmlformats.org/officeDocument/2006/relationships" xmlns:p="http://schemas.openxmlformats.org/presentationml/2006/main">
+  <p:cSld>
+    <p:spTree>
+      <p:nvGrpSpPr>
+        <p:cNvPr id="1" name=""/>
+        <p:cNvGrpSpPr/>
+        <p:nvPr/>
+      </p:nvGrpSpPr>
+      <p:grpSpPr>
+        <a:xfrm>
+          <a:off x="0" y="0"/>
+          <a:ext cx="0" cy="0"/>
+          <a:chOff x="0" y="0"/>
+          <a:chExt cx="0" cy="0"/>
+        </a:xfrm>
+      </p:grpSpPr>
+      <p:sp>
+        <p:nvSpPr>
+          <p:cNvPr id="2" name="제목 1"/>
+          <p:cNvSpPr>
+            <a:spLocks noGrp="1"/>
+          </p:cNvSpPr>
+          <p:nvPr>
+            <p:ph type="title"/>
+          </p:nvPr>
+        </p:nvSpPr>
+        <p:spPr/>
+        <p:txBody>
+          <a:bodyPr>
+            <a:normAutofit/>
+          </a:bodyPr>
+          <a:lstStyle/>
+          <a:p>
+            <a:r>
+              <a:rPr lang="en-US" altLang="ko-KR" sz="2800" dirty="0" smtClean="0"/>
+              <a:t> </a:t>
+            </a:r>
+            <a:r>
+              <a:rPr lang="en-US" altLang="ko-KR" sz="2800" b="1" dirty="0" smtClean="0"/>
+              <a:t>LOLLUP() </a:t>
+            </a:r>
+            <a:r>
+              <a:rPr lang="ko-KR" altLang="en-US" sz="2800" b="1" dirty="0"/>
+              <a:t>함수 </a:t>
+            </a:r>
+            <a:r>
+              <a:rPr lang="en-US" altLang="ko-KR" sz="2800" b="1" dirty="0"/>
+              <a:t>vs </a:t>
+            </a:r>
+            <a:r>
+              <a:rPr lang="en-US" altLang="ko-KR" sz="2800" b="1" dirty="0" smtClean="0"/>
+              <a:t>CUBE()</a:t>
+            </a:r>
+            <a:endParaRPr lang="ko-KR" altLang="en-US" sz="2800" dirty="0"/>
+          </a:p>
+        </p:txBody>
+      </p:sp>
+      <p:sp>
+        <p:nvSpPr>
+          <p:cNvPr id="4" name="슬라이드 번호 개체 틀 3"/>
+          <p:cNvSpPr>
+            <a:spLocks noGrp="1"/>
+          </p:cNvSpPr>
+          <p:nvPr>
+            <p:ph type="sldNum" sz="quarter" idx="12"/>
+          </p:nvPr>
+        </p:nvSpPr>
+        <p:spPr/>
+        <p:txBody>
+          <a:bodyPr/>
+          <a:lstStyle/>
+          <a:p>
+            <a:fld id="{1BDE3FE7-3AEA-4B05-AC5A-802D1816ACF0}" type="slidenum">
+              <a:rPr lang="ko-KR" altLang="en-US" smtClean="0"/>
+              <a:t>34</a:t>
+            </a:fld>
+            <a:endParaRPr lang="ko-KR" altLang="en-US"/>
+          </a:p>
+        </p:txBody>
+      </p:sp>
+      <p:sp>
+        <p:nvSpPr>
+          <p:cNvPr id="13" name="TextBox 12"/>
+          <p:cNvSpPr txBox="1"/>
+          <p:nvPr/>
+        </p:nvSpPr>
+        <p:spPr>
+          <a:xfrm>
+            <a:off x="5906886" y="3800272"/>
+            <a:ext cx="1238538" cy="322659"/>
+          </a:xfrm>
+          <a:prstGeom prst="round2SameRect">
+            <a:avLst/>
+          </a:prstGeom>
+        </p:spPr>
+        <p:style>
+          <a:lnRef idx="2">
+            <a:schemeClr val="accent2"/>
+          </a:lnRef>
+          <a:fillRef idx="1">
+            <a:schemeClr val="lt1"/>
+          </a:fillRef>
+          <a:effectRef idx="0">
+            <a:schemeClr val="accent2"/>
+          </a:effectRef>
+          <a:fontRef idx="minor">
+            <a:schemeClr val="dk1"/>
+          </a:fontRef>
+        </p:style>
+        <p:txBody>
+          <a:bodyPr wrap="square" rtlCol="0">
+            <a:spAutoFit/>
+          </a:bodyPr>
+          <a:lstStyle/>
+          <a:p>
+            <a:r>
+              <a:rPr lang="ko-KR" altLang="en-US" sz="1400" dirty="0" smtClean="0"/>
+              <a:t>부서별 소계</a:t>
+            </a:r>
+            <a:endParaRPr lang="ko-KR" altLang="en-US" sz="1400" dirty="0"/>
+          </a:p>
+        </p:txBody>
+      </p:sp>
+      <p:sp>
+        <p:nvSpPr>
+          <p:cNvPr id="14" name="TextBox 13"/>
+          <p:cNvSpPr txBox="1"/>
+          <p:nvPr/>
+        </p:nvSpPr>
+        <p:spPr>
+          <a:xfrm>
+            <a:off x="6012160" y="4393268"/>
+            <a:ext cx="1584176" cy="322659"/>
+          </a:xfrm>
+          <a:prstGeom prst="round2SameRect">
+            <a:avLst/>
+          </a:prstGeom>
+        </p:spPr>
+        <p:style>
+          <a:lnRef idx="2">
+            <a:schemeClr val="accent2"/>
+          </a:lnRef>
+          <a:fillRef idx="1">
+            <a:schemeClr val="lt1"/>
+          </a:fillRef>
+          <a:effectRef idx="0">
+            <a:schemeClr val="accent2"/>
+          </a:effectRef>
+          <a:fontRef idx="minor">
+            <a:schemeClr val="dk1"/>
+          </a:fontRef>
+        </p:style>
+        <p:txBody>
+          <a:bodyPr wrap="square" rtlCol="0">
+            <a:spAutoFit/>
+          </a:bodyPr>
+          <a:lstStyle/>
+          <a:p>
+            <a:r>
+              <a:rPr lang="ko-KR" altLang="en-US" sz="1400" dirty="0" err="1" smtClean="0"/>
+              <a:t>직무이름별</a:t>
+            </a:r>
+            <a:r>
+              <a:rPr lang="ko-KR" altLang="en-US" sz="1400" dirty="0" smtClean="0"/>
+              <a:t> 소계</a:t>
+            </a:r>
+            <a:endParaRPr lang="ko-KR" altLang="en-US" sz="1400" dirty="0"/>
+          </a:p>
+        </p:txBody>
+      </p:sp>
+      <p:cxnSp>
+        <p:nvCxnSpPr>
+          <p:cNvPr id="16" name="직선 화살표 연결선 15"/>
+          <p:cNvCxnSpPr>
+            <a:endCxn id="13" idx="2"/>
+          </p:cNvCxnSpPr>
+          <p:nvPr/>
+        </p:nvCxnSpPr>
+        <p:spPr>
+          <a:xfrm>
+            <a:off x="5126664" y="3942575"/>
+            <a:ext cx="780222" cy="19027"/>
+          </a:xfrm>
+          <a:prstGeom prst="straightConnector1">
+            <a:avLst/>
+          </a:prstGeom>
+          <a:ln>
+            <a:tailEnd type="triangle"/>
+          </a:ln>
+        </p:spPr>
+        <p:style>
+          <a:lnRef idx="1">
+            <a:schemeClr val="accent1"/>
+          </a:lnRef>
+          <a:fillRef idx="0">
+            <a:schemeClr val="accent1"/>
+          </a:fillRef>
+          <a:effectRef idx="0">
+            <a:schemeClr val="accent1"/>
+          </a:effectRef>
+          <a:fontRef idx="minor">
+            <a:schemeClr val="tx1"/>
+          </a:fontRef>
+        </p:style>
+      </p:cxnSp>
+      <p:cxnSp>
+        <p:nvCxnSpPr>
+          <p:cNvPr id="18" name="직선 화살표 연결선 17"/>
+          <p:cNvCxnSpPr>
+            <a:stCxn id="30" idx="3"/>
+            <a:endCxn id="14" idx="2"/>
+          </p:cNvCxnSpPr>
+          <p:nvPr/>
+        </p:nvCxnSpPr>
+        <p:spPr>
+          <a:xfrm>
+            <a:off x="5126664" y="4393269"/>
+            <a:ext cx="885496" cy="161329"/>
+          </a:xfrm>
+          <a:prstGeom prst="straightConnector1">
+            <a:avLst/>
+          </a:prstGeom>
+          <a:ln>
+            <a:tailEnd type="triangle"/>
+          </a:ln>
+        </p:spPr>
+        <p:style>
+          <a:lnRef idx="1">
+            <a:schemeClr val="accent1"/>
+          </a:lnRef>
+          <a:fillRef idx="0">
+            <a:schemeClr val="accent1"/>
+          </a:fillRef>
+          <a:effectRef idx="0">
+            <a:schemeClr val="accent1"/>
+          </a:effectRef>
+          <a:fontRef idx="minor">
+            <a:schemeClr val="tx1"/>
+          </a:fontRef>
+        </p:style>
+      </p:cxnSp>
+      <p:pic>
+        <p:nvPicPr>
+          <p:cNvPr id="29" name="그림 28"/>
+          <p:cNvPicPr>
+            <a:picLocks noChangeAspect="1"/>
+          </p:cNvPicPr>
+          <p:nvPr/>
+        </p:nvPicPr>
+        <p:blipFill>
+          <a:blip r:embed="rId2">
+            <a:extLst>
+              <a:ext uri="{28A0092B-C50C-407E-A947-70E740481C1C}">
+                <a14:useLocalDpi xmlns:a14="http://schemas.microsoft.com/office/drawing/2010/main" val="0"/>
+              </a:ext>
+            </a:extLst>
+          </a:blip>
+          <a:stretch>
+            <a:fillRect/>
+          </a:stretch>
+        </p:blipFill>
+        <p:spPr>
+          <a:xfrm>
+            <a:off x="1836038" y="1803148"/>
+            <a:ext cx="4176122" cy="1348857"/>
+          </a:xfrm>
+          <a:prstGeom prst="rect">
+            <a:avLst/>
+          </a:prstGeom>
+          <a:ln>
+            <a:solidFill>
+              <a:schemeClr val="bg1">
+                <a:lumMod val="85000"/>
+              </a:schemeClr>
+            </a:solidFill>
+          </a:ln>
+        </p:spPr>
+      </p:pic>
+      <p:pic>
+        <p:nvPicPr>
+          <p:cNvPr id="30" name="그림 29"/>
+          <p:cNvPicPr>
+            <a:picLocks noChangeAspect="1"/>
+          </p:cNvPicPr>
+          <p:nvPr/>
+        </p:nvPicPr>
+        <p:blipFill rotWithShape="1">
+          <a:blip r:embed="rId3">
+            <a:extLst>
+              <a:ext uri="{28A0092B-C50C-407E-A947-70E740481C1C}">
+                <a14:useLocalDpi xmlns:a14="http://schemas.microsoft.com/office/drawing/2010/main" val="0"/>
+              </a:ext>
+            </a:extLst>
+          </a:blip>
+          <a:srcRect r="8535"/>
+          <a:stretch/>
+        </p:blipFill>
+        <p:spPr>
+          <a:xfrm>
+            <a:off x="1706585" y="3653209"/>
+            <a:ext cx="3420079" cy="1480119"/>
+          </a:xfrm>
+          <a:prstGeom prst="rect">
+            <a:avLst/>
+          </a:prstGeom>
+          <a:ln>
+            <a:solidFill>
+              <a:schemeClr val="bg1">
+                <a:lumMod val="85000"/>
+              </a:schemeClr>
+            </a:solidFill>
+          </a:ln>
+        </p:spPr>
+      </p:pic>
+      <p:cxnSp>
+        <p:nvCxnSpPr>
+          <p:cNvPr id="35" name="직선 화살표 연결선 34"/>
+          <p:cNvCxnSpPr>
+            <a:endCxn id="14" idx="2"/>
+          </p:cNvCxnSpPr>
+          <p:nvPr/>
+        </p:nvCxnSpPr>
+        <p:spPr>
+          <a:xfrm flipV="1">
+            <a:off x="5126664" y="4554598"/>
+            <a:ext cx="885496" cy="75770"/>
+          </a:xfrm>
+          <a:prstGeom prst="straightConnector1">
+            <a:avLst/>
+          </a:prstGeom>
+          <a:ln>
+            <a:tailEnd type="triangle"/>
+          </a:ln>
+        </p:spPr>
+        <p:style>
+          <a:lnRef idx="1">
+            <a:schemeClr val="accent1"/>
+          </a:lnRef>
+          <a:fillRef idx="0">
+            <a:schemeClr val="accent1"/>
+          </a:fillRef>
+          <a:effectRef idx="0">
+            <a:schemeClr val="accent1"/>
+          </a:effectRef>
+          <a:fontRef idx="minor">
+            <a:schemeClr val="tx1"/>
+          </a:fontRef>
+        </p:style>
+      </p:cxnSp>
+      <p:cxnSp>
+        <p:nvCxnSpPr>
+          <p:cNvPr id="36" name="직선 화살표 연결선 35"/>
+          <p:cNvCxnSpPr>
+            <a:endCxn id="14" idx="2"/>
+          </p:cNvCxnSpPr>
+          <p:nvPr/>
+        </p:nvCxnSpPr>
+        <p:spPr>
+          <a:xfrm flipV="1">
+            <a:off x="5126664" y="4554598"/>
+            <a:ext cx="885496" cy="274548"/>
+          </a:xfrm>
+          <a:prstGeom prst="straightConnector1">
+            <a:avLst/>
+          </a:prstGeom>
+          <a:ln>
+            <a:tailEnd type="triangle"/>
+          </a:ln>
+        </p:spPr>
+        <p:style>
+          <a:lnRef idx="1">
+            <a:schemeClr val="accent1"/>
+          </a:lnRef>
+          <a:fillRef idx="0">
+            <a:schemeClr val="accent1"/>
+          </a:fillRef>
+          <a:effectRef idx="0">
+            <a:schemeClr val="accent1"/>
+          </a:effectRef>
+          <a:fontRef idx="minor">
+            <a:schemeClr val="tx1"/>
+          </a:fontRef>
+        </p:style>
+      </p:cxnSp>
+      <p:cxnSp>
+        <p:nvCxnSpPr>
+          <p:cNvPr id="49" name="직선 화살표 연결선 48"/>
+          <p:cNvCxnSpPr>
+            <a:endCxn id="13" idx="2"/>
+          </p:cNvCxnSpPr>
+          <p:nvPr/>
+        </p:nvCxnSpPr>
+        <p:spPr>
+          <a:xfrm flipV="1">
+            <a:off x="5126664" y="3961602"/>
+            <a:ext cx="780222" cy="211339"/>
+          </a:xfrm>
+          <a:prstGeom prst="straightConnector1">
+            <a:avLst/>
+          </a:prstGeom>
+          <a:ln>
+            <a:tailEnd type="triangle"/>
+          </a:ln>
+        </p:spPr>
+        <p:style>
+          <a:lnRef idx="1">
+            <a:schemeClr val="accent1"/>
+          </a:lnRef>
+          <a:fillRef idx="0">
+            <a:schemeClr val="accent1"/>
+          </a:fillRef>
+          <a:effectRef idx="0">
+            <a:schemeClr val="accent1"/>
+          </a:effectRef>
+          <a:fontRef idx="minor">
+            <a:schemeClr val="tx1"/>
+          </a:fontRef>
+        </p:style>
+      </p:cxnSp>
+      <p:sp>
+        <p:nvSpPr>
+          <p:cNvPr id="53" name="TextBox 52"/>
+          <p:cNvSpPr txBox="1"/>
+          <p:nvPr/>
+        </p:nvSpPr>
+        <p:spPr>
+          <a:xfrm>
+            <a:off x="827584" y="1193356"/>
+            <a:ext cx="4752528" cy="400110"/>
+          </a:xfrm>
+          <a:prstGeom prst="rect">
+            <a:avLst/>
+          </a:prstGeom>
+          <a:noFill/>
+        </p:spPr>
+        <p:txBody>
+          <a:bodyPr wrap="square" rtlCol="0">
+            <a:spAutoFit/>
+          </a:bodyPr>
+          <a:lstStyle/>
+          <a:p>
+            <a:pPr marL="342900" indent="-342900">
+              <a:buFont typeface="Wingdings" panose="05000000000000000000" pitchFamily="2" charset="2"/>
+              <a:buChar char="ü"/>
+            </a:pPr>
+            <a:r>
+              <a:rPr lang="en-US" altLang="ko-KR" sz="2000" b="1" dirty="0" smtClean="0"/>
+              <a:t>GROUPING SETS(</a:t>
+            </a:r>
+            <a:r>
+              <a:rPr lang="ko-KR" altLang="en-US" sz="2000" b="1" dirty="0" err="1" smtClean="0"/>
+              <a:t>칼럼명</a:t>
+            </a:r>
+            <a:r>
+              <a:rPr lang="en-US" altLang="ko-KR" sz="2000" b="1" dirty="0" smtClean="0"/>
+              <a:t>, </a:t>
+            </a:r>
+            <a:r>
+              <a:rPr lang="ko-KR" altLang="en-US" sz="2000" b="1" dirty="0" err="1" smtClean="0"/>
+              <a:t>칼럼명</a:t>
+            </a:r>
+            <a:r>
+              <a:rPr lang="en-US" altLang="ko-KR" sz="2000" b="1" dirty="0" smtClean="0"/>
+              <a:t>)</a:t>
+            </a:r>
+            <a:endParaRPr lang="ko-KR" altLang="en-US" sz="2000" b="1" dirty="0"/>
+          </a:p>
+        </p:txBody>
+      </p:sp>
+    </p:spTree>
+    <p:extLst>
+      <p:ext uri="{BB962C8B-B14F-4D97-AF65-F5344CB8AC3E}">
+        <p14:creationId xmlns:p14="http://schemas.microsoft.com/office/powerpoint/2010/main" val="3943801574"/>
       </p:ext>
     </p:extLst>
   </p:cSld>

--- a/db_ppt/5장. 함수.pptx
+++ b/db_ppt/5장. 함수.pptx
@@ -5,7 +5,7 @@
     <p:sldMasterId id="2147483648" r:id="rId1"/>
   </p:sldMasterIdLst>
   <p:notesMasterIdLst>
-    <p:notesMasterId r:id="rId36"/>
+    <p:notesMasterId r:id="rId46"/>
   </p:notesMasterIdLst>
   <p:sldIdLst>
     <p:sldId id="256" r:id="rId2"/>
@@ -42,6 +42,16 @@
     <p:sldId id="317" r:id="rId33"/>
     <p:sldId id="318" r:id="rId34"/>
     <p:sldId id="319" r:id="rId35"/>
+    <p:sldId id="320" r:id="rId36"/>
+    <p:sldId id="321" r:id="rId37"/>
+    <p:sldId id="322" r:id="rId38"/>
+    <p:sldId id="323" r:id="rId39"/>
+    <p:sldId id="324" r:id="rId40"/>
+    <p:sldId id="325" r:id="rId41"/>
+    <p:sldId id="326" r:id="rId42"/>
+    <p:sldId id="327" r:id="rId43"/>
+    <p:sldId id="328" r:id="rId44"/>
+    <p:sldId id="329" r:id="rId45"/>
   </p:sldIdLst>
   <p:sldSz cx="9144000" cy="6858000" type="screen4x3"/>
   <p:notesSz cx="6858000" cy="9144000"/>
@@ -241,7 +251,7 @@
           <a:p>
             <a:fld id="{7665CDAC-D627-4E87-877A-1B781DD4CADC}" type="datetimeFigureOut">
               <a:rPr lang="ko-KR" altLang="en-US" smtClean="0"/>
-              <a:t>2023-04-30</a:t>
+              <a:t>2023-05-07</a:t>
             </a:fld>
             <a:endParaRPr lang="ko-KR" altLang="en-US"/>
           </a:p>
@@ -1097,7 +1107,7 @@
           <a:p>
             <a:fld id="{E240FE80-3752-4C44-80B8-E31C3450070D}" type="datetime1">
               <a:rPr lang="ko-KR" altLang="en-US" smtClean="0"/>
-              <a:t>2023-04-30</a:t>
+              <a:t>2023-05-07</a:t>
             </a:fld>
             <a:endParaRPr lang="ko-KR" altLang="en-US"/>
           </a:p>
@@ -1277,7 +1287,7 @@
           <a:p>
             <a:fld id="{5FA88D13-428F-4553-BC93-2E91B1DA3F5C}" type="datetime1">
               <a:rPr lang="ko-KR" altLang="en-US" smtClean="0"/>
-              <a:t>2023-04-30</a:t>
+              <a:t>2023-05-07</a:t>
             </a:fld>
             <a:endParaRPr lang="ko-KR" altLang="en-US"/>
           </a:p>
@@ -1451,7 +1461,7 @@
           <a:p>
             <a:fld id="{4E9D4779-FB94-4D0A-9770-16BB460ADD4B}" type="datetime1">
               <a:rPr lang="ko-KR" altLang="en-US" smtClean="0"/>
-              <a:t>2023-04-30</a:t>
+              <a:t>2023-05-07</a:t>
             </a:fld>
             <a:endParaRPr lang="ko-KR" altLang="en-US"/>
           </a:p>
@@ -1697,7 +1707,7 @@
           <a:p>
             <a:fld id="{DD687F0D-089E-4098-8EE9-5721C76E52EC}" type="datetime1">
               <a:rPr lang="ko-KR" altLang="en-US" smtClean="0"/>
-              <a:t>2023-04-30</a:t>
+              <a:t>2023-05-07</a:t>
             </a:fld>
             <a:endParaRPr lang="ko-KR" altLang="en-US"/>
           </a:p>
@@ -1985,7 +1995,7 @@
           <a:p>
             <a:fld id="{09C650FE-E6B2-4D57-AAF6-1B2A37421AAD}" type="datetime1">
               <a:rPr lang="ko-KR" altLang="en-US" smtClean="0"/>
-              <a:t>2023-04-30</a:t>
+              <a:t>2023-05-07</a:t>
             </a:fld>
             <a:endParaRPr lang="ko-KR" altLang="en-US"/>
           </a:p>
@@ -2407,7 +2417,7 @@
           <a:p>
             <a:fld id="{E87F20C2-C949-4E4F-9580-FEE4F2DAC554}" type="datetime1">
               <a:rPr lang="ko-KR" altLang="en-US" smtClean="0"/>
-              <a:t>2023-04-30</a:t>
+              <a:t>2023-05-07</a:t>
             </a:fld>
             <a:endParaRPr lang="ko-KR" altLang="en-US"/>
           </a:p>
@@ -2525,7 +2535,7 @@
           <a:p>
             <a:fld id="{476DBFE0-70CA-4AA9-9C17-F02054822E7E}" type="datetime1">
               <a:rPr lang="ko-KR" altLang="en-US" smtClean="0"/>
-              <a:t>2023-04-30</a:t>
+              <a:t>2023-05-07</a:t>
             </a:fld>
             <a:endParaRPr lang="ko-KR" altLang="en-US"/>
           </a:p>
@@ -2620,7 +2630,7 @@
           <a:p>
             <a:fld id="{6DA84A72-C6AC-45C3-AE5A-9CF6D245353A}" type="datetime1">
               <a:rPr lang="ko-KR" altLang="en-US" smtClean="0"/>
-              <a:t>2023-04-30</a:t>
+              <a:t>2023-05-07</a:t>
             </a:fld>
             <a:endParaRPr lang="ko-KR" altLang="en-US"/>
           </a:p>
@@ -2897,7 +2907,7 @@
           <a:p>
             <a:fld id="{092D9E8D-7616-4FA8-9B12-88059974D499}" type="datetime1">
               <a:rPr lang="ko-KR" altLang="en-US" smtClean="0"/>
-              <a:t>2023-04-30</a:t>
+              <a:t>2023-05-07</a:t>
             </a:fld>
             <a:endParaRPr lang="ko-KR" altLang="en-US"/>
           </a:p>
@@ -3150,7 +3160,7 @@
           <a:p>
             <a:fld id="{79F4C3F6-B4DC-4E51-8609-BCC628ECDBF3}" type="datetime1">
               <a:rPr lang="ko-KR" altLang="en-US" smtClean="0"/>
-              <a:t>2023-04-30</a:t>
+              <a:t>2023-05-07</a:t>
             </a:fld>
             <a:endParaRPr lang="ko-KR" altLang="en-US"/>
           </a:p>
@@ -3330,7 +3340,7 @@
           <a:p>
             <a:fld id="{B2C4C586-F21B-48DD-B591-4B12E73E0749}" type="datetime1">
               <a:rPr lang="ko-KR" altLang="en-US" smtClean="0"/>
-              <a:t>2023-04-30</a:t>
+              <a:t>2023-05-07</a:t>
             </a:fld>
             <a:endParaRPr lang="ko-KR" altLang="en-US"/>
           </a:p>
@@ -16601,6 +16611,1108 @@
 </p:sld>
 </file>
 
+<file path=ppt/slides/slide35.xml><?xml version="1.0" encoding="utf-8"?>
+<p:sld xmlns:a="http://schemas.openxmlformats.org/drawingml/2006/main" xmlns:r="http://schemas.openxmlformats.org/officeDocument/2006/relationships" xmlns:p="http://schemas.openxmlformats.org/presentationml/2006/main">
+  <p:cSld>
+    <p:spTree>
+      <p:nvGrpSpPr>
+        <p:cNvPr id="1" name=""/>
+        <p:cNvGrpSpPr/>
+        <p:nvPr/>
+      </p:nvGrpSpPr>
+      <p:grpSpPr>
+        <a:xfrm>
+          <a:off x="0" y="0"/>
+          <a:ext cx="0" cy="0"/>
+          <a:chOff x="0" y="0"/>
+          <a:chExt cx="0" cy="0"/>
+        </a:xfrm>
+      </p:grpSpPr>
+      <p:sp>
+        <p:nvSpPr>
+          <p:cNvPr id="4" name="슬라이드 번호 개체 틀 3"/>
+          <p:cNvSpPr>
+            <a:spLocks noGrp="1"/>
+          </p:cNvSpPr>
+          <p:nvPr>
+            <p:ph type="sldNum" sz="quarter" idx="12"/>
+          </p:nvPr>
+        </p:nvSpPr>
+        <p:spPr/>
+        <p:txBody>
+          <a:bodyPr/>
+          <a:lstStyle/>
+          <a:p>
+            <a:fld id="{1BDE3FE7-3AEA-4B05-AC5A-802D1816ACF0}" type="slidenum">
+              <a:rPr lang="ko-KR" altLang="en-US" smtClean="0"/>
+              <a:t>35</a:t>
+            </a:fld>
+            <a:endParaRPr lang="ko-KR" altLang="en-US"/>
+          </a:p>
+        </p:txBody>
+      </p:sp>
+      <p:sp>
+        <p:nvSpPr>
+          <p:cNvPr id="3" name="TextBox 2"/>
+          <p:cNvSpPr txBox="1"/>
+          <p:nvPr/>
+        </p:nvSpPr>
+        <p:spPr>
+          <a:xfrm>
+            <a:off x="827584" y="1156682"/>
+            <a:ext cx="6120680" cy="400110"/>
+          </a:xfrm>
+          <a:prstGeom prst="rect">
+            <a:avLst/>
+          </a:prstGeom>
+          <a:noFill/>
+        </p:spPr>
+        <p:txBody>
+          <a:bodyPr wrap="square" rtlCol="0">
+            <a:spAutoFit/>
+          </a:bodyPr>
+          <a:lstStyle/>
+          <a:p>
+            <a:r>
+              <a:rPr lang="ko-KR" altLang="en-US" sz="2000" b="1" dirty="0" err="1" smtClean="0"/>
+              <a:t>옵티마이저</a:t>
+            </a:r>
+            <a:r>
+              <a:rPr lang="en-US" altLang="ko-KR" sz="2000" b="1" dirty="0" smtClean="0"/>
+              <a:t>(Optimizer)</a:t>
+            </a:r>
+            <a:r>
+              <a:rPr lang="ko-KR" altLang="en-US" sz="2000" b="1" dirty="0" smtClean="0"/>
+              <a:t>와</a:t>
+            </a:r>
+            <a:r>
+              <a:rPr lang="en-US" altLang="ko-KR" sz="2000" b="1" dirty="0" smtClean="0"/>
+              <a:t> </a:t>
+            </a:r>
+            <a:r>
+              <a:rPr lang="ko-KR" altLang="en-US" sz="2000" b="1" dirty="0" smtClean="0"/>
+              <a:t>실행 계획</a:t>
+            </a:r>
+            <a:endParaRPr lang="ko-KR" altLang="en-US" sz="2000" b="1" dirty="0"/>
+          </a:p>
+        </p:txBody>
+      </p:sp>
+      <p:sp>
+        <p:nvSpPr>
+          <p:cNvPr id="10" name="제목 1"/>
+          <p:cNvSpPr>
+            <a:spLocks noGrp="1"/>
+          </p:cNvSpPr>
+          <p:nvPr>
+            <p:ph type="title"/>
+          </p:nvPr>
+        </p:nvSpPr>
+        <p:spPr>
+          <a:xfrm>
+            <a:off x="1" y="-18256"/>
+            <a:ext cx="5724128" cy="854968"/>
+          </a:xfrm>
+        </p:spPr>
+        <p:txBody>
+          <a:bodyPr>
+            <a:normAutofit/>
+          </a:bodyPr>
+          <a:lstStyle/>
+          <a:p>
+            <a:r>
+              <a:rPr lang="en-US" altLang="ko-KR" sz="2800" dirty="0" smtClean="0"/>
+              <a:t>  SQL </a:t>
+            </a:r>
+            <a:r>
+              <a:rPr lang="ko-KR" altLang="en-US" sz="2800" dirty="0" smtClean="0"/>
+              <a:t>최적화</a:t>
+            </a:r>
+            <a:endParaRPr lang="ko-KR" altLang="en-US" sz="2800" b="1" dirty="0"/>
+          </a:p>
+        </p:txBody>
+      </p:sp>
+      <p:sp>
+        <p:nvSpPr>
+          <p:cNvPr id="5" name="TextBox 4"/>
+          <p:cNvSpPr txBox="1"/>
+          <p:nvPr/>
+        </p:nvSpPr>
+        <p:spPr>
+          <a:xfrm>
+            <a:off x="827583" y="1724779"/>
+            <a:ext cx="7448807" cy="2677656"/>
+          </a:xfrm>
+          <a:prstGeom prst="rect">
+            <a:avLst/>
+          </a:prstGeom>
+          <a:noFill/>
+        </p:spPr>
+        <p:txBody>
+          <a:bodyPr wrap="square" rtlCol="0">
+            <a:spAutoFit/>
+          </a:bodyPr>
+          <a:lstStyle/>
+          <a:p>
+            <a:pPr marL="285750" indent="-285750">
+              <a:lnSpc>
+                <a:spcPct val="150000"/>
+              </a:lnSpc>
+              <a:buFontTx/>
+              <a:buChar char="-"/>
+            </a:pPr>
+            <a:r>
+              <a:rPr lang="ko-KR" altLang="en-US" sz="1600" dirty="0" err="1" smtClean="0"/>
+              <a:t>옵티마이저는</a:t>
+            </a:r>
+            <a:r>
+              <a:rPr lang="ko-KR" altLang="en-US" sz="1600" dirty="0" smtClean="0"/>
+              <a:t> </a:t>
+            </a:r>
+            <a:r>
+              <a:rPr lang="en-US" altLang="ko-KR" sz="1600" dirty="0" smtClean="0"/>
+              <a:t>SQL</a:t>
+            </a:r>
+            <a:r>
+              <a:rPr lang="ko-KR" altLang="en-US" sz="1600" dirty="0" smtClean="0"/>
+              <a:t>의 실행 계획을 수립하고</a:t>
+            </a:r>
+            <a:r>
+              <a:rPr lang="en-US" altLang="ko-KR" sz="1600" dirty="0" smtClean="0"/>
+              <a:t>, SQL</a:t>
+            </a:r>
+            <a:r>
+              <a:rPr lang="ko-KR" altLang="en-US" sz="1600" dirty="0" smtClean="0"/>
+              <a:t>을 실행하는 데이터베이스 관리 시스템의 소프트웨어이다</a:t>
+            </a:r>
+            <a:r>
+              <a:rPr lang="en-US" altLang="ko-KR" sz="1600" dirty="0" smtClean="0"/>
+              <a:t>.</a:t>
+            </a:r>
+          </a:p>
+          <a:p>
+            <a:pPr marL="285750" indent="-285750">
+              <a:lnSpc>
+                <a:spcPct val="150000"/>
+              </a:lnSpc>
+              <a:buFontTx/>
+              <a:buChar char="-"/>
+            </a:pPr>
+            <a:r>
+              <a:rPr lang="ko-KR" altLang="en-US" sz="1600" dirty="0" smtClean="0"/>
+              <a:t>동일한 결과가 나오는 </a:t>
+            </a:r>
+            <a:r>
+              <a:rPr lang="en-US" altLang="ko-KR" sz="1600" dirty="0" smtClean="0"/>
+              <a:t>SQL</a:t>
+            </a:r>
+            <a:r>
+              <a:rPr lang="ko-KR" altLang="en-US" sz="1600" dirty="0" smtClean="0"/>
+              <a:t>도 어떻게 </a:t>
+            </a:r>
+            <a:r>
+              <a:rPr lang="ko-KR" altLang="en-US" sz="1600" dirty="0" err="1" smtClean="0"/>
+              <a:t>실행하느냐에</a:t>
+            </a:r>
+            <a:r>
+              <a:rPr lang="ko-KR" altLang="en-US" sz="1600" dirty="0" smtClean="0"/>
+              <a:t> 따라 성능이 달라진다</a:t>
+            </a:r>
+            <a:r>
+              <a:rPr lang="en-US" altLang="ko-KR" sz="1600" dirty="0" smtClean="0"/>
+              <a:t>.</a:t>
+            </a:r>
+          </a:p>
+          <a:p>
+            <a:pPr marL="285750" indent="-285750">
+              <a:lnSpc>
+                <a:spcPct val="150000"/>
+              </a:lnSpc>
+              <a:buFontTx/>
+              <a:buChar char="-"/>
+            </a:pPr>
+            <a:r>
+              <a:rPr lang="ko-KR" altLang="en-US" sz="1600" dirty="0" smtClean="0"/>
+              <a:t>데이터 </a:t>
+            </a:r>
+            <a:r>
+              <a:rPr lang="ko-KR" altLang="en-US" sz="1600" dirty="0" err="1" smtClean="0"/>
+              <a:t>딕셔너리에</a:t>
+            </a:r>
+            <a:r>
+              <a:rPr lang="ko-KR" altLang="en-US" sz="1600" dirty="0" smtClean="0"/>
+              <a:t> 있는 오브젝트 통계</a:t>
+            </a:r>
+            <a:r>
+              <a:rPr lang="en-US" altLang="ko-KR" sz="1600" dirty="0" smtClean="0"/>
+              <a:t>, </a:t>
+            </a:r>
+            <a:r>
+              <a:rPr lang="ko-KR" altLang="en-US" sz="1600" dirty="0" smtClean="0"/>
+              <a:t>시스템 </a:t>
+            </a:r>
+            <a:r>
+              <a:rPr lang="ko-KR" altLang="en-US" sz="1600" dirty="0" err="1" smtClean="0"/>
+              <a:t>통계등의</a:t>
+            </a:r>
+            <a:r>
+              <a:rPr lang="ko-KR" altLang="en-US" sz="1600" dirty="0" smtClean="0"/>
+              <a:t> 정보를 사용해서 예상되는 비용을 산정한다</a:t>
+            </a:r>
+            <a:r>
+              <a:rPr lang="en-US" altLang="ko-KR" sz="1600" dirty="0" smtClean="0"/>
+              <a:t>.</a:t>
+            </a:r>
+          </a:p>
+          <a:p>
+            <a:pPr marL="285750" indent="-285750">
+              <a:lnSpc>
+                <a:spcPct val="150000"/>
+              </a:lnSpc>
+              <a:buFontTx/>
+              <a:buChar char="-"/>
+            </a:pPr>
+            <a:r>
+              <a:rPr lang="ko-KR" altLang="en-US" sz="1600" dirty="0" err="1" smtClean="0"/>
+              <a:t>옵티마이저는</a:t>
+            </a:r>
+            <a:r>
+              <a:rPr lang="ko-KR" altLang="en-US" sz="1600" dirty="0" smtClean="0"/>
+              <a:t> 여러 개의 실행 계획 중에서 </a:t>
+            </a:r>
+            <a:r>
+              <a:rPr lang="ko-KR" altLang="en-US" sz="1600" dirty="0" err="1" smtClean="0"/>
+              <a:t>최저비용을</a:t>
+            </a:r>
+            <a:r>
+              <a:rPr lang="ko-KR" altLang="en-US" sz="1600" dirty="0" smtClean="0"/>
+              <a:t> 가지고 있는 계획을 선택해서 </a:t>
+            </a:r>
+            <a:r>
+              <a:rPr lang="en-US" altLang="ko-KR" sz="1600" dirty="0" smtClean="0"/>
+              <a:t>SQL</a:t>
+            </a:r>
+            <a:r>
+              <a:rPr lang="ko-KR" altLang="en-US" sz="1600" dirty="0" smtClean="0"/>
+              <a:t>을 실행한다</a:t>
+            </a:r>
+            <a:r>
+              <a:rPr lang="en-US" altLang="ko-KR" sz="1600" dirty="0" smtClean="0"/>
+              <a:t>.</a:t>
+            </a:r>
+            <a:endParaRPr lang="ko-KR" altLang="en-US" sz="1600" dirty="0"/>
+          </a:p>
+        </p:txBody>
+      </p:sp>
+    </p:spTree>
+    <p:extLst>
+      <p:ext uri="{BB962C8B-B14F-4D97-AF65-F5344CB8AC3E}">
+        <p14:creationId xmlns:p14="http://schemas.microsoft.com/office/powerpoint/2010/main" val="2415260329"/>
+      </p:ext>
+    </p:extLst>
+  </p:cSld>
+  <p:clrMapOvr>
+    <a:masterClrMapping/>
+  </p:clrMapOvr>
+  <p:timing>
+    <p:tnLst>
+      <p:par>
+        <p:cTn id="1" dur="indefinite" restart="never" nodeType="tmRoot"/>
+      </p:par>
+    </p:tnLst>
+  </p:timing>
+</p:sld>
+</file>
+
+<file path=ppt/slides/slide36.xml><?xml version="1.0" encoding="utf-8"?>
+<p:sld xmlns:a="http://schemas.openxmlformats.org/drawingml/2006/main" xmlns:r="http://schemas.openxmlformats.org/officeDocument/2006/relationships" xmlns:p="http://schemas.openxmlformats.org/presentationml/2006/main">
+  <p:cSld>
+    <p:spTree>
+      <p:nvGrpSpPr>
+        <p:cNvPr id="1" name=""/>
+        <p:cNvGrpSpPr/>
+        <p:nvPr/>
+      </p:nvGrpSpPr>
+      <p:grpSpPr>
+        <a:xfrm>
+          <a:off x="0" y="0"/>
+          <a:ext cx="0" cy="0"/>
+          <a:chOff x="0" y="0"/>
+          <a:chExt cx="0" cy="0"/>
+        </a:xfrm>
+      </p:grpSpPr>
+      <p:sp>
+        <p:nvSpPr>
+          <p:cNvPr id="4" name="슬라이드 번호 개체 틀 3"/>
+          <p:cNvSpPr>
+            <a:spLocks noGrp="1"/>
+          </p:cNvSpPr>
+          <p:nvPr>
+            <p:ph type="sldNum" sz="quarter" idx="12"/>
+          </p:nvPr>
+        </p:nvSpPr>
+        <p:spPr/>
+        <p:txBody>
+          <a:bodyPr/>
+          <a:lstStyle/>
+          <a:p>
+            <a:fld id="{1BDE3FE7-3AEA-4B05-AC5A-802D1816ACF0}" type="slidenum">
+              <a:rPr lang="ko-KR" altLang="en-US" smtClean="0"/>
+              <a:t>36</a:t>
+            </a:fld>
+            <a:endParaRPr lang="ko-KR" altLang="en-US"/>
+          </a:p>
+        </p:txBody>
+      </p:sp>
+      <p:sp>
+        <p:nvSpPr>
+          <p:cNvPr id="3" name="TextBox 2"/>
+          <p:cNvSpPr txBox="1"/>
+          <p:nvPr/>
+        </p:nvSpPr>
+        <p:spPr>
+          <a:xfrm>
+            <a:off x="827584" y="1156682"/>
+            <a:ext cx="6120680" cy="400110"/>
+          </a:xfrm>
+          <a:prstGeom prst="rect">
+            <a:avLst/>
+          </a:prstGeom>
+          <a:noFill/>
+        </p:spPr>
+        <p:txBody>
+          <a:bodyPr wrap="square" rtlCol="0">
+            <a:spAutoFit/>
+          </a:bodyPr>
+          <a:lstStyle/>
+          <a:p>
+            <a:r>
+              <a:rPr lang="ko-KR" altLang="en-US" sz="2000" b="1" dirty="0" err="1" smtClean="0"/>
+              <a:t>옵티마이저</a:t>
+            </a:r>
+            <a:r>
+              <a:rPr lang="en-US" altLang="ko-KR" sz="2000" b="1" dirty="0" smtClean="0"/>
+              <a:t>(Optimizer)</a:t>
+            </a:r>
+            <a:r>
+              <a:rPr lang="ko-KR" altLang="en-US" sz="2000" b="1" dirty="0" smtClean="0"/>
+              <a:t>와</a:t>
+            </a:r>
+            <a:r>
+              <a:rPr lang="en-US" altLang="ko-KR" sz="2000" b="1" dirty="0" smtClean="0"/>
+              <a:t> </a:t>
+            </a:r>
+            <a:r>
+              <a:rPr lang="ko-KR" altLang="en-US" sz="2000" b="1" dirty="0" smtClean="0"/>
+              <a:t>실행 계획</a:t>
+            </a:r>
+            <a:endParaRPr lang="ko-KR" altLang="en-US" sz="2000" b="1" dirty="0"/>
+          </a:p>
+        </p:txBody>
+      </p:sp>
+      <p:sp>
+        <p:nvSpPr>
+          <p:cNvPr id="10" name="제목 1"/>
+          <p:cNvSpPr>
+            <a:spLocks noGrp="1"/>
+          </p:cNvSpPr>
+          <p:nvPr>
+            <p:ph type="title"/>
+          </p:nvPr>
+        </p:nvSpPr>
+        <p:spPr>
+          <a:xfrm>
+            <a:off x="1" y="-18256"/>
+            <a:ext cx="5724128" cy="854968"/>
+          </a:xfrm>
+        </p:spPr>
+        <p:txBody>
+          <a:bodyPr>
+            <a:normAutofit/>
+          </a:bodyPr>
+          <a:lstStyle/>
+          <a:p>
+            <a:r>
+              <a:rPr lang="en-US" altLang="ko-KR" sz="2800" dirty="0" smtClean="0"/>
+              <a:t>  SQL </a:t>
+            </a:r>
+            <a:r>
+              <a:rPr lang="ko-KR" altLang="en-US" sz="2800" dirty="0" smtClean="0"/>
+              <a:t>최적화</a:t>
+            </a:r>
+            <a:endParaRPr lang="ko-KR" altLang="en-US" sz="2800" b="1" dirty="0"/>
+          </a:p>
+        </p:txBody>
+      </p:sp>
+      <p:sp>
+        <p:nvSpPr>
+          <p:cNvPr id="11" name="TextBox 10"/>
+          <p:cNvSpPr txBox="1"/>
+          <p:nvPr/>
+        </p:nvSpPr>
+        <p:spPr>
+          <a:xfrm>
+            <a:off x="827584" y="1772816"/>
+            <a:ext cx="2448272" cy="369332"/>
+          </a:xfrm>
+          <a:prstGeom prst="rect">
+            <a:avLst/>
+          </a:prstGeom>
+          <a:noFill/>
+        </p:spPr>
+        <p:txBody>
+          <a:bodyPr wrap="square" rtlCol="0">
+            <a:spAutoFit/>
+          </a:bodyPr>
+          <a:lstStyle/>
+          <a:p>
+            <a:r>
+              <a:rPr lang="en-US" altLang="ko-KR" dirty="0" smtClean="0"/>
+              <a:t>Oracle </a:t>
+            </a:r>
+            <a:r>
+              <a:rPr lang="ko-KR" altLang="en-US" dirty="0" smtClean="0"/>
+              <a:t>명령어</a:t>
+            </a:r>
+            <a:endParaRPr lang="ko-KR" altLang="en-US" dirty="0"/>
+          </a:p>
+        </p:txBody>
+      </p:sp>
+      <p:sp>
+        <p:nvSpPr>
+          <p:cNvPr id="13" name="TextBox 12"/>
+          <p:cNvSpPr txBox="1"/>
+          <p:nvPr/>
+        </p:nvSpPr>
+        <p:spPr>
+          <a:xfrm>
+            <a:off x="1078092" y="2225516"/>
+            <a:ext cx="6552728" cy="369332"/>
+          </a:xfrm>
+          <a:prstGeom prst="rect">
+            <a:avLst/>
+          </a:prstGeom>
+          <a:noFill/>
+        </p:spPr>
+        <p:txBody>
+          <a:bodyPr wrap="square" rtlCol="0">
+            <a:spAutoFit/>
+          </a:bodyPr>
+          <a:lstStyle/>
+          <a:p>
+            <a:r>
+              <a:rPr lang="en-US" altLang="ko-KR" dirty="0"/>
+              <a:t>DESC PLAN_TABLE</a:t>
+            </a:r>
+            <a:r>
+              <a:rPr lang="en-US" altLang="ko-KR" dirty="0" smtClean="0"/>
+              <a:t>;</a:t>
+            </a:r>
+          </a:p>
+        </p:txBody>
+      </p:sp>
+      <p:pic>
+        <p:nvPicPr>
+          <p:cNvPr id="6" name="그림 5"/>
+          <p:cNvPicPr>
+            <a:picLocks noChangeAspect="1"/>
+          </p:cNvPicPr>
+          <p:nvPr/>
+        </p:nvPicPr>
+        <p:blipFill>
+          <a:blip r:embed="rId2">
+            <a:extLst>
+              <a:ext uri="{28A0092B-C50C-407E-A947-70E740481C1C}">
+                <a14:useLocalDpi xmlns:a14="http://schemas.microsoft.com/office/drawing/2010/main" val="0"/>
+              </a:ext>
+            </a:extLst>
+          </a:blip>
+          <a:stretch>
+            <a:fillRect/>
+          </a:stretch>
+        </p:blipFill>
+        <p:spPr>
+          <a:xfrm>
+            <a:off x="3737328" y="1876762"/>
+            <a:ext cx="3863675" cy="3947502"/>
+          </a:xfrm>
+          <a:prstGeom prst="rect">
+            <a:avLst/>
+          </a:prstGeom>
+          <a:ln>
+            <a:solidFill>
+              <a:schemeClr val="bg1">
+                <a:lumMod val="85000"/>
+              </a:schemeClr>
+            </a:solidFill>
+          </a:ln>
+        </p:spPr>
+      </p:pic>
+    </p:spTree>
+    <p:extLst>
+      <p:ext uri="{BB962C8B-B14F-4D97-AF65-F5344CB8AC3E}">
+        <p14:creationId xmlns:p14="http://schemas.microsoft.com/office/powerpoint/2010/main" val="3406113432"/>
+      </p:ext>
+    </p:extLst>
+  </p:cSld>
+  <p:clrMapOvr>
+    <a:masterClrMapping/>
+  </p:clrMapOvr>
+  <p:timing>
+    <p:tnLst>
+      <p:par>
+        <p:cTn id="1" dur="indefinite" restart="never" nodeType="tmRoot"/>
+      </p:par>
+    </p:tnLst>
+  </p:timing>
+</p:sld>
+</file>
+
+<file path=ppt/slides/slide37.xml><?xml version="1.0" encoding="utf-8"?>
+<p:sld xmlns:a="http://schemas.openxmlformats.org/drawingml/2006/main" xmlns:r="http://schemas.openxmlformats.org/officeDocument/2006/relationships" xmlns:p="http://schemas.openxmlformats.org/presentationml/2006/main">
+  <p:cSld>
+    <p:spTree>
+      <p:nvGrpSpPr>
+        <p:cNvPr id="1" name=""/>
+        <p:cNvGrpSpPr/>
+        <p:nvPr/>
+      </p:nvGrpSpPr>
+      <p:grpSpPr>
+        <a:xfrm>
+          <a:off x="0" y="0"/>
+          <a:ext cx="0" cy="0"/>
+          <a:chOff x="0" y="0"/>
+          <a:chExt cx="0" cy="0"/>
+        </a:xfrm>
+      </p:grpSpPr>
+      <p:sp>
+        <p:nvSpPr>
+          <p:cNvPr id="4" name="슬라이드 번호 개체 틀 3"/>
+          <p:cNvSpPr>
+            <a:spLocks noGrp="1"/>
+          </p:cNvSpPr>
+          <p:nvPr>
+            <p:ph type="sldNum" sz="quarter" idx="12"/>
+          </p:nvPr>
+        </p:nvSpPr>
+        <p:spPr/>
+        <p:txBody>
+          <a:bodyPr/>
+          <a:lstStyle/>
+          <a:p>
+            <a:fld id="{1BDE3FE7-3AEA-4B05-AC5A-802D1816ACF0}" type="slidenum">
+              <a:rPr lang="ko-KR" altLang="en-US" smtClean="0"/>
+              <a:t>37</a:t>
+            </a:fld>
+            <a:endParaRPr lang="ko-KR" altLang="en-US"/>
+          </a:p>
+        </p:txBody>
+      </p:sp>
+      <p:sp>
+        <p:nvSpPr>
+          <p:cNvPr id="10" name="제목 1"/>
+          <p:cNvSpPr>
+            <a:spLocks noGrp="1"/>
+          </p:cNvSpPr>
+          <p:nvPr>
+            <p:ph type="title"/>
+          </p:nvPr>
+        </p:nvSpPr>
+        <p:spPr>
+          <a:xfrm>
+            <a:off x="1" y="-18256"/>
+            <a:ext cx="5724128" cy="854968"/>
+          </a:xfrm>
+        </p:spPr>
+        <p:txBody>
+          <a:bodyPr>
+            <a:normAutofit/>
+          </a:bodyPr>
+          <a:lstStyle/>
+          <a:p>
+            <a:r>
+              <a:rPr lang="en-US" altLang="ko-KR" sz="2800" dirty="0" smtClean="0"/>
+              <a:t>  </a:t>
+            </a:r>
+            <a:r>
+              <a:rPr lang="en-US" altLang="ko-KR" sz="2800" dirty="0"/>
+              <a:t>SQL </a:t>
+            </a:r>
+            <a:r>
+              <a:rPr lang="ko-KR" altLang="en-US" sz="2800" dirty="0"/>
+              <a:t>최적화</a:t>
+            </a:r>
+            <a:endParaRPr lang="ko-KR" altLang="en-US" sz="2800" b="1" dirty="0"/>
+          </a:p>
+        </p:txBody>
+      </p:sp>
+      <p:pic>
+        <p:nvPicPr>
+          <p:cNvPr id="5" name="그림 4"/>
+          <p:cNvPicPr>
+            <a:picLocks noChangeAspect="1"/>
+          </p:cNvPicPr>
+          <p:nvPr/>
+        </p:nvPicPr>
+        <p:blipFill>
+          <a:blip r:embed="rId2">
+            <a:extLst>
+              <a:ext uri="{28A0092B-C50C-407E-A947-70E740481C1C}">
+                <a14:useLocalDpi xmlns:a14="http://schemas.microsoft.com/office/drawing/2010/main" val="0"/>
+              </a:ext>
+            </a:extLst>
+          </a:blip>
+          <a:stretch>
+            <a:fillRect/>
+          </a:stretch>
+        </p:blipFill>
+        <p:spPr>
+          <a:xfrm>
+            <a:off x="395536" y="2276872"/>
+            <a:ext cx="8460432" cy="600114"/>
+          </a:xfrm>
+          <a:prstGeom prst="rect">
+            <a:avLst/>
+          </a:prstGeom>
+          <a:ln>
+            <a:solidFill>
+              <a:schemeClr val="bg1">
+                <a:lumMod val="85000"/>
+              </a:schemeClr>
+            </a:solidFill>
+          </a:ln>
+        </p:spPr>
+      </p:pic>
+      <p:sp>
+        <p:nvSpPr>
+          <p:cNvPr id="8" name="TextBox 7"/>
+          <p:cNvSpPr txBox="1"/>
+          <p:nvPr/>
+        </p:nvSpPr>
+        <p:spPr>
+          <a:xfrm>
+            <a:off x="467544" y="1445452"/>
+            <a:ext cx="5040560" cy="369332"/>
+          </a:xfrm>
+          <a:prstGeom prst="rect">
+            <a:avLst/>
+          </a:prstGeom>
+          <a:noFill/>
+        </p:spPr>
+        <p:txBody>
+          <a:bodyPr wrap="square" rtlCol="0">
+            <a:spAutoFit/>
+          </a:bodyPr>
+          <a:lstStyle/>
+          <a:p>
+            <a:r>
+              <a:rPr lang="en-US" altLang="ko-KR" dirty="0" smtClean="0"/>
+              <a:t>SELECT * FROM employee;</a:t>
+            </a:r>
+            <a:endParaRPr lang="ko-KR" altLang="en-US" dirty="0"/>
+          </a:p>
+        </p:txBody>
+      </p:sp>
+    </p:spTree>
+    <p:extLst>
+      <p:ext uri="{BB962C8B-B14F-4D97-AF65-F5344CB8AC3E}">
+        <p14:creationId xmlns:p14="http://schemas.microsoft.com/office/powerpoint/2010/main" val="427714925"/>
+      </p:ext>
+    </p:extLst>
+  </p:cSld>
+  <p:clrMapOvr>
+    <a:masterClrMapping/>
+  </p:clrMapOvr>
+  <p:timing>
+    <p:tnLst>
+      <p:par>
+        <p:cTn id="1" dur="indefinite" restart="never" nodeType="tmRoot"/>
+      </p:par>
+    </p:tnLst>
+  </p:timing>
+</p:sld>
+</file>
+
+<file path=ppt/slides/slide38.xml><?xml version="1.0" encoding="utf-8"?>
+<p:sld xmlns:a="http://schemas.openxmlformats.org/drawingml/2006/main" xmlns:r="http://schemas.openxmlformats.org/officeDocument/2006/relationships" xmlns:p="http://schemas.openxmlformats.org/presentationml/2006/main">
+  <p:cSld>
+    <p:spTree>
+      <p:nvGrpSpPr>
+        <p:cNvPr id="1" name=""/>
+        <p:cNvGrpSpPr/>
+        <p:nvPr/>
+      </p:nvGrpSpPr>
+      <p:grpSpPr>
+        <a:xfrm>
+          <a:off x="0" y="0"/>
+          <a:ext cx="0" cy="0"/>
+          <a:chOff x="0" y="0"/>
+          <a:chExt cx="0" cy="0"/>
+        </a:xfrm>
+      </p:grpSpPr>
+      <p:sp>
+        <p:nvSpPr>
+          <p:cNvPr id="4" name="슬라이드 번호 개체 틀 3"/>
+          <p:cNvSpPr>
+            <a:spLocks noGrp="1"/>
+          </p:cNvSpPr>
+          <p:nvPr>
+            <p:ph type="sldNum" sz="quarter" idx="12"/>
+          </p:nvPr>
+        </p:nvSpPr>
+        <p:spPr/>
+        <p:txBody>
+          <a:bodyPr/>
+          <a:lstStyle/>
+          <a:p>
+            <a:fld id="{1BDE3FE7-3AEA-4B05-AC5A-802D1816ACF0}" type="slidenum">
+              <a:rPr lang="ko-KR" altLang="en-US" smtClean="0"/>
+              <a:t>38</a:t>
+            </a:fld>
+            <a:endParaRPr lang="ko-KR" altLang="en-US"/>
+          </a:p>
+        </p:txBody>
+      </p:sp>
+      <p:sp>
+        <p:nvSpPr>
+          <p:cNvPr id="10" name="제목 1"/>
+          <p:cNvSpPr>
+            <a:spLocks noGrp="1"/>
+          </p:cNvSpPr>
+          <p:nvPr>
+            <p:ph type="title"/>
+          </p:nvPr>
+        </p:nvSpPr>
+        <p:spPr>
+          <a:xfrm>
+            <a:off x="1" y="-18256"/>
+            <a:ext cx="5724128" cy="854968"/>
+          </a:xfrm>
+        </p:spPr>
+        <p:txBody>
+          <a:bodyPr>
+            <a:normAutofit/>
+          </a:bodyPr>
+          <a:lstStyle/>
+          <a:p>
+            <a:r>
+              <a:rPr lang="en-US" altLang="ko-KR" sz="2800" dirty="0" smtClean="0"/>
+              <a:t>  </a:t>
+            </a:r>
+            <a:r>
+              <a:rPr lang="en-US" altLang="ko-KR" sz="2800" dirty="0"/>
+              <a:t>SQL </a:t>
+            </a:r>
+            <a:r>
+              <a:rPr lang="ko-KR" altLang="en-US" sz="2800" dirty="0"/>
+              <a:t>최적화</a:t>
+            </a:r>
+            <a:endParaRPr lang="ko-KR" altLang="en-US" sz="2800" b="1" dirty="0"/>
+          </a:p>
+        </p:txBody>
+      </p:sp>
+      <p:pic>
+        <p:nvPicPr>
+          <p:cNvPr id="2" name="그림 1"/>
+          <p:cNvPicPr>
+            <a:picLocks noChangeAspect="1"/>
+          </p:cNvPicPr>
+          <p:nvPr/>
+        </p:nvPicPr>
+        <p:blipFill>
+          <a:blip r:embed="rId2">
+            <a:extLst>
+              <a:ext uri="{28A0092B-C50C-407E-A947-70E740481C1C}">
+                <a14:useLocalDpi xmlns:a14="http://schemas.microsoft.com/office/drawing/2010/main" val="0"/>
+              </a:ext>
+            </a:extLst>
+          </a:blip>
+          <a:stretch>
+            <a:fillRect/>
+          </a:stretch>
+        </p:blipFill>
+        <p:spPr>
+          <a:xfrm>
+            <a:off x="1115616" y="1484784"/>
+            <a:ext cx="5654530" cy="2225233"/>
+          </a:xfrm>
+          <a:prstGeom prst="rect">
+            <a:avLst/>
+          </a:prstGeom>
+          <a:ln>
+            <a:solidFill>
+              <a:schemeClr val="bg1">
+                <a:lumMod val="85000"/>
+              </a:schemeClr>
+            </a:solidFill>
+          </a:ln>
+        </p:spPr>
+      </p:pic>
+      <p:pic>
+        <p:nvPicPr>
+          <p:cNvPr id="7" name="그림 6"/>
+          <p:cNvPicPr>
+            <a:picLocks noChangeAspect="1"/>
+          </p:cNvPicPr>
+          <p:nvPr/>
+        </p:nvPicPr>
+        <p:blipFill>
+          <a:blip r:embed="rId3">
+            <a:extLst>
+              <a:ext uri="{28A0092B-C50C-407E-A947-70E740481C1C}">
+                <a14:useLocalDpi xmlns:a14="http://schemas.microsoft.com/office/drawing/2010/main" val="0"/>
+              </a:ext>
+            </a:extLst>
+          </a:blip>
+          <a:stretch>
+            <a:fillRect/>
+          </a:stretch>
+        </p:blipFill>
+        <p:spPr>
+          <a:xfrm>
+            <a:off x="6044760" y="3431863"/>
+            <a:ext cx="2156647" cy="556308"/>
+          </a:xfrm>
+          <a:prstGeom prst="rect">
+            <a:avLst/>
+          </a:prstGeom>
+          <a:ln>
+            <a:solidFill>
+              <a:schemeClr val="bg1">
+                <a:lumMod val="85000"/>
+              </a:schemeClr>
+            </a:solidFill>
+          </a:ln>
+        </p:spPr>
+      </p:pic>
+      <p:pic>
+        <p:nvPicPr>
+          <p:cNvPr id="3" name="그림 2"/>
+          <p:cNvPicPr>
+            <a:picLocks noChangeAspect="1"/>
+          </p:cNvPicPr>
+          <p:nvPr/>
+        </p:nvPicPr>
+        <p:blipFill>
+          <a:blip r:embed="rId4">
+            <a:extLst>
+              <a:ext uri="{28A0092B-C50C-407E-A947-70E740481C1C}">
+                <a14:useLocalDpi xmlns:a14="http://schemas.microsoft.com/office/drawing/2010/main" val="0"/>
+              </a:ext>
+            </a:extLst>
+          </a:blip>
+          <a:stretch>
+            <a:fillRect/>
+          </a:stretch>
+        </p:blipFill>
+        <p:spPr>
+          <a:xfrm>
+            <a:off x="323527" y="4221088"/>
+            <a:ext cx="8589359" cy="1512168"/>
+          </a:xfrm>
+          <a:prstGeom prst="rect">
+            <a:avLst/>
+          </a:prstGeom>
+          <a:ln>
+            <a:solidFill>
+              <a:schemeClr val="bg1">
+                <a:lumMod val="85000"/>
+              </a:schemeClr>
+            </a:solidFill>
+          </a:ln>
+        </p:spPr>
+      </p:pic>
+    </p:spTree>
+    <p:extLst>
+      <p:ext uri="{BB962C8B-B14F-4D97-AF65-F5344CB8AC3E}">
+        <p14:creationId xmlns:p14="http://schemas.microsoft.com/office/powerpoint/2010/main" val="1783278290"/>
+      </p:ext>
+    </p:extLst>
+  </p:cSld>
+  <p:clrMapOvr>
+    <a:masterClrMapping/>
+  </p:clrMapOvr>
+  <p:timing>
+    <p:tnLst>
+      <p:par>
+        <p:cTn id="1" dur="indefinite" restart="never" nodeType="tmRoot"/>
+      </p:par>
+    </p:tnLst>
+  </p:timing>
+</p:sld>
+</file>
+
+<file path=ppt/slides/slide39.xml><?xml version="1.0" encoding="utf-8"?>
+<p:sld xmlns:a="http://schemas.openxmlformats.org/drawingml/2006/main" xmlns:r="http://schemas.openxmlformats.org/officeDocument/2006/relationships" xmlns:p="http://schemas.openxmlformats.org/presentationml/2006/main">
+  <p:cSld>
+    <p:spTree>
+      <p:nvGrpSpPr>
+        <p:cNvPr id="1" name=""/>
+        <p:cNvGrpSpPr/>
+        <p:nvPr/>
+      </p:nvGrpSpPr>
+      <p:grpSpPr>
+        <a:xfrm>
+          <a:off x="0" y="0"/>
+          <a:ext cx="0" cy="0"/>
+          <a:chOff x="0" y="0"/>
+          <a:chExt cx="0" cy="0"/>
+        </a:xfrm>
+      </p:grpSpPr>
+      <p:sp>
+        <p:nvSpPr>
+          <p:cNvPr id="4" name="슬라이드 번호 개체 틀 3"/>
+          <p:cNvSpPr>
+            <a:spLocks noGrp="1"/>
+          </p:cNvSpPr>
+          <p:nvPr>
+            <p:ph type="sldNum" sz="quarter" idx="12"/>
+          </p:nvPr>
+        </p:nvSpPr>
+        <p:spPr/>
+        <p:txBody>
+          <a:bodyPr/>
+          <a:lstStyle/>
+          <a:p>
+            <a:fld id="{1BDE3FE7-3AEA-4B05-AC5A-802D1816ACF0}" type="slidenum">
+              <a:rPr lang="ko-KR" altLang="en-US" smtClean="0"/>
+              <a:t>39</a:t>
+            </a:fld>
+            <a:endParaRPr lang="ko-KR" altLang="en-US"/>
+          </a:p>
+        </p:txBody>
+      </p:sp>
+      <p:sp>
+        <p:nvSpPr>
+          <p:cNvPr id="10" name="제목 1"/>
+          <p:cNvSpPr>
+            <a:spLocks noGrp="1"/>
+          </p:cNvSpPr>
+          <p:nvPr>
+            <p:ph type="title"/>
+          </p:nvPr>
+        </p:nvSpPr>
+        <p:spPr>
+          <a:xfrm>
+            <a:off x="1" y="-18256"/>
+            <a:ext cx="5724128" cy="854968"/>
+          </a:xfrm>
+        </p:spPr>
+        <p:txBody>
+          <a:bodyPr>
+            <a:normAutofit/>
+          </a:bodyPr>
+          <a:lstStyle/>
+          <a:p>
+            <a:r>
+              <a:rPr lang="en-US" altLang="ko-KR" sz="2800" dirty="0" smtClean="0"/>
+              <a:t>  </a:t>
+            </a:r>
+            <a:r>
+              <a:rPr lang="en-US" altLang="ko-KR" sz="2800" dirty="0"/>
+              <a:t>SQL </a:t>
+            </a:r>
+            <a:r>
+              <a:rPr lang="ko-KR" altLang="en-US" sz="2800" dirty="0"/>
+              <a:t>최적화</a:t>
+            </a:r>
+            <a:endParaRPr lang="ko-KR" altLang="en-US" sz="2800" b="1" dirty="0"/>
+          </a:p>
+        </p:txBody>
+      </p:sp>
+      <p:pic>
+        <p:nvPicPr>
+          <p:cNvPr id="6" name="그림 5"/>
+          <p:cNvPicPr>
+            <a:picLocks noChangeAspect="1"/>
+          </p:cNvPicPr>
+          <p:nvPr/>
+        </p:nvPicPr>
+        <p:blipFill>
+          <a:blip r:embed="rId2">
+            <a:extLst>
+              <a:ext uri="{28A0092B-C50C-407E-A947-70E740481C1C}">
+                <a14:useLocalDpi xmlns:a14="http://schemas.microsoft.com/office/drawing/2010/main" val="0"/>
+              </a:ext>
+            </a:extLst>
+          </a:blip>
+          <a:stretch>
+            <a:fillRect/>
+          </a:stretch>
+        </p:blipFill>
+        <p:spPr>
+          <a:xfrm>
+            <a:off x="755576" y="2276872"/>
+            <a:ext cx="7524328" cy="2428102"/>
+          </a:xfrm>
+          <a:prstGeom prst="rect">
+            <a:avLst/>
+          </a:prstGeom>
+          <a:ln>
+            <a:solidFill>
+              <a:schemeClr val="bg1">
+                <a:lumMod val="85000"/>
+              </a:schemeClr>
+            </a:solidFill>
+          </a:ln>
+        </p:spPr>
+      </p:pic>
+      <p:pic>
+        <p:nvPicPr>
+          <p:cNvPr id="7" name="그림 6"/>
+          <p:cNvPicPr>
+            <a:picLocks noChangeAspect="1"/>
+          </p:cNvPicPr>
+          <p:nvPr/>
+        </p:nvPicPr>
+        <p:blipFill>
+          <a:blip r:embed="rId3">
+            <a:extLst>
+              <a:ext uri="{28A0092B-C50C-407E-A947-70E740481C1C}">
+                <a14:useLocalDpi xmlns:a14="http://schemas.microsoft.com/office/drawing/2010/main" val="0"/>
+              </a:ext>
+            </a:extLst>
+          </a:blip>
+          <a:stretch>
+            <a:fillRect/>
+          </a:stretch>
+        </p:blipFill>
+        <p:spPr>
+          <a:xfrm>
+            <a:off x="683568" y="1538163"/>
+            <a:ext cx="6923519" cy="429144"/>
+          </a:xfrm>
+          <a:prstGeom prst="rect">
+            <a:avLst/>
+          </a:prstGeom>
+          <a:ln>
+            <a:solidFill>
+              <a:schemeClr val="bg1">
+                <a:lumMod val="85000"/>
+              </a:schemeClr>
+            </a:solidFill>
+          </a:ln>
+        </p:spPr>
+      </p:pic>
+    </p:spTree>
+    <p:extLst>
+      <p:ext uri="{BB962C8B-B14F-4D97-AF65-F5344CB8AC3E}">
+        <p14:creationId xmlns:p14="http://schemas.microsoft.com/office/powerpoint/2010/main" val="2974346774"/>
+      </p:ext>
+    </p:extLst>
+  </p:cSld>
+  <p:clrMapOvr>
+    <a:masterClrMapping/>
+  </p:clrMapOvr>
+  <p:timing>
+    <p:tnLst>
+      <p:par>
+        <p:cTn id="1" dur="indefinite" restart="never" nodeType="tmRoot"/>
+      </p:par>
+    </p:tnLst>
+  </p:timing>
+</p:sld>
+</file>
+
 <file path=ppt/slides/slide4.xml><?xml version="1.0" encoding="utf-8"?>
 <p:sld xmlns:a="http://schemas.openxmlformats.org/drawingml/2006/main" xmlns:r="http://schemas.openxmlformats.org/officeDocument/2006/relationships" xmlns:p="http://schemas.openxmlformats.org/presentationml/2006/main">
   <p:cSld>
@@ -16791,6 +17903,1242 @@
     <p:extLst>
       <p:ext uri="{BB962C8B-B14F-4D97-AF65-F5344CB8AC3E}">
         <p14:creationId xmlns:p14="http://schemas.microsoft.com/office/powerpoint/2010/main" val="1033243554"/>
+      </p:ext>
+    </p:extLst>
+  </p:cSld>
+  <p:clrMapOvr>
+    <a:masterClrMapping/>
+  </p:clrMapOvr>
+  <p:timing>
+    <p:tnLst>
+      <p:par>
+        <p:cTn id="1" dur="indefinite" restart="never" nodeType="tmRoot"/>
+      </p:par>
+    </p:tnLst>
+  </p:timing>
+</p:sld>
+</file>
+
+<file path=ppt/slides/slide40.xml><?xml version="1.0" encoding="utf-8"?>
+<p:sld xmlns:a="http://schemas.openxmlformats.org/drawingml/2006/main" xmlns:r="http://schemas.openxmlformats.org/officeDocument/2006/relationships" xmlns:p="http://schemas.openxmlformats.org/presentationml/2006/main">
+  <p:cSld>
+    <p:spTree>
+      <p:nvGrpSpPr>
+        <p:cNvPr id="1" name=""/>
+        <p:cNvGrpSpPr/>
+        <p:nvPr/>
+      </p:nvGrpSpPr>
+      <p:grpSpPr>
+        <a:xfrm>
+          <a:off x="0" y="0"/>
+          <a:ext cx="0" cy="0"/>
+          <a:chOff x="0" y="0"/>
+          <a:chExt cx="0" cy="0"/>
+        </a:xfrm>
+      </p:grpSpPr>
+      <p:sp>
+        <p:nvSpPr>
+          <p:cNvPr id="4" name="슬라이드 번호 개체 틀 3"/>
+          <p:cNvSpPr>
+            <a:spLocks noGrp="1"/>
+          </p:cNvSpPr>
+          <p:nvPr>
+            <p:ph type="sldNum" sz="quarter" idx="12"/>
+          </p:nvPr>
+        </p:nvSpPr>
+        <p:spPr/>
+        <p:txBody>
+          <a:bodyPr/>
+          <a:lstStyle/>
+          <a:p>
+            <a:fld id="{1BDE3FE7-3AEA-4B05-AC5A-802D1816ACF0}" type="slidenum">
+              <a:rPr lang="ko-KR" altLang="en-US" smtClean="0"/>
+              <a:t>40</a:t>
+            </a:fld>
+            <a:endParaRPr lang="ko-KR" altLang="en-US"/>
+          </a:p>
+        </p:txBody>
+      </p:sp>
+      <p:sp>
+        <p:nvSpPr>
+          <p:cNvPr id="10" name="제목 1"/>
+          <p:cNvSpPr>
+            <a:spLocks noGrp="1"/>
+          </p:cNvSpPr>
+          <p:nvPr>
+            <p:ph type="title"/>
+          </p:nvPr>
+        </p:nvSpPr>
+        <p:spPr>
+          <a:xfrm>
+            <a:off x="1" y="-18256"/>
+            <a:ext cx="5724128" cy="854968"/>
+          </a:xfrm>
+        </p:spPr>
+        <p:txBody>
+          <a:bodyPr>
+            <a:normAutofit/>
+          </a:bodyPr>
+          <a:lstStyle/>
+          <a:p>
+            <a:r>
+              <a:rPr lang="en-US" altLang="ko-KR" sz="2800" dirty="0" smtClean="0"/>
+              <a:t>  </a:t>
+            </a:r>
+            <a:r>
+              <a:rPr lang="en-US" altLang="ko-KR" sz="2800" dirty="0"/>
+              <a:t>SQL </a:t>
+            </a:r>
+            <a:r>
+              <a:rPr lang="ko-KR" altLang="en-US" sz="2800" dirty="0"/>
+              <a:t>최적화</a:t>
+            </a:r>
+            <a:endParaRPr lang="ko-KR" altLang="en-US" sz="2800" b="1" dirty="0"/>
+          </a:p>
+        </p:txBody>
+      </p:sp>
+      <p:pic>
+        <p:nvPicPr>
+          <p:cNvPr id="3" name="그림 2"/>
+          <p:cNvPicPr>
+            <a:picLocks noChangeAspect="1"/>
+          </p:cNvPicPr>
+          <p:nvPr/>
+        </p:nvPicPr>
+        <p:blipFill>
+          <a:blip r:embed="rId2">
+            <a:extLst>
+              <a:ext uri="{28A0092B-C50C-407E-A947-70E740481C1C}">
+                <a14:useLocalDpi xmlns:a14="http://schemas.microsoft.com/office/drawing/2010/main" val="0"/>
+              </a:ext>
+            </a:extLst>
+          </a:blip>
+          <a:stretch>
+            <a:fillRect/>
+          </a:stretch>
+        </p:blipFill>
+        <p:spPr>
+          <a:xfrm>
+            <a:off x="1115616" y="1556792"/>
+            <a:ext cx="6424217" cy="2552921"/>
+          </a:xfrm>
+          <a:prstGeom prst="rect">
+            <a:avLst/>
+          </a:prstGeom>
+          <a:ln>
+            <a:solidFill>
+              <a:schemeClr val="bg1">
+                <a:lumMod val="85000"/>
+              </a:schemeClr>
+            </a:solidFill>
+          </a:ln>
+        </p:spPr>
+      </p:pic>
+      <p:pic>
+        <p:nvPicPr>
+          <p:cNvPr id="7" name="그림 6"/>
+          <p:cNvPicPr>
+            <a:picLocks noChangeAspect="1"/>
+          </p:cNvPicPr>
+          <p:nvPr/>
+        </p:nvPicPr>
+        <p:blipFill>
+          <a:blip r:embed="rId3">
+            <a:extLst>
+              <a:ext uri="{28A0092B-C50C-407E-A947-70E740481C1C}">
+                <a14:useLocalDpi xmlns:a14="http://schemas.microsoft.com/office/drawing/2010/main" val="0"/>
+              </a:ext>
+            </a:extLst>
+          </a:blip>
+          <a:stretch>
+            <a:fillRect/>
+          </a:stretch>
+        </p:blipFill>
+        <p:spPr>
+          <a:xfrm>
+            <a:off x="5386838" y="4551639"/>
+            <a:ext cx="2156647" cy="556308"/>
+          </a:xfrm>
+          <a:prstGeom prst="rect">
+            <a:avLst/>
+          </a:prstGeom>
+          <a:ln>
+            <a:solidFill>
+              <a:schemeClr val="bg1">
+                <a:lumMod val="85000"/>
+              </a:schemeClr>
+            </a:solidFill>
+          </a:ln>
+        </p:spPr>
+      </p:pic>
+    </p:spTree>
+    <p:extLst>
+      <p:ext uri="{BB962C8B-B14F-4D97-AF65-F5344CB8AC3E}">
+        <p14:creationId xmlns:p14="http://schemas.microsoft.com/office/powerpoint/2010/main" val="2158971063"/>
+      </p:ext>
+    </p:extLst>
+  </p:cSld>
+  <p:clrMapOvr>
+    <a:masterClrMapping/>
+  </p:clrMapOvr>
+  <p:timing>
+    <p:tnLst>
+      <p:par>
+        <p:cTn id="1" dur="indefinite" restart="never" nodeType="tmRoot"/>
+      </p:par>
+    </p:tnLst>
+  </p:timing>
+</p:sld>
+</file>
+
+<file path=ppt/slides/slide41.xml><?xml version="1.0" encoding="utf-8"?>
+<p:sld xmlns:a="http://schemas.openxmlformats.org/drawingml/2006/main" xmlns:r="http://schemas.openxmlformats.org/officeDocument/2006/relationships" xmlns:p="http://schemas.openxmlformats.org/presentationml/2006/main">
+  <p:cSld>
+    <p:spTree>
+      <p:nvGrpSpPr>
+        <p:cNvPr id="1" name=""/>
+        <p:cNvGrpSpPr/>
+        <p:nvPr/>
+      </p:nvGrpSpPr>
+      <p:grpSpPr>
+        <a:xfrm>
+          <a:off x="0" y="0"/>
+          <a:ext cx="0" cy="0"/>
+          <a:chOff x="0" y="0"/>
+          <a:chExt cx="0" cy="0"/>
+        </a:xfrm>
+      </p:grpSpPr>
+      <p:sp>
+        <p:nvSpPr>
+          <p:cNvPr id="4" name="슬라이드 번호 개체 틀 3"/>
+          <p:cNvSpPr>
+            <a:spLocks noGrp="1"/>
+          </p:cNvSpPr>
+          <p:nvPr>
+            <p:ph type="sldNum" sz="quarter" idx="12"/>
+          </p:nvPr>
+        </p:nvSpPr>
+        <p:spPr/>
+        <p:txBody>
+          <a:bodyPr/>
+          <a:lstStyle/>
+          <a:p>
+            <a:fld id="{1BDE3FE7-3AEA-4B05-AC5A-802D1816ACF0}" type="slidenum">
+              <a:rPr lang="ko-KR" altLang="en-US" smtClean="0"/>
+              <a:t>41</a:t>
+            </a:fld>
+            <a:endParaRPr lang="ko-KR" altLang="en-US"/>
+          </a:p>
+        </p:txBody>
+      </p:sp>
+      <p:sp>
+        <p:nvSpPr>
+          <p:cNvPr id="10" name="제목 1"/>
+          <p:cNvSpPr>
+            <a:spLocks noGrp="1"/>
+          </p:cNvSpPr>
+          <p:nvPr>
+            <p:ph type="title"/>
+          </p:nvPr>
+        </p:nvSpPr>
+        <p:spPr>
+          <a:xfrm>
+            <a:off x="1" y="-18256"/>
+            <a:ext cx="5724128" cy="854968"/>
+          </a:xfrm>
+        </p:spPr>
+        <p:txBody>
+          <a:bodyPr>
+            <a:normAutofit/>
+          </a:bodyPr>
+          <a:lstStyle/>
+          <a:p>
+            <a:r>
+              <a:rPr lang="en-US" altLang="ko-KR" sz="2800" dirty="0" smtClean="0"/>
+              <a:t>  </a:t>
+            </a:r>
+            <a:r>
+              <a:rPr lang="en-US" altLang="ko-KR" sz="2800" dirty="0"/>
+              <a:t>SQL </a:t>
+            </a:r>
+            <a:r>
+              <a:rPr lang="ko-KR" altLang="en-US" sz="2800" dirty="0"/>
+              <a:t>최적화</a:t>
+            </a:r>
+            <a:endParaRPr lang="ko-KR" altLang="en-US" sz="2800" b="1" dirty="0"/>
+          </a:p>
+        </p:txBody>
+      </p:sp>
+      <p:pic>
+        <p:nvPicPr>
+          <p:cNvPr id="6" name="그림 5"/>
+          <p:cNvPicPr>
+            <a:picLocks noChangeAspect="1"/>
+          </p:cNvPicPr>
+          <p:nvPr/>
+        </p:nvPicPr>
+        <p:blipFill>
+          <a:blip r:embed="rId2">
+            <a:extLst>
+              <a:ext uri="{28A0092B-C50C-407E-A947-70E740481C1C}">
+                <a14:useLocalDpi xmlns:a14="http://schemas.microsoft.com/office/drawing/2010/main" val="0"/>
+              </a:ext>
+            </a:extLst>
+          </a:blip>
+          <a:stretch>
+            <a:fillRect/>
+          </a:stretch>
+        </p:blipFill>
+        <p:spPr>
+          <a:xfrm>
+            <a:off x="611560" y="1556792"/>
+            <a:ext cx="8205378" cy="1656184"/>
+          </a:xfrm>
+          <a:prstGeom prst="rect">
+            <a:avLst/>
+          </a:prstGeom>
+          <a:ln>
+            <a:solidFill>
+              <a:schemeClr val="bg1">
+                <a:lumMod val="85000"/>
+              </a:schemeClr>
+            </a:solidFill>
+          </a:ln>
+        </p:spPr>
+      </p:pic>
+      <p:pic>
+        <p:nvPicPr>
+          <p:cNvPr id="5" name="그림 4"/>
+          <p:cNvPicPr>
+            <a:picLocks noChangeAspect="1"/>
+          </p:cNvPicPr>
+          <p:nvPr/>
+        </p:nvPicPr>
+        <p:blipFill>
+          <a:blip r:embed="rId3">
+            <a:extLst>
+              <a:ext uri="{28A0092B-C50C-407E-A947-70E740481C1C}">
+                <a14:useLocalDpi xmlns:a14="http://schemas.microsoft.com/office/drawing/2010/main" val="0"/>
+              </a:ext>
+            </a:extLst>
+          </a:blip>
+          <a:stretch>
+            <a:fillRect/>
+          </a:stretch>
+        </p:blipFill>
+        <p:spPr>
+          <a:xfrm>
+            <a:off x="1403648" y="3717032"/>
+            <a:ext cx="6221487" cy="1583147"/>
+          </a:xfrm>
+          <a:prstGeom prst="rect">
+            <a:avLst/>
+          </a:prstGeom>
+          <a:ln>
+            <a:solidFill>
+              <a:schemeClr val="bg1">
+                <a:lumMod val="85000"/>
+              </a:schemeClr>
+            </a:solidFill>
+          </a:ln>
+        </p:spPr>
+      </p:pic>
+    </p:spTree>
+    <p:extLst>
+      <p:ext uri="{BB962C8B-B14F-4D97-AF65-F5344CB8AC3E}">
+        <p14:creationId xmlns:p14="http://schemas.microsoft.com/office/powerpoint/2010/main" val="2816952039"/>
+      </p:ext>
+    </p:extLst>
+  </p:cSld>
+  <p:clrMapOvr>
+    <a:masterClrMapping/>
+  </p:clrMapOvr>
+  <p:timing>
+    <p:tnLst>
+      <p:par>
+        <p:cTn id="1" dur="indefinite" restart="never" nodeType="tmRoot"/>
+      </p:par>
+    </p:tnLst>
+  </p:timing>
+</p:sld>
+</file>
+
+<file path=ppt/slides/slide42.xml><?xml version="1.0" encoding="utf-8"?>
+<p:sld xmlns:a="http://schemas.openxmlformats.org/drawingml/2006/main" xmlns:r="http://schemas.openxmlformats.org/officeDocument/2006/relationships" xmlns:p="http://schemas.openxmlformats.org/presentationml/2006/main">
+  <p:cSld>
+    <p:spTree>
+      <p:nvGrpSpPr>
+        <p:cNvPr id="1" name=""/>
+        <p:cNvGrpSpPr/>
+        <p:nvPr/>
+      </p:nvGrpSpPr>
+      <p:grpSpPr>
+        <a:xfrm>
+          <a:off x="0" y="0"/>
+          <a:ext cx="0" cy="0"/>
+          <a:chOff x="0" y="0"/>
+          <a:chExt cx="0" cy="0"/>
+        </a:xfrm>
+      </p:grpSpPr>
+      <p:sp>
+        <p:nvSpPr>
+          <p:cNvPr id="4" name="슬라이드 번호 개체 틀 3"/>
+          <p:cNvSpPr>
+            <a:spLocks noGrp="1"/>
+          </p:cNvSpPr>
+          <p:nvPr>
+            <p:ph type="sldNum" sz="quarter" idx="12"/>
+          </p:nvPr>
+        </p:nvSpPr>
+        <p:spPr/>
+        <p:txBody>
+          <a:bodyPr/>
+          <a:lstStyle/>
+          <a:p>
+            <a:fld id="{1BDE3FE7-3AEA-4B05-AC5A-802D1816ACF0}" type="slidenum">
+              <a:rPr lang="ko-KR" altLang="en-US" smtClean="0"/>
+              <a:t>42</a:t>
+            </a:fld>
+            <a:endParaRPr lang="ko-KR" altLang="en-US"/>
+          </a:p>
+        </p:txBody>
+      </p:sp>
+      <p:sp>
+        <p:nvSpPr>
+          <p:cNvPr id="3" name="TextBox 2"/>
+          <p:cNvSpPr txBox="1"/>
+          <p:nvPr/>
+        </p:nvSpPr>
+        <p:spPr>
+          <a:xfrm>
+            <a:off x="827584" y="1156682"/>
+            <a:ext cx="6120680" cy="400110"/>
+          </a:xfrm>
+          <a:prstGeom prst="rect">
+            <a:avLst/>
+          </a:prstGeom>
+          <a:noFill/>
+        </p:spPr>
+        <p:txBody>
+          <a:bodyPr wrap="square" rtlCol="0">
+            <a:spAutoFit/>
+          </a:bodyPr>
+          <a:lstStyle/>
+          <a:p>
+            <a:r>
+              <a:rPr lang="ko-KR" altLang="en-US" sz="2000" b="1" dirty="0" smtClean="0"/>
+              <a:t>인덱스</a:t>
+            </a:r>
+            <a:r>
+              <a:rPr lang="en-US" altLang="ko-KR" sz="2000" b="1" dirty="0" smtClean="0"/>
+              <a:t>(INDEX)</a:t>
+            </a:r>
+            <a:endParaRPr lang="ko-KR" altLang="en-US" sz="2000" b="1" dirty="0"/>
+          </a:p>
+        </p:txBody>
+      </p:sp>
+      <p:sp>
+        <p:nvSpPr>
+          <p:cNvPr id="10" name="제목 1"/>
+          <p:cNvSpPr>
+            <a:spLocks noGrp="1"/>
+          </p:cNvSpPr>
+          <p:nvPr>
+            <p:ph type="title"/>
+          </p:nvPr>
+        </p:nvSpPr>
+        <p:spPr>
+          <a:xfrm>
+            <a:off x="1" y="-18256"/>
+            <a:ext cx="5724128" cy="854968"/>
+          </a:xfrm>
+        </p:spPr>
+        <p:txBody>
+          <a:bodyPr>
+            <a:normAutofit/>
+          </a:bodyPr>
+          <a:lstStyle/>
+          <a:p>
+            <a:r>
+              <a:rPr lang="en-US" altLang="ko-KR" sz="2800" dirty="0" smtClean="0"/>
+              <a:t>  SQL </a:t>
+            </a:r>
+            <a:r>
+              <a:rPr lang="ko-KR" altLang="en-US" sz="2800" dirty="0" smtClean="0"/>
+              <a:t>최적화</a:t>
+            </a:r>
+            <a:endParaRPr lang="ko-KR" altLang="en-US" sz="2800" b="1" dirty="0"/>
+          </a:p>
+        </p:txBody>
+      </p:sp>
+      <p:sp>
+        <p:nvSpPr>
+          <p:cNvPr id="5" name="TextBox 4"/>
+          <p:cNvSpPr txBox="1"/>
+          <p:nvPr/>
+        </p:nvSpPr>
+        <p:spPr>
+          <a:xfrm>
+            <a:off x="827583" y="1724779"/>
+            <a:ext cx="7448807" cy="2677656"/>
+          </a:xfrm>
+          <a:prstGeom prst="rect">
+            <a:avLst/>
+          </a:prstGeom>
+          <a:noFill/>
+        </p:spPr>
+        <p:txBody>
+          <a:bodyPr wrap="square" rtlCol="0">
+            <a:spAutoFit/>
+          </a:bodyPr>
+          <a:lstStyle/>
+          <a:p>
+            <a:pPr marL="285750" indent="-285750">
+              <a:lnSpc>
+                <a:spcPct val="150000"/>
+              </a:lnSpc>
+              <a:buFontTx/>
+              <a:buChar char="-"/>
+            </a:pPr>
+            <a:r>
+              <a:rPr lang="ko-KR" altLang="en-US" sz="1600" dirty="0" smtClean="0"/>
+              <a:t>인덱스는 데이터를 빠르게 검색할 수 있는 방법을 제공함</a:t>
+            </a:r>
+            <a:endParaRPr lang="en-US" altLang="ko-KR" sz="1600" dirty="0" smtClean="0"/>
+          </a:p>
+          <a:p>
+            <a:pPr marL="285750" indent="-285750">
+              <a:lnSpc>
+                <a:spcPct val="150000"/>
+              </a:lnSpc>
+              <a:buFontTx/>
+              <a:buChar char="-"/>
+            </a:pPr>
+            <a:r>
+              <a:rPr lang="ko-KR" altLang="en-US" sz="1600" dirty="0" smtClean="0"/>
+              <a:t>인덱스는  </a:t>
+            </a:r>
+            <a:r>
+              <a:rPr lang="ko-KR" altLang="en-US" sz="1600" b="1" dirty="0" smtClean="0">
+                <a:solidFill>
+                  <a:srgbClr val="C00000"/>
+                </a:solidFill>
+              </a:rPr>
+              <a:t>인덱스 키</a:t>
+            </a:r>
+            <a:r>
+              <a:rPr lang="en-US" altLang="ko-KR" sz="1600" b="1" dirty="0" smtClean="0">
+                <a:solidFill>
+                  <a:srgbClr val="C00000"/>
+                </a:solidFill>
+              </a:rPr>
+              <a:t>(</a:t>
+            </a:r>
+            <a:r>
+              <a:rPr lang="ko-KR" altLang="en-US" sz="1600" b="1" dirty="0" smtClean="0">
+                <a:solidFill>
+                  <a:srgbClr val="C00000"/>
+                </a:solidFill>
+              </a:rPr>
+              <a:t>예 </a:t>
+            </a:r>
+            <a:r>
+              <a:rPr lang="en-US" altLang="ko-KR" sz="1600" b="1" dirty="0" err="1" smtClean="0">
+                <a:solidFill>
+                  <a:srgbClr val="C00000"/>
+                </a:solidFill>
+              </a:rPr>
+              <a:t>bookid</a:t>
+            </a:r>
+            <a:r>
+              <a:rPr lang="en-US" altLang="ko-KR" sz="1600" b="1" dirty="0" smtClean="0">
+                <a:solidFill>
+                  <a:srgbClr val="C00000"/>
+                </a:solidFill>
+              </a:rPr>
+              <a:t>)</a:t>
+            </a:r>
+            <a:r>
+              <a:rPr lang="ko-KR" altLang="en-US" sz="1600" b="1" dirty="0" smtClean="0">
+                <a:solidFill>
+                  <a:srgbClr val="C00000"/>
+                </a:solidFill>
+              </a:rPr>
+              <a:t>로</a:t>
+            </a:r>
+            <a:r>
+              <a:rPr lang="en-US" altLang="ko-KR" sz="1600" b="1" dirty="0" smtClean="0">
+                <a:solidFill>
+                  <a:srgbClr val="C00000"/>
+                </a:solidFill>
+              </a:rPr>
+              <a:t> </a:t>
+            </a:r>
+            <a:r>
+              <a:rPr lang="ko-KR" altLang="en-US" sz="1600" b="1" dirty="0" smtClean="0">
+                <a:solidFill>
+                  <a:srgbClr val="C00000"/>
+                </a:solidFill>
+              </a:rPr>
+              <a:t>정렬</a:t>
+            </a:r>
+            <a:r>
+              <a:rPr lang="ko-KR" altLang="en-US" sz="1600" dirty="0" smtClean="0"/>
+              <a:t>되어 있기 때문에 원하는 데이터를 빠르게 조회한다</a:t>
+            </a:r>
+            <a:r>
+              <a:rPr lang="en-US" altLang="ko-KR" sz="1600" dirty="0" smtClean="0"/>
+              <a:t>.</a:t>
+            </a:r>
+          </a:p>
+          <a:p>
+            <a:pPr marL="285750" indent="-285750">
+              <a:lnSpc>
+                <a:spcPct val="150000"/>
+              </a:lnSpc>
+              <a:buFontTx/>
+              <a:buChar char="-"/>
+            </a:pPr>
+            <a:r>
+              <a:rPr lang="ko-KR" altLang="en-US" sz="1600" dirty="0" smtClean="0"/>
+              <a:t>인덱스는 오름차순 및 내림차순으로 탐색이 가능하다</a:t>
+            </a:r>
+            <a:endParaRPr lang="en-US" altLang="ko-KR" sz="1600" dirty="0" smtClean="0"/>
+          </a:p>
+          <a:p>
+            <a:pPr marL="285750" indent="-285750">
+              <a:lnSpc>
+                <a:spcPct val="150000"/>
+              </a:lnSpc>
+              <a:buFontTx/>
+              <a:buChar char="-"/>
+            </a:pPr>
+            <a:r>
+              <a:rPr lang="ko-KR" altLang="en-US" sz="1600" dirty="0" smtClean="0"/>
+              <a:t>하나의 테이블에 여러 개의 인덱스를 생성할 수 있고 하나의 인덱스는 여러 개의 칼럼으로 구성될 수 있다</a:t>
+            </a:r>
+            <a:r>
+              <a:rPr lang="en-US" altLang="ko-KR" sz="1600" dirty="0" smtClean="0"/>
+              <a:t>.</a:t>
+            </a:r>
+          </a:p>
+          <a:p>
+            <a:pPr marL="285750" indent="-285750">
+              <a:lnSpc>
+                <a:spcPct val="150000"/>
+              </a:lnSpc>
+              <a:buFontTx/>
+              <a:buChar char="-"/>
+            </a:pPr>
+            <a:r>
+              <a:rPr lang="ko-KR" altLang="en-US" sz="1600" b="1" dirty="0" smtClean="0">
+                <a:solidFill>
+                  <a:srgbClr val="C00000"/>
+                </a:solidFill>
+              </a:rPr>
+              <a:t>오라클은 힌트</a:t>
+            </a:r>
+            <a:r>
+              <a:rPr lang="ko-KR" altLang="en-US" sz="1600" dirty="0" smtClean="0"/>
+              <a:t>를 사용하면 확실하게 인덱스를 실행 </a:t>
+            </a:r>
+            <a:r>
+              <a:rPr lang="ko-KR" altLang="en-US" sz="1600" dirty="0" err="1" smtClean="0"/>
+              <a:t>시킬수</a:t>
+            </a:r>
+            <a:r>
+              <a:rPr lang="ko-KR" altLang="en-US" sz="1600" dirty="0" smtClean="0"/>
+              <a:t> 있다</a:t>
+            </a:r>
+            <a:r>
+              <a:rPr lang="en-US" altLang="ko-KR" sz="1600" dirty="0" smtClean="0"/>
+              <a:t>.</a:t>
+            </a:r>
+            <a:endParaRPr lang="ko-KR" altLang="en-US" sz="1600" dirty="0"/>
+          </a:p>
+        </p:txBody>
+      </p:sp>
+    </p:spTree>
+    <p:extLst>
+      <p:ext uri="{BB962C8B-B14F-4D97-AF65-F5344CB8AC3E}">
+        <p14:creationId xmlns:p14="http://schemas.microsoft.com/office/powerpoint/2010/main" val="2905673017"/>
+      </p:ext>
+    </p:extLst>
+  </p:cSld>
+  <p:clrMapOvr>
+    <a:masterClrMapping/>
+  </p:clrMapOvr>
+  <p:timing>
+    <p:tnLst>
+      <p:par>
+        <p:cTn id="1" dur="indefinite" restart="never" nodeType="tmRoot"/>
+      </p:par>
+    </p:tnLst>
+  </p:timing>
+</p:sld>
+</file>
+
+<file path=ppt/slides/slide43.xml><?xml version="1.0" encoding="utf-8"?>
+<p:sld xmlns:a="http://schemas.openxmlformats.org/drawingml/2006/main" xmlns:r="http://schemas.openxmlformats.org/officeDocument/2006/relationships" xmlns:p="http://schemas.openxmlformats.org/presentationml/2006/main">
+  <p:cSld>
+    <p:spTree>
+      <p:nvGrpSpPr>
+        <p:cNvPr id="1" name=""/>
+        <p:cNvGrpSpPr/>
+        <p:nvPr/>
+      </p:nvGrpSpPr>
+      <p:grpSpPr>
+        <a:xfrm>
+          <a:off x="0" y="0"/>
+          <a:ext cx="0" cy="0"/>
+          <a:chOff x="0" y="0"/>
+          <a:chExt cx="0" cy="0"/>
+        </a:xfrm>
+      </p:grpSpPr>
+      <p:sp>
+        <p:nvSpPr>
+          <p:cNvPr id="4" name="슬라이드 번호 개체 틀 3"/>
+          <p:cNvSpPr>
+            <a:spLocks noGrp="1"/>
+          </p:cNvSpPr>
+          <p:nvPr>
+            <p:ph type="sldNum" sz="quarter" idx="12"/>
+          </p:nvPr>
+        </p:nvSpPr>
+        <p:spPr/>
+        <p:txBody>
+          <a:bodyPr/>
+          <a:lstStyle/>
+          <a:p>
+            <a:fld id="{1BDE3FE7-3AEA-4B05-AC5A-802D1816ACF0}" type="slidenum">
+              <a:rPr lang="ko-KR" altLang="en-US" smtClean="0"/>
+              <a:t>43</a:t>
+            </a:fld>
+            <a:endParaRPr lang="ko-KR" altLang="en-US"/>
+          </a:p>
+        </p:txBody>
+      </p:sp>
+      <p:sp>
+        <p:nvSpPr>
+          <p:cNvPr id="3" name="TextBox 2"/>
+          <p:cNvSpPr txBox="1"/>
+          <p:nvPr/>
+        </p:nvSpPr>
+        <p:spPr>
+          <a:xfrm>
+            <a:off x="765920" y="1052736"/>
+            <a:ext cx="8054552" cy="1384995"/>
+          </a:xfrm>
+          <a:prstGeom prst="rect">
+            <a:avLst/>
+          </a:prstGeom>
+          <a:noFill/>
+        </p:spPr>
+        <p:txBody>
+          <a:bodyPr wrap="square" rtlCol="0">
+            <a:spAutoFit/>
+          </a:bodyPr>
+          <a:lstStyle/>
+          <a:p>
+            <a:pPr marL="342900" indent="-342900">
+              <a:lnSpc>
+                <a:spcPct val="150000"/>
+              </a:lnSpc>
+              <a:buFont typeface="Wingdings" panose="05000000000000000000" pitchFamily="2" charset="2"/>
+              <a:buChar char="l"/>
+            </a:pPr>
+            <a:r>
+              <a:rPr lang="en-US" altLang="ko-KR" sz="2000" b="1" dirty="0" smtClean="0"/>
+              <a:t>INDEX </a:t>
+            </a:r>
+            <a:r>
+              <a:rPr lang="ko-KR" altLang="en-US" sz="2000" b="1" dirty="0" smtClean="0"/>
+              <a:t>생성 </a:t>
+            </a:r>
+            <a:r>
+              <a:rPr lang="en-US" altLang="ko-KR" sz="2000" b="1" dirty="0" smtClean="0"/>
+              <a:t>: </a:t>
+            </a:r>
+            <a:r>
+              <a:rPr lang="en-US" altLang="ko-KR" sz="2000" b="1" dirty="0" smtClean="0">
+                <a:solidFill>
+                  <a:srgbClr val="C00000"/>
+                </a:solidFill>
+              </a:rPr>
+              <a:t>CREATE INDEX </a:t>
+            </a:r>
+            <a:r>
+              <a:rPr lang="ko-KR" altLang="en-US" sz="2000" b="1" dirty="0" err="1" smtClean="0">
+                <a:solidFill>
+                  <a:srgbClr val="C00000"/>
+                </a:solidFill>
+              </a:rPr>
+              <a:t>인덱스이름</a:t>
+            </a:r>
+            <a:r>
+              <a:rPr lang="ko-KR" altLang="en-US" sz="2000" b="1" dirty="0" smtClean="0">
+                <a:solidFill>
+                  <a:srgbClr val="C00000"/>
+                </a:solidFill>
+              </a:rPr>
+              <a:t> </a:t>
+            </a:r>
+            <a:r>
+              <a:rPr lang="en-US" altLang="ko-KR" sz="2000" b="1" dirty="0" smtClean="0">
+                <a:solidFill>
+                  <a:srgbClr val="C00000"/>
+                </a:solidFill>
+              </a:rPr>
+              <a:t>ON </a:t>
+            </a:r>
+            <a:r>
+              <a:rPr lang="ko-KR" altLang="en-US" sz="2000" b="1" dirty="0" err="1" smtClean="0"/>
+              <a:t>테이블명</a:t>
+            </a:r>
+            <a:r>
+              <a:rPr lang="en-US" altLang="ko-KR" sz="2000" b="1" dirty="0" smtClean="0"/>
+              <a:t>(</a:t>
+            </a:r>
+            <a:r>
+              <a:rPr lang="ko-KR" altLang="en-US" sz="2000" b="1" dirty="0" err="1" smtClean="0"/>
+              <a:t>칼럼명</a:t>
+            </a:r>
+            <a:r>
+              <a:rPr lang="en-US" altLang="ko-KR" sz="2000" b="1" dirty="0" smtClean="0"/>
+              <a:t>)</a:t>
+            </a:r>
+          </a:p>
+          <a:p>
+            <a:pPr marL="742950" lvl="1" indent="-285750">
+              <a:lnSpc>
+                <a:spcPct val="150000"/>
+              </a:lnSpc>
+              <a:buFont typeface="Wingdings" panose="05000000000000000000" pitchFamily="2" charset="2"/>
+              <a:buChar char="ü"/>
+            </a:pPr>
+            <a:r>
+              <a:rPr lang="ko-KR" altLang="en-US" b="1" dirty="0" smtClean="0"/>
+              <a:t>힌트 사용법</a:t>
+            </a:r>
+            <a:endParaRPr lang="en-US" altLang="ko-KR" b="1" dirty="0" smtClean="0"/>
+          </a:p>
+          <a:p>
+            <a:pPr>
+              <a:lnSpc>
+                <a:spcPct val="150000"/>
+              </a:lnSpc>
+            </a:pPr>
+            <a:r>
+              <a:rPr lang="en-US" altLang="ko-KR" b="1" dirty="0">
+                <a:solidFill>
+                  <a:schemeClr val="tx1">
+                    <a:lumMod val="50000"/>
+                    <a:lumOff val="50000"/>
+                  </a:schemeClr>
+                </a:solidFill>
+              </a:rPr>
+              <a:t> </a:t>
+            </a:r>
+            <a:r>
+              <a:rPr lang="en-US" altLang="ko-KR" b="1" dirty="0" smtClean="0">
+                <a:solidFill>
+                  <a:schemeClr val="tx1">
+                    <a:lumMod val="50000"/>
+                    <a:lumOff val="50000"/>
+                  </a:schemeClr>
+                </a:solidFill>
+              </a:rPr>
+              <a:t>        /*+ INDEX(</a:t>
+            </a:r>
+            <a:r>
+              <a:rPr lang="ko-KR" altLang="en-US" b="1" dirty="0" err="1" smtClean="0">
+                <a:solidFill>
+                  <a:schemeClr val="tx1">
+                    <a:lumMod val="50000"/>
+                    <a:lumOff val="50000"/>
+                  </a:schemeClr>
+                </a:solidFill>
+              </a:rPr>
+              <a:t>테이블명</a:t>
+            </a:r>
+            <a:r>
+              <a:rPr lang="ko-KR" altLang="en-US" b="1" dirty="0" smtClean="0">
+                <a:solidFill>
+                  <a:schemeClr val="tx1">
+                    <a:lumMod val="50000"/>
+                    <a:lumOff val="50000"/>
+                  </a:schemeClr>
+                </a:solidFill>
+              </a:rPr>
+              <a:t> </a:t>
+            </a:r>
+            <a:r>
+              <a:rPr lang="ko-KR" altLang="en-US" b="1" dirty="0" err="1" smtClean="0">
+                <a:solidFill>
+                  <a:schemeClr val="tx1">
+                    <a:lumMod val="50000"/>
+                    <a:lumOff val="50000"/>
+                  </a:schemeClr>
+                </a:solidFill>
+              </a:rPr>
+              <a:t>인덱스명</a:t>
+            </a:r>
+            <a:r>
+              <a:rPr lang="en-US" altLang="ko-KR" b="1" dirty="0" smtClean="0">
+                <a:solidFill>
+                  <a:schemeClr val="tx1">
+                    <a:lumMod val="50000"/>
+                    <a:lumOff val="50000"/>
+                  </a:schemeClr>
+                </a:solidFill>
+              </a:rPr>
+              <a:t>) */</a:t>
+            </a:r>
+            <a:endParaRPr lang="ko-KR" altLang="en-US" b="1" dirty="0">
+              <a:solidFill>
+                <a:schemeClr val="tx1">
+                  <a:lumMod val="50000"/>
+                  <a:lumOff val="50000"/>
+                </a:schemeClr>
+              </a:solidFill>
+            </a:endParaRPr>
+          </a:p>
+        </p:txBody>
+      </p:sp>
+      <p:sp>
+        <p:nvSpPr>
+          <p:cNvPr id="10" name="제목 1"/>
+          <p:cNvSpPr>
+            <a:spLocks noGrp="1"/>
+          </p:cNvSpPr>
+          <p:nvPr>
+            <p:ph type="title"/>
+          </p:nvPr>
+        </p:nvSpPr>
+        <p:spPr>
+          <a:xfrm>
+            <a:off x="1" y="-18256"/>
+            <a:ext cx="5724128" cy="854968"/>
+          </a:xfrm>
+        </p:spPr>
+        <p:txBody>
+          <a:bodyPr>
+            <a:normAutofit/>
+          </a:bodyPr>
+          <a:lstStyle/>
+          <a:p>
+            <a:r>
+              <a:rPr lang="en-US" altLang="ko-KR" sz="2800" dirty="0" smtClean="0"/>
+              <a:t>  SQL </a:t>
+            </a:r>
+            <a:r>
+              <a:rPr lang="ko-KR" altLang="en-US" sz="2800" dirty="0" smtClean="0"/>
+              <a:t>최적화</a:t>
+            </a:r>
+            <a:endParaRPr lang="ko-KR" altLang="en-US" sz="2800" b="1" dirty="0"/>
+          </a:p>
+        </p:txBody>
+      </p:sp>
+      <p:pic>
+        <p:nvPicPr>
+          <p:cNvPr id="8" name="그림 7"/>
+          <p:cNvPicPr>
+            <a:picLocks noChangeAspect="1"/>
+          </p:cNvPicPr>
+          <p:nvPr/>
+        </p:nvPicPr>
+        <p:blipFill>
+          <a:blip r:embed="rId2">
+            <a:extLst>
+              <a:ext uri="{28A0092B-C50C-407E-A947-70E740481C1C}">
+                <a14:useLocalDpi xmlns:a14="http://schemas.microsoft.com/office/drawing/2010/main" val="0"/>
+              </a:ext>
+            </a:extLst>
+          </a:blip>
+          <a:stretch>
+            <a:fillRect/>
+          </a:stretch>
+        </p:blipFill>
+        <p:spPr>
+          <a:xfrm>
+            <a:off x="506489" y="5013176"/>
+            <a:ext cx="8208912" cy="1008112"/>
+          </a:xfrm>
+          <a:prstGeom prst="rect">
+            <a:avLst/>
+          </a:prstGeom>
+          <a:ln>
+            <a:solidFill>
+              <a:schemeClr val="bg1">
+                <a:lumMod val="85000"/>
+              </a:schemeClr>
+            </a:solidFill>
+          </a:ln>
+        </p:spPr>
+      </p:pic>
+      <p:pic>
+        <p:nvPicPr>
+          <p:cNvPr id="2" name="그림 1"/>
+          <p:cNvPicPr>
+            <a:picLocks noChangeAspect="1"/>
+          </p:cNvPicPr>
+          <p:nvPr/>
+        </p:nvPicPr>
+        <p:blipFill>
+          <a:blip r:embed="rId3">
+            <a:extLst>
+              <a:ext uri="{28A0092B-C50C-407E-A947-70E740481C1C}">
+                <a14:useLocalDpi xmlns:a14="http://schemas.microsoft.com/office/drawing/2010/main" val="0"/>
+              </a:ext>
+            </a:extLst>
+          </a:blip>
+          <a:stretch>
+            <a:fillRect/>
+          </a:stretch>
+        </p:blipFill>
+        <p:spPr>
+          <a:xfrm>
+            <a:off x="948014" y="2565319"/>
+            <a:ext cx="7224386" cy="2194750"/>
+          </a:xfrm>
+          <a:prstGeom prst="rect">
+            <a:avLst/>
+          </a:prstGeom>
+          <a:ln>
+            <a:solidFill>
+              <a:schemeClr val="bg1">
+                <a:lumMod val="85000"/>
+              </a:schemeClr>
+            </a:solidFill>
+          </a:ln>
+        </p:spPr>
+      </p:pic>
+    </p:spTree>
+    <p:extLst>
+      <p:ext uri="{BB962C8B-B14F-4D97-AF65-F5344CB8AC3E}">
+        <p14:creationId xmlns:p14="http://schemas.microsoft.com/office/powerpoint/2010/main" val="2386420020"/>
+      </p:ext>
+    </p:extLst>
+  </p:cSld>
+  <p:clrMapOvr>
+    <a:masterClrMapping/>
+  </p:clrMapOvr>
+  <p:timing>
+    <p:tnLst>
+      <p:par>
+        <p:cTn id="1" dur="indefinite" restart="never" nodeType="tmRoot"/>
+      </p:par>
+    </p:tnLst>
+  </p:timing>
+</p:sld>
+</file>
+
+<file path=ppt/slides/slide44.xml><?xml version="1.0" encoding="utf-8"?>
+<p:sld xmlns:a="http://schemas.openxmlformats.org/drawingml/2006/main" xmlns:r="http://schemas.openxmlformats.org/officeDocument/2006/relationships" xmlns:p="http://schemas.openxmlformats.org/presentationml/2006/main">
+  <p:cSld>
+    <p:spTree>
+      <p:nvGrpSpPr>
+        <p:cNvPr id="1" name=""/>
+        <p:cNvGrpSpPr/>
+        <p:nvPr/>
+      </p:nvGrpSpPr>
+      <p:grpSpPr>
+        <a:xfrm>
+          <a:off x="0" y="0"/>
+          <a:ext cx="0" cy="0"/>
+          <a:chOff x="0" y="0"/>
+          <a:chExt cx="0" cy="0"/>
+        </a:xfrm>
+      </p:grpSpPr>
+      <p:sp>
+        <p:nvSpPr>
+          <p:cNvPr id="4" name="슬라이드 번호 개체 틀 3"/>
+          <p:cNvSpPr>
+            <a:spLocks noGrp="1"/>
+          </p:cNvSpPr>
+          <p:nvPr>
+            <p:ph type="sldNum" sz="quarter" idx="12"/>
+          </p:nvPr>
+        </p:nvSpPr>
+        <p:spPr/>
+        <p:txBody>
+          <a:bodyPr/>
+          <a:lstStyle/>
+          <a:p>
+            <a:fld id="{1BDE3FE7-3AEA-4B05-AC5A-802D1816ACF0}" type="slidenum">
+              <a:rPr lang="ko-KR" altLang="en-US" smtClean="0"/>
+              <a:t>44</a:t>
+            </a:fld>
+            <a:endParaRPr lang="ko-KR" altLang="en-US"/>
+          </a:p>
+        </p:txBody>
+      </p:sp>
+      <p:sp>
+        <p:nvSpPr>
+          <p:cNvPr id="3" name="TextBox 2"/>
+          <p:cNvSpPr txBox="1"/>
+          <p:nvPr/>
+        </p:nvSpPr>
+        <p:spPr>
+          <a:xfrm>
+            <a:off x="827584" y="1156682"/>
+            <a:ext cx="6120680" cy="400110"/>
+          </a:xfrm>
+          <a:prstGeom prst="rect">
+            <a:avLst/>
+          </a:prstGeom>
+          <a:noFill/>
+        </p:spPr>
+        <p:txBody>
+          <a:bodyPr wrap="square" rtlCol="0">
+            <a:spAutoFit/>
+          </a:bodyPr>
+          <a:lstStyle/>
+          <a:p>
+            <a:r>
+              <a:rPr lang="en-US" altLang="ko-KR" sz="2000" b="1" dirty="0" smtClean="0"/>
+              <a:t>INDEX </a:t>
+            </a:r>
+            <a:r>
+              <a:rPr lang="ko-KR" altLang="en-US" sz="2000" b="1" dirty="0" smtClean="0"/>
+              <a:t>삭제 </a:t>
+            </a:r>
+            <a:r>
+              <a:rPr lang="en-US" altLang="ko-KR" sz="2000" b="1" dirty="0" smtClean="0"/>
+              <a:t>: </a:t>
+            </a:r>
+            <a:r>
+              <a:rPr lang="en-US" altLang="ko-KR" sz="2000" b="1" dirty="0" smtClean="0">
+                <a:solidFill>
+                  <a:srgbClr val="C00000"/>
+                </a:solidFill>
+              </a:rPr>
+              <a:t>DROP INDEX </a:t>
+            </a:r>
+            <a:r>
+              <a:rPr lang="ko-KR" altLang="en-US" sz="2000" b="1" dirty="0" err="1" smtClean="0">
+                <a:solidFill>
+                  <a:srgbClr val="C00000"/>
+                </a:solidFill>
+              </a:rPr>
+              <a:t>인덱스이름</a:t>
+            </a:r>
+            <a:endParaRPr lang="ko-KR" altLang="en-US" sz="2000" b="1" dirty="0"/>
+          </a:p>
+        </p:txBody>
+      </p:sp>
+      <p:sp>
+        <p:nvSpPr>
+          <p:cNvPr id="10" name="제목 1"/>
+          <p:cNvSpPr>
+            <a:spLocks noGrp="1"/>
+          </p:cNvSpPr>
+          <p:nvPr>
+            <p:ph type="title"/>
+          </p:nvPr>
+        </p:nvSpPr>
+        <p:spPr>
+          <a:xfrm>
+            <a:off x="1" y="-18256"/>
+            <a:ext cx="5724128" cy="854968"/>
+          </a:xfrm>
+        </p:spPr>
+        <p:txBody>
+          <a:bodyPr>
+            <a:normAutofit/>
+          </a:bodyPr>
+          <a:lstStyle/>
+          <a:p>
+            <a:r>
+              <a:rPr lang="en-US" altLang="ko-KR" sz="2800" dirty="0" smtClean="0"/>
+              <a:t>  SQL </a:t>
+            </a:r>
+            <a:r>
+              <a:rPr lang="ko-KR" altLang="en-US" sz="2800" dirty="0" smtClean="0"/>
+              <a:t>최적화</a:t>
+            </a:r>
+            <a:endParaRPr lang="ko-KR" altLang="en-US" sz="2800" b="1" dirty="0"/>
+          </a:p>
+        </p:txBody>
+      </p:sp>
+      <p:pic>
+        <p:nvPicPr>
+          <p:cNvPr id="5" name="그림 4"/>
+          <p:cNvPicPr>
+            <a:picLocks noChangeAspect="1"/>
+          </p:cNvPicPr>
+          <p:nvPr/>
+        </p:nvPicPr>
+        <p:blipFill>
+          <a:blip r:embed="rId2">
+            <a:extLst>
+              <a:ext uri="{28A0092B-C50C-407E-A947-70E740481C1C}">
+                <a14:useLocalDpi xmlns:a14="http://schemas.microsoft.com/office/drawing/2010/main" val="0"/>
+              </a:ext>
+            </a:extLst>
+          </a:blip>
+          <a:stretch>
+            <a:fillRect/>
+          </a:stretch>
+        </p:blipFill>
+        <p:spPr>
+          <a:xfrm>
+            <a:off x="971600" y="1952994"/>
+            <a:ext cx="3520745" cy="647756"/>
+          </a:xfrm>
+          <a:prstGeom prst="rect">
+            <a:avLst/>
+          </a:prstGeom>
+          <a:ln>
+            <a:solidFill>
+              <a:schemeClr val="bg1">
+                <a:lumMod val="85000"/>
+              </a:schemeClr>
+            </a:solidFill>
+          </a:ln>
+        </p:spPr>
+      </p:pic>
+      <p:pic>
+        <p:nvPicPr>
+          <p:cNvPr id="6" name="그림 5"/>
+          <p:cNvPicPr>
+            <a:picLocks noChangeAspect="1"/>
+          </p:cNvPicPr>
+          <p:nvPr/>
+        </p:nvPicPr>
+        <p:blipFill>
+          <a:blip r:embed="rId3">
+            <a:extLst>
+              <a:ext uri="{28A0092B-C50C-407E-A947-70E740481C1C}">
+                <a14:useLocalDpi xmlns:a14="http://schemas.microsoft.com/office/drawing/2010/main" val="0"/>
+              </a:ext>
+            </a:extLst>
+          </a:blip>
+          <a:stretch>
+            <a:fillRect/>
+          </a:stretch>
+        </p:blipFill>
+        <p:spPr>
+          <a:xfrm>
+            <a:off x="395536" y="3005877"/>
+            <a:ext cx="8579296" cy="999187"/>
+          </a:xfrm>
+          <a:prstGeom prst="rect">
+            <a:avLst/>
+          </a:prstGeom>
+          <a:ln>
+            <a:solidFill>
+              <a:schemeClr val="bg1">
+                <a:lumMod val="85000"/>
+              </a:schemeClr>
+            </a:solidFill>
+          </a:ln>
+        </p:spPr>
+      </p:pic>
+    </p:spTree>
+    <p:extLst>
+      <p:ext uri="{BB962C8B-B14F-4D97-AF65-F5344CB8AC3E}">
+        <p14:creationId xmlns:p14="http://schemas.microsoft.com/office/powerpoint/2010/main" val="2006031510"/>
       </p:ext>
     </p:extLst>
   </p:cSld>

--- a/db_ppt/5장. 함수.pptx
+++ b/db_ppt/5장. 함수.pptx
@@ -5,7 +5,7 @@
     <p:sldMasterId id="2147483648" r:id="rId1"/>
   </p:sldMasterIdLst>
   <p:notesMasterIdLst>
-    <p:notesMasterId r:id="rId46"/>
+    <p:notesMasterId r:id="rId48"/>
   </p:notesMasterIdLst>
   <p:sldIdLst>
     <p:sldId id="256" r:id="rId2"/>
@@ -42,16 +42,18 @@
     <p:sldId id="317" r:id="rId33"/>
     <p:sldId id="318" r:id="rId34"/>
     <p:sldId id="319" r:id="rId35"/>
-    <p:sldId id="320" r:id="rId36"/>
-    <p:sldId id="321" r:id="rId37"/>
-    <p:sldId id="322" r:id="rId38"/>
-    <p:sldId id="323" r:id="rId39"/>
-    <p:sldId id="324" r:id="rId40"/>
-    <p:sldId id="325" r:id="rId41"/>
-    <p:sldId id="326" r:id="rId42"/>
-    <p:sldId id="327" r:id="rId43"/>
-    <p:sldId id="328" r:id="rId44"/>
-    <p:sldId id="329" r:id="rId45"/>
+    <p:sldId id="330" r:id="rId36"/>
+    <p:sldId id="331" r:id="rId37"/>
+    <p:sldId id="320" r:id="rId38"/>
+    <p:sldId id="321" r:id="rId39"/>
+    <p:sldId id="322" r:id="rId40"/>
+    <p:sldId id="323" r:id="rId41"/>
+    <p:sldId id="324" r:id="rId42"/>
+    <p:sldId id="325" r:id="rId43"/>
+    <p:sldId id="326" r:id="rId44"/>
+    <p:sldId id="327" r:id="rId45"/>
+    <p:sldId id="328" r:id="rId46"/>
+    <p:sldId id="329" r:id="rId47"/>
   </p:sldIdLst>
   <p:sldSz cx="9144000" cy="6858000" type="screen4x3"/>
   <p:notesSz cx="6858000" cy="9144000"/>
@@ -251,7 +253,7 @@
           <a:p>
             <a:fld id="{7665CDAC-D627-4E87-877A-1B781DD4CADC}" type="datetimeFigureOut">
               <a:rPr lang="ko-KR" altLang="en-US" smtClean="0"/>
-              <a:t>2023-05-07</a:t>
+              <a:t>2023-05-14</a:t>
             </a:fld>
             <a:endParaRPr lang="ko-KR" altLang="en-US"/>
           </a:p>
@@ -1107,7 +1109,7 @@
           <a:p>
             <a:fld id="{E240FE80-3752-4C44-80B8-E31C3450070D}" type="datetime1">
               <a:rPr lang="ko-KR" altLang="en-US" smtClean="0"/>
-              <a:t>2023-05-07</a:t>
+              <a:t>2023-05-14</a:t>
             </a:fld>
             <a:endParaRPr lang="ko-KR" altLang="en-US"/>
           </a:p>
@@ -1287,7 +1289,7 @@
           <a:p>
             <a:fld id="{5FA88D13-428F-4553-BC93-2E91B1DA3F5C}" type="datetime1">
               <a:rPr lang="ko-KR" altLang="en-US" smtClean="0"/>
-              <a:t>2023-05-07</a:t>
+              <a:t>2023-05-14</a:t>
             </a:fld>
             <a:endParaRPr lang="ko-KR" altLang="en-US"/>
           </a:p>
@@ -1461,7 +1463,7 @@
           <a:p>
             <a:fld id="{4E9D4779-FB94-4D0A-9770-16BB460ADD4B}" type="datetime1">
               <a:rPr lang="ko-KR" altLang="en-US" smtClean="0"/>
-              <a:t>2023-05-07</a:t>
+              <a:t>2023-05-14</a:t>
             </a:fld>
             <a:endParaRPr lang="ko-KR" altLang="en-US"/>
           </a:p>
@@ -1707,7 +1709,7 @@
           <a:p>
             <a:fld id="{DD687F0D-089E-4098-8EE9-5721C76E52EC}" type="datetime1">
               <a:rPr lang="ko-KR" altLang="en-US" smtClean="0"/>
-              <a:t>2023-05-07</a:t>
+              <a:t>2023-05-14</a:t>
             </a:fld>
             <a:endParaRPr lang="ko-KR" altLang="en-US"/>
           </a:p>
@@ -1995,7 +1997,7 @@
           <a:p>
             <a:fld id="{09C650FE-E6B2-4D57-AAF6-1B2A37421AAD}" type="datetime1">
               <a:rPr lang="ko-KR" altLang="en-US" smtClean="0"/>
-              <a:t>2023-05-07</a:t>
+              <a:t>2023-05-14</a:t>
             </a:fld>
             <a:endParaRPr lang="ko-KR" altLang="en-US"/>
           </a:p>
@@ -2417,7 +2419,7 @@
           <a:p>
             <a:fld id="{E87F20C2-C949-4E4F-9580-FEE4F2DAC554}" type="datetime1">
               <a:rPr lang="ko-KR" altLang="en-US" smtClean="0"/>
-              <a:t>2023-05-07</a:t>
+              <a:t>2023-05-14</a:t>
             </a:fld>
             <a:endParaRPr lang="ko-KR" altLang="en-US"/>
           </a:p>
@@ -2535,7 +2537,7 @@
           <a:p>
             <a:fld id="{476DBFE0-70CA-4AA9-9C17-F02054822E7E}" type="datetime1">
               <a:rPr lang="ko-KR" altLang="en-US" smtClean="0"/>
-              <a:t>2023-05-07</a:t>
+              <a:t>2023-05-14</a:t>
             </a:fld>
             <a:endParaRPr lang="ko-KR" altLang="en-US"/>
           </a:p>
@@ -2630,7 +2632,7 @@
           <a:p>
             <a:fld id="{6DA84A72-C6AC-45C3-AE5A-9CF6D245353A}" type="datetime1">
               <a:rPr lang="ko-KR" altLang="en-US" smtClean="0"/>
-              <a:t>2023-05-07</a:t>
+              <a:t>2023-05-14</a:t>
             </a:fld>
             <a:endParaRPr lang="ko-KR" altLang="en-US"/>
           </a:p>
@@ -2907,7 +2909,7 @@
           <a:p>
             <a:fld id="{092D9E8D-7616-4FA8-9B12-88059974D499}" type="datetime1">
               <a:rPr lang="ko-KR" altLang="en-US" smtClean="0"/>
-              <a:t>2023-05-07</a:t>
+              <a:t>2023-05-14</a:t>
             </a:fld>
             <a:endParaRPr lang="ko-KR" altLang="en-US"/>
           </a:p>
@@ -3160,7 +3162,7 @@
           <a:p>
             <a:fld id="{79F4C3F6-B4DC-4E51-8609-BCC628ECDBF3}" type="datetime1">
               <a:rPr lang="ko-KR" altLang="en-US" smtClean="0"/>
-              <a:t>2023-05-07</a:t>
+              <a:t>2023-05-14</a:t>
             </a:fld>
             <a:endParaRPr lang="ko-KR" altLang="en-US"/>
           </a:p>
@@ -3340,7 +3342,7 @@
           <a:p>
             <a:fld id="{B2C4C586-F21B-48DD-B591-4B12E73E0749}" type="datetime1">
               <a:rPr lang="ko-KR" altLang="en-US" smtClean="0"/>
-              <a:t>2023-05-07</a:t>
+              <a:t>2023-05-14</a:t>
             </a:fld>
             <a:endParaRPr lang="ko-KR" altLang="en-US"/>
           </a:p>
@@ -15111,8 +15113,8 @@
         </p:blipFill>
         <p:spPr>
           <a:xfrm>
-            <a:off x="1331640" y="1981752"/>
-            <a:ext cx="5253798" cy="2311343"/>
+            <a:off x="1187624" y="1950110"/>
+            <a:ext cx="5908511" cy="2599376"/>
           </a:xfrm>
           <a:prstGeom prst="rect">
             <a:avLst/>
@@ -16630,6 +16632,47 @@
       </p:grpSpPr>
       <p:sp>
         <p:nvSpPr>
+          <p:cNvPr id="2" name="제목 1"/>
+          <p:cNvSpPr>
+            <a:spLocks noGrp="1"/>
+          </p:cNvSpPr>
+          <p:nvPr>
+            <p:ph type="title"/>
+          </p:nvPr>
+        </p:nvSpPr>
+        <p:spPr/>
+        <p:txBody>
+          <a:bodyPr>
+            <a:normAutofit/>
+          </a:bodyPr>
+          <a:lstStyle/>
+          <a:p>
+            <a:r>
+              <a:rPr lang="en-US" altLang="ko-KR" sz="2800" dirty="0" smtClean="0"/>
+              <a:t> </a:t>
+            </a:r>
+            <a:r>
+              <a:rPr lang="en-US" altLang="ko-KR" sz="2800" b="1" dirty="0" smtClean="0"/>
+              <a:t>LOLLUP() </a:t>
+            </a:r>
+            <a:r>
+              <a:rPr lang="ko-KR" altLang="en-US" sz="2800" b="1" dirty="0"/>
+              <a:t>함수 </a:t>
+            </a:r>
+            <a:r>
+              <a:rPr lang="en-US" altLang="ko-KR" sz="2800" b="1" dirty="0"/>
+              <a:t>vs </a:t>
+            </a:r>
+            <a:r>
+              <a:rPr lang="en-US" altLang="ko-KR" sz="2800" b="1" dirty="0" smtClean="0"/>
+              <a:t>CUBE()</a:t>
+            </a:r>
+            <a:endParaRPr lang="ko-KR" altLang="en-US" sz="2800" dirty="0"/>
+          </a:p>
+        </p:txBody>
+      </p:sp>
+      <p:sp>
+        <p:nvSpPr>
           <p:cNvPr id="4" name="슬라이드 번호 개체 틀 3"/>
           <p:cNvSpPr>
             <a:spLocks noGrp="1"/>
@@ -16653,14 +16696,14 @@
       </p:sp>
       <p:sp>
         <p:nvSpPr>
-          <p:cNvPr id="3" name="TextBox 2"/>
+          <p:cNvPr id="53" name="TextBox 52"/>
           <p:cNvSpPr txBox="1"/>
           <p:nvPr/>
         </p:nvSpPr>
         <p:spPr>
           <a:xfrm>
-            <a:off x="827584" y="1156682"/>
-            <a:ext cx="6120680" cy="400110"/>
+            <a:off x="827584" y="1193356"/>
+            <a:ext cx="3600400" cy="400110"/>
           </a:xfrm>
           <a:prstGeom prst="rect">
             <a:avLst/>
@@ -16673,240 +16716,104 @@
           </a:bodyPr>
           <a:lstStyle/>
           <a:p>
+            <a:pPr marL="342900" indent="-342900">
+              <a:buFont typeface="Wingdings" panose="05000000000000000000" pitchFamily="2" charset="2"/>
+              <a:buChar char="ü"/>
+            </a:pPr>
+            <a:r>
+              <a:rPr lang="en-US" altLang="ko-KR" sz="2000" b="1" dirty="0" smtClean="0"/>
+              <a:t>GROUPING(</a:t>
+            </a:r>
             <a:r>
               <a:rPr lang="ko-KR" altLang="en-US" sz="2000" b="1" dirty="0" err="1" smtClean="0"/>
-              <a:t>옵티마이저</a:t>
+              <a:t>칼럼명</a:t>
             </a:r>
             <a:r>
               <a:rPr lang="en-US" altLang="ko-KR" sz="2000" b="1" dirty="0" smtClean="0"/>
-              <a:t>(Optimizer)</a:t>
-            </a:r>
-            <a:r>
-              <a:rPr lang="ko-KR" altLang="en-US" sz="2000" b="1" dirty="0" smtClean="0"/>
-              <a:t>와</a:t>
-            </a:r>
-            <a:r>
-              <a:rPr lang="en-US" altLang="ko-KR" sz="2000" b="1" dirty="0" smtClean="0"/>
-              <a:t> </a:t>
-            </a:r>
-            <a:r>
-              <a:rPr lang="ko-KR" altLang="en-US" sz="2000" b="1" dirty="0" smtClean="0"/>
-              <a:t>실행 계획</a:t>
+              <a:t>)</a:t>
             </a:r>
             <a:endParaRPr lang="ko-KR" altLang="en-US" sz="2000" b="1" dirty="0"/>
           </a:p>
         </p:txBody>
       </p:sp>
-      <p:sp>
-        <p:nvSpPr>
-          <p:cNvPr id="10" name="제목 1"/>
-          <p:cNvSpPr>
-            <a:spLocks noGrp="1"/>
-          </p:cNvSpPr>
-          <p:nvPr>
-            <p:ph type="title"/>
-          </p:nvPr>
-        </p:nvSpPr>
+      <p:pic>
+        <p:nvPicPr>
+          <p:cNvPr id="3" name="그림 2"/>
+          <p:cNvPicPr>
+            <a:picLocks noChangeAspect="1"/>
+          </p:cNvPicPr>
+          <p:nvPr/>
+        </p:nvPicPr>
+        <p:blipFill>
+          <a:blip r:embed="rId2">
+            <a:extLst>
+              <a:ext uri="{28A0092B-C50C-407E-A947-70E740481C1C}">
+                <a14:useLocalDpi xmlns:a14="http://schemas.microsoft.com/office/drawing/2010/main" val="0"/>
+              </a:ext>
+            </a:extLst>
+          </a:blip>
+          <a:stretch>
+            <a:fillRect/>
+          </a:stretch>
+        </p:blipFill>
         <p:spPr>
           <a:xfrm>
-            <a:off x="1" y="-18256"/>
-            <a:ext cx="5724128" cy="854968"/>
-          </a:xfrm>
-        </p:spPr>
-        <p:txBody>
-          <a:bodyPr>
-            <a:normAutofit/>
-          </a:bodyPr>
-          <a:lstStyle/>
-          <a:p>
-            <a:r>
-              <a:rPr lang="en-US" altLang="ko-KR" sz="2800" dirty="0" smtClean="0"/>
-              <a:t>  SQL </a:t>
-            </a:r>
-            <a:r>
-              <a:rPr lang="ko-KR" altLang="en-US" sz="2800" dirty="0" smtClean="0"/>
-              <a:t>최적화</a:t>
-            </a:r>
-            <a:endParaRPr lang="ko-KR" altLang="en-US" sz="2800" b="1" dirty="0"/>
-          </a:p>
-        </p:txBody>
-      </p:sp>
-      <p:sp>
-        <p:nvSpPr>
-          <p:cNvPr id="5" name="TextBox 4"/>
-          <p:cNvSpPr txBox="1"/>
-          <p:nvPr/>
-        </p:nvSpPr>
-        <p:spPr>
-          <a:xfrm>
-            <a:off x="827583" y="1724779"/>
-            <a:ext cx="7448807" cy="2677656"/>
+            <a:off x="1259631" y="1939968"/>
+            <a:ext cx="5616624" cy="1981441"/>
           </a:xfrm>
           <a:prstGeom prst="rect">
             <a:avLst/>
           </a:prstGeom>
-          <a:noFill/>
+          <a:ln>
+            <a:solidFill>
+              <a:schemeClr val="bg1">
+                <a:lumMod val="85000"/>
+              </a:schemeClr>
+            </a:solidFill>
+          </a:ln>
         </p:spPr>
-        <p:txBody>
-          <a:bodyPr wrap="square" rtlCol="0">
-            <a:spAutoFit/>
-          </a:bodyPr>
-          <a:lstStyle/>
-          <a:p>
-            <a:pPr marL="285750" indent="-285750">
-              <a:lnSpc>
-                <a:spcPct val="150000"/>
-              </a:lnSpc>
-              <a:buFontTx/>
-              <a:buChar char="-"/>
-            </a:pPr>
-            <a:r>
-              <a:rPr lang="ko-KR" altLang="en-US" sz="1600" dirty="0" err="1" smtClean="0"/>
-              <a:t>옵티마이저는</a:t>
-            </a:r>
-            <a:r>
-              <a:rPr lang="ko-KR" altLang="en-US" sz="1600" dirty="0" smtClean="0"/>
-              <a:t> </a:t>
-            </a:r>
-            <a:r>
-              <a:rPr lang="en-US" altLang="ko-KR" sz="1600" dirty="0" smtClean="0"/>
-              <a:t>SQL</a:t>
-            </a:r>
-            <a:r>
-              <a:rPr lang="ko-KR" altLang="en-US" sz="1600" dirty="0" smtClean="0"/>
-              <a:t>의 실행 계획을 수립하고</a:t>
-            </a:r>
-            <a:r>
-              <a:rPr lang="en-US" altLang="ko-KR" sz="1600" dirty="0" smtClean="0"/>
-              <a:t>, SQL</a:t>
-            </a:r>
-            <a:r>
-              <a:rPr lang="ko-KR" altLang="en-US" sz="1600" dirty="0" smtClean="0"/>
-              <a:t>을 실행하는 데이터베이스 관리 시스템의 소프트웨어이다</a:t>
-            </a:r>
-            <a:r>
-              <a:rPr lang="en-US" altLang="ko-KR" sz="1600" dirty="0" smtClean="0"/>
-              <a:t>.</a:t>
-            </a:r>
-          </a:p>
-          <a:p>
-            <a:pPr marL="285750" indent="-285750">
-              <a:lnSpc>
-                <a:spcPct val="150000"/>
-              </a:lnSpc>
-              <a:buFontTx/>
-              <a:buChar char="-"/>
-            </a:pPr>
-            <a:r>
-              <a:rPr lang="ko-KR" altLang="en-US" sz="1600" dirty="0" smtClean="0"/>
-              <a:t>동일한 결과가 나오는 </a:t>
-            </a:r>
-            <a:r>
-              <a:rPr lang="en-US" altLang="ko-KR" sz="1600" dirty="0" smtClean="0"/>
-              <a:t>SQL</a:t>
-            </a:r>
-            <a:r>
-              <a:rPr lang="ko-KR" altLang="en-US" sz="1600" dirty="0" smtClean="0"/>
-              <a:t>도 어떻게 </a:t>
-            </a:r>
-            <a:r>
-              <a:rPr lang="ko-KR" altLang="en-US" sz="1600" dirty="0" err="1" smtClean="0"/>
-              <a:t>실행하느냐에</a:t>
-            </a:r>
-            <a:r>
-              <a:rPr lang="ko-KR" altLang="en-US" sz="1600" dirty="0" smtClean="0"/>
-              <a:t> 따라 성능이 달라진다</a:t>
-            </a:r>
-            <a:r>
-              <a:rPr lang="en-US" altLang="ko-KR" sz="1600" dirty="0" smtClean="0"/>
-              <a:t>.</a:t>
-            </a:r>
-          </a:p>
-          <a:p>
-            <a:pPr marL="285750" indent="-285750">
-              <a:lnSpc>
-                <a:spcPct val="150000"/>
-              </a:lnSpc>
-              <a:buFontTx/>
-              <a:buChar char="-"/>
-            </a:pPr>
-            <a:r>
-              <a:rPr lang="ko-KR" altLang="en-US" sz="1600" dirty="0" smtClean="0"/>
-              <a:t>데이터 </a:t>
-            </a:r>
-            <a:r>
-              <a:rPr lang="ko-KR" altLang="en-US" sz="1600" dirty="0" err="1" smtClean="0"/>
-              <a:t>딕셔너리에</a:t>
-            </a:r>
-            <a:r>
-              <a:rPr lang="ko-KR" altLang="en-US" sz="1600" dirty="0" smtClean="0"/>
-              <a:t> 있는 오브젝트 통계</a:t>
-            </a:r>
-            <a:r>
-              <a:rPr lang="en-US" altLang="ko-KR" sz="1600" dirty="0" smtClean="0"/>
-              <a:t>, </a:t>
-            </a:r>
-            <a:r>
-              <a:rPr lang="ko-KR" altLang="en-US" sz="1600" dirty="0" smtClean="0"/>
-              <a:t>시스템 </a:t>
-            </a:r>
-            <a:r>
-              <a:rPr lang="ko-KR" altLang="en-US" sz="1600" dirty="0" err="1" smtClean="0"/>
-              <a:t>통계등의</a:t>
-            </a:r>
-            <a:r>
-              <a:rPr lang="ko-KR" altLang="en-US" sz="1600" dirty="0" smtClean="0"/>
-              <a:t> 정보를 사용해서 예상되는 비용을 산정한다</a:t>
-            </a:r>
-            <a:r>
-              <a:rPr lang="en-US" altLang="ko-KR" sz="1600" dirty="0" smtClean="0"/>
-              <a:t>.</a:t>
-            </a:r>
-          </a:p>
-          <a:p>
-            <a:pPr marL="285750" indent="-285750">
-              <a:lnSpc>
-                <a:spcPct val="150000"/>
-              </a:lnSpc>
-              <a:buFontTx/>
-              <a:buChar char="-"/>
-            </a:pPr>
-            <a:r>
-              <a:rPr lang="ko-KR" altLang="en-US" sz="1600" dirty="0" err="1" smtClean="0"/>
-              <a:t>옵티마이저는</a:t>
-            </a:r>
-            <a:r>
-              <a:rPr lang="ko-KR" altLang="en-US" sz="1600" dirty="0" smtClean="0"/>
-              <a:t> 여러 개의 실행 계획 중에서 </a:t>
-            </a:r>
-            <a:r>
-              <a:rPr lang="ko-KR" altLang="en-US" sz="1600" dirty="0" err="1" smtClean="0"/>
-              <a:t>최저비용을</a:t>
-            </a:r>
-            <a:r>
-              <a:rPr lang="ko-KR" altLang="en-US" sz="1600" dirty="0" smtClean="0"/>
-              <a:t> 가지고 있는 계획을 선택해서 </a:t>
-            </a:r>
-            <a:r>
-              <a:rPr lang="en-US" altLang="ko-KR" sz="1600" dirty="0" smtClean="0"/>
-              <a:t>SQL</a:t>
-            </a:r>
-            <a:r>
-              <a:rPr lang="ko-KR" altLang="en-US" sz="1600" dirty="0" smtClean="0"/>
-              <a:t>을 실행한다</a:t>
-            </a:r>
-            <a:r>
-              <a:rPr lang="en-US" altLang="ko-KR" sz="1600" dirty="0" smtClean="0"/>
-              <a:t>.</a:t>
-            </a:r>
-            <a:endParaRPr lang="ko-KR" altLang="en-US" sz="1600" dirty="0"/>
-          </a:p>
-        </p:txBody>
-      </p:sp>
+      </p:pic>
+      <p:pic>
+        <p:nvPicPr>
+          <p:cNvPr id="5" name="그림 4"/>
+          <p:cNvPicPr>
+            <a:picLocks noChangeAspect="1"/>
+          </p:cNvPicPr>
+          <p:nvPr/>
+        </p:nvPicPr>
+        <p:blipFill>
+          <a:blip r:embed="rId3">
+            <a:extLst>
+              <a:ext uri="{28A0092B-C50C-407E-A947-70E740481C1C}">
+                <a14:useLocalDpi xmlns:a14="http://schemas.microsoft.com/office/drawing/2010/main" val="0"/>
+              </a:ext>
+            </a:extLst>
+          </a:blip>
+          <a:stretch>
+            <a:fillRect/>
+          </a:stretch>
+        </p:blipFill>
+        <p:spPr>
+          <a:xfrm>
+            <a:off x="1949400" y="4293096"/>
+            <a:ext cx="4237087" cy="1729890"/>
+          </a:xfrm>
+          <a:prstGeom prst="rect">
+            <a:avLst/>
+          </a:prstGeom>
+          <a:ln>
+            <a:solidFill>
+              <a:schemeClr val="bg1">
+                <a:lumMod val="85000"/>
+              </a:schemeClr>
+            </a:solidFill>
+          </a:ln>
+        </p:spPr>
+      </p:pic>
     </p:spTree>
     <p:extLst>
       <p:ext uri="{BB962C8B-B14F-4D97-AF65-F5344CB8AC3E}">
-        <p14:creationId xmlns:p14="http://schemas.microsoft.com/office/powerpoint/2010/main" val="2415260329"/>
+        <p14:creationId xmlns:p14="http://schemas.microsoft.com/office/powerpoint/2010/main" val="4268394231"/>
       </p:ext>
     </p:extLst>
   </p:cSld>
@@ -16942,6 +16849,47 @@
       </p:grpSpPr>
       <p:sp>
         <p:nvSpPr>
+          <p:cNvPr id="2" name="제목 1"/>
+          <p:cNvSpPr>
+            <a:spLocks noGrp="1"/>
+          </p:cNvSpPr>
+          <p:nvPr>
+            <p:ph type="title"/>
+          </p:nvPr>
+        </p:nvSpPr>
+        <p:spPr/>
+        <p:txBody>
+          <a:bodyPr>
+            <a:normAutofit/>
+          </a:bodyPr>
+          <a:lstStyle/>
+          <a:p>
+            <a:r>
+              <a:rPr lang="en-US" altLang="ko-KR" sz="2800" dirty="0" smtClean="0"/>
+              <a:t> </a:t>
+            </a:r>
+            <a:r>
+              <a:rPr lang="en-US" altLang="ko-KR" sz="2800" b="1" dirty="0" smtClean="0"/>
+              <a:t>LOLLUP() </a:t>
+            </a:r>
+            <a:r>
+              <a:rPr lang="ko-KR" altLang="en-US" sz="2800" b="1" dirty="0"/>
+              <a:t>함수 </a:t>
+            </a:r>
+            <a:r>
+              <a:rPr lang="en-US" altLang="ko-KR" sz="2800" b="1" dirty="0"/>
+              <a:t>vs </a:t>
+            </a:r>
+            <a:r>
+              <a:rPr lang="en-US" altLang="ko-KR" sz="2800" b="1" dirty="0" smtClean="0"/>
+              <a:t>CUBE()</a:t>
+            </a:r>
+            <a:endParaRPr lang="ko-KR" altLang="en-US" sz="2800" dirty="0"/>
+          </a:p>
+        </p:txBody>
+      </p:sp>
+      <p:sp>
+        <p:nvSpPr>
           <p:cNvPr id="4" name="슬라이드 번호 개체 틀 3"/>
           <p:cNvSpPr>
             <a:spLocks noGrp="1"/>
@@ -16958,6 +16906,494 @@
             <a:fld id="{1BDE3FE7-3AEA-4B05-AC5A-802D1816ACF0}" type="slidenum">
               <a:rPr lang="ko-KR" altLang="en-US" smtClean="0"/>
               <a:t>36</a:t>
+            </a:fld>
+            <a:endParaRPr lang="ko-KR" altLang="en-US"/>
+          </a:p>
+        </p:txBody>
+      </p:sp>
+      <p:sp>
+        <p:nvSpPr>
+          <p:cNvPr id="53" name="TextBox 52"/>
+          <p:cNvSpPr txBox="1"/>
+          <p:nvPr/>
+        </p:nvSpPr>
+        <p:spPr>
+          <a:xfrm>
+            <a:off x="827584" y="1193356"/>
+            <a:ext cx="4752528" cy="400110"/>
+          </a:xfrm>
+          <a:prstGeom prst="rect">
+            <a:avLst/>
+          </a:prstGeom>
+          <a:noFill/>
+        </p:spPr>
+        <p:txBody>
+          <a:bodyPr wrap="square" rtlCol="0">
+            <a:spAutoFit/>
+          </a:bodyPr>
+          <a:lstStyle/>
+          <a:p>
+            <a:pPr marL="342900" indent="-342900">
+              <a:buFont typeface="Wingdings" panose="05000000000000000000" pitchFamily="2" charset="2"/>
+              <a:buChar char="ü"/>
+            </a:pPr>
+            <a:r>
+              <a:rPr lang="en-US" altLang="ko-KR" sz="2000" b="1" dirty="0" smtClean="0"/>
+              <a:t>GROUPING(</a:t>
+            </a:r>
+            <a:r>
+              <a:rPr lang="ko-KR" altLang="en-US" sz="2000" b="1" dirty="0" err="1" smtClean="0"/>
+              <a:t>칼럼명</a:t>
+            </a:r>
+            <a:r>
+              <a:rPr lang="en-US" altLang="ko-KR" sz="2000" b="1" dirty="0" smtClean="0"/>
+              <a:t>)</a:t>
+            </a:r>
+            <a:endParaRPr lang="ko-KR" altLang="en-US" sz="2000" b="1" dirty="0"/>
+          </a:p>
+        </p:txBody>
+      </p:sp>
+      <p:pic>
+        <p:nvPicPr>
+          <p:cNvPr id="6" name="그림 5"/>
+          <p:cNvPicPr>
+            <a:picLocks noChangeAspect="1"/>
+          </p:cNvPicPr>
+          <p:nvPr/>
+        </p:nvPicPr>
+        <p:blipFill>
+          <a:blip r:embed="rId2">
+            <a:extLst>
+              <a:ext uri="{28A0092B-C50C-407E-A947-70E740481C1C}">
+                <a14:useLocalDpi xmlns:a14="http://schemas.microsoft.com/office/drawing/2010/main" val="0"/>
+              </a:ext>
+            </a:extLst>
+          </a:blip>
+          <a:stretch>
+            <a:fillRect/>
+          </a:stretch>
+        </p:blipFill>
+        <p:spPr>
+          <a:xfrm>
+            <a:off x="1115616" y="1772816"/>
+            <a:ext cx="4057482" cy="3600400"/>
+          </a:xfrm>
+          <a:prstGeom prst="rect">
+            <a:avLst/>
+          </a:prstGeom>
+          <a:ln>
+            <a:solidFill>
+              <a:schemeClr val="bg1">
+                <a:lumMod val="85000"/>
+              </a:schemeClr>
+            </a:solidFill>
+          </a:ln>
+        </p:spPr>
+      </p:pic>
+      <p:pic>
+        <p:nvPicPr>
+          <p:cNvPr id="7" name="그림 6"/>
+          <p:cNvPicPr>
+            <a:picLocks noChangeAspect="1"/>
+          </p:cNvPicPr>
+          <p:nvPr/>
+        </p:nvPicPr>
+        <p:blipFill>
+          <a:blip r:embed="rId3">
+            <a:extLst>
+              <a:ext uri="{28A0092B-C50C-407E-A947-70E740481C1C}">
+                <a14:useLocalDpi xmlns:a14="http://schemas.microsoft.com/office/drawing/2010/main" val="0"/>
+              </a:ext>
+            </a:extLst>
+          </a:blip>
+          <a:stretch>
+            <a:fillRect/>
+          </a:stretch>
+        </p:blipFill>
+        <p:spPr>
+          <a:xfrm>
+            <a:off x="5436096" y="2564904"/>
+            <a:ext cx="3117946" cy="1656184"/>
+          </a:xfrm>
+          <a:prstGeom prst="rect">
+            <a:avLst/>
+          </a:prstGeom>
+          <a:ln>
+            <a:solidFill>
+              <a:schemeClr val="bg1">
+                <a:lumMod val="85000"/>
+              </a:schemeClr>
+            </a:solidFill>
+          </a:ln>
+        </p:spPr>
+      </p:pic>
+    </p:spTree>
+    <p:extLst>
+      <p:ext uri="{BB962C8B-B14F-4D97-AF65-F5344CB8AC3E}">
+        <p14:creationId xmlns:p14="http://schemas.microsoft.com/office/powerpoint/2010/main" val="3940171287"/>
+      </p:ext>
+    </p:extLst>
+  </p:cSld>
+  <p:clrMapOvr>
+    <a:masterClrMapping/>
+  </p:clrMapOvr>
+  <p:timing>
+    <p:tnLst>
+      <p:par>
+        <p:cTn id="1" dur="indefinite" restart="never" nodeType="tmRoot"/>
+      </p:par>
+    </p:tnLst>
+  </p:timing>
+</p:sld>
+</file>
+
+<file path=ppt/slides/slide37.xml><?xml version="1.0" encoding="utf-8"?>
+<p:sld xmlns:a="http://schemas.openxmlformats.org/drawingml/2006/main" xmlns:r="http://schemas.openxmlformats.org/officeDocument/2006/relationships" xmlns:p="http://schemas.openxmlformats.org/presentationml/2006/main">
+  <p:cSld>
+    <p:spTree>
+      <p:nvGrpSpPr>
+        <p:cNvPr id="1" name=""/>
+        <p:cNvGrpSpPr/>
+        <p:nvPr/>
+      </p:nvGrpSpPr>
+      <p:grpSpPr>
+        <a:xfrm>
+          <a:off x="0" y="0"/>
+          <a:ext cx="0" cy="0"/>
+          <a:chOff x="0" y="0"/>
+          <a:chExt cx="0" cy="0"/>
+        </a:xfrm>
+      </p:grpSpPr>
+      <p:sp>
+        <p:nvSpPr>
+          <p:cNvPr id="4" name="슬라이드 번호 개체 틀 3"/>
+          <p:cNvSpPr>
+            <a:spLocks noGrp="1"/>
+          </p:cNvSpPr>
+          <p:nvPr>
+            <p:ph type="sldNum" sz="quarter" idx="12"/>
+          </p:nvPr>
+        </p:nvSpPr>
+        <p:spPr/>
+        <p:txBody>
+          <a:bodyPr/>
+          <a:lstStyle/>
+          <a:p>
+            <a:fld id="{1BDE3FE7-3AEA-4B05-AC5A-802D1816ACF0}" type="slidenum">
+              <a:rPr lang="ko-KR" altLang="en-US" smtClean="0"/>
+              <a:t>37</a:t>
+            </a:fld>
+            <a:endParaRPr lang="ko-KR" altLang="en-US"/>
+          </a:p>
+        </p:txBody>
+      </p:sp>
+      <p:sp>
+        <p:nvSpPr>
+          <p:cNvPr id="3" name="TextBox 2"/>
+          <p:cNvSpPr txBox="1"/>
+          <p:nvPr/>
+        </p:nvSpPr>
+        <p:spPr>
+          <a:xfrm>
+            <a:off x="827584" y="1156682"/>
+            <a:ext cx="6120680" cy="400110"/>
+          </a:xfrm>
+          <a:prstGeom prst="rect">
+            <a:avLst/>
+          </a:prstGeom>
+          <a:noFill/>
+        </p:spPr>
+        <p:txBody>
+          <a:bodyPr wrap="square" rtlCol="0">
+            <a:spAutoFit/>
+          </a:bodyPr>
+          <a:lstStyle/>
+          <a:p>
+            <a:r>
+              <a:rPr lang="ko-KR" altLang="en-US" sz="2000" b="1" dirty="0" err="1" smtClean="0"/>
+              <a:t>옵티마이저</a:t>
+            </a:r>
+            <a:r>
+              <a:rPr lang="en-US" altLang="ko-KR" sz="2000" b="1" dirty="0" smtClean="0"/>
+              <a:t>(Optimizer)</a:t>
+            </a:r>
+            <a:r>
+              <a:rPr lang="ko-KR" altLang="en-US" sz="2000" b="1" dirty="0" smtClean="0"/>
+              <a:t>와</a:t>
+            </a:r>
+            <a:r>
+              <a:rPr lang="en-US" altLang="ko-KR" sz="2000" b="1" dirty="0" smtClean="0"/>
+              <a:t> </a:t>
+            </a:r>
+            <a:r>
+              <a:rPr lang="ko-KR" altLang="en-US" sz="2000" b="1" dirty="0" smtClean="0"/>
+              <a:t>실행 계획</a:t>
+            </a:r>
+            <a:endParaRPr lang="ko-KR" altLang="en-US" sz="2000" b="1" dirty="0"/>
+          </a:p>
+        </p:txBody>
+      </p:sp>
+      <p:sp>
+        <p:nvSpPr>
+          <p:cNvPr id="10" name="제목 1"/>
+          <p:cNvSpPr>
+            <a:spLocks noGrp="1"/>
+          </p:cNvSpPr>
+          <p:nvPr>
+            <p:ph type="title"/>
+          </p:nvPr>
+        </p:nvSpPr>
+        <p:spPr>
+          <a:xfrm>
+            <a:off x="1" y="-18256"/>
+            <a:ext cx="5724128" cy="854968"/>
+          </a:xfrm>
+        </p:spPr>
+        <p:txBody>
+          <a:bodyPr>
+            <a:normAutofit/>
+          </a:bodyPr>
+          <a:lstStyle/>
+          <a:p>
+            <a:r>
+              <a:rPr lang="en-US" altLang="ko-KR" sz="2800" dirty="0" smtClean="0"/>
+              <a:t>  SQL </a:t>
+            </a:r>
+            <a:r>
+              <a:rPr lang="ko-KR" altLang="en-US" sz="2800" dirty="0" smtClean="0"/>
+              <a:t>최적화</a:t>
+            </a:r>
+            <a:endParaRPr lang="ko-KR" altLang="en-US" sz="2800" b="1" dirty="0"/>
+          </a:p>
+        </p:txBody>
+      </p:sp>
+      <p:sp>
+        <p:nvSpPr>
+          <p:cNvPr id="5" name="TextBox 4"/>
+          <p:cNvSpPr txBox="1"/>
+          <p:nvPr/>
+        </p:nvSpPr>
+        <p:spPr>
+          <a:xfrm>
+            <a:off x="827583" y="1724779"/>
+            <a:ext cx="7448807" cy="2677656"/>
+          </a:xfrm>
+          <a:prstGeom prst="rect">
+            <a:avLst/>
+          </a:prstGeom>
+          <a:noFill/>
+        </p:spPr>
+        <p:txBody>
+          <a:bodyPr wrap="square" rtlCol="0">
+            <a:spAutoFit/>
+          </a:bodyPr>
+          <a:lstStyle/>
+          <a:p>
+            <a:pPr marL="285750" indent="-285750">
+              <a:lnSpc>
+                <a:spcPct val="150000"/>
+              </a:lnSpc>
+              <a:buFontTx/>
+              <a:buChar char="-"/>
+            </a:pPr>
+            <a:r>
+              <a:rPr lang="ko-KR" altLang="en-US" sz="1600" dirty="0" err="1" smtClean="0"/>
+              <a:t>옵티마이저는</a:t>
+            </a:r>
+            <a:r>
+              <a:rPr lang="ko-KR" altLang="en-US" sz="1600" dirty="0" smtClean="0"/>
+              <a:t> </a:t>
+            </a:r>
+            <a:r>
+              <a:rPr lang="en-US" altLang="ko-KR" sz="1600" dirty="0" smtClean="0"/>
+              <a:t>SQL</a:t>
+            </a:r>
+            <a:r>
+              <a:rPr lang="ko-KR" altLang="en-US" sz="1600" dirty="0" smtClean="0"/>
+              <a:t>의 실행 계획을 수립하고</a:t>
+            </a:r>
+            <a:r>
+              <a:rPr lang="en-US" altLang="ko-KR" sz="1600" dirty="0" smtClean="0"/>
+              <a:t>, SQL</a:t>
+            </a:r>
+            <a:r>
+              <a:rPr lang="ko-KR" altLang="en-US" sz="1600" dirty="0" smtClean="0"/>
+              <a:t>을 실행하는 데이터베이스 관리 시스템의 소프트웨어이다</a:t>
+            </a:r>
+            <a:r>
+              <a:rPr lang="en-US" altLang="ko-KR" sz="1600" dirty="0" smtClean="0"/>
+              <a:t>.</a:t>
+            </a:r>
+          </a:p>
+          <a:p>
+            <a:pPr marL="285750" indent="-285750">
+              <a:lnSpc>
+                <a:spcPct val="150000"/>
+              </a:lnSpc>
+              <a:buFontTx/>
+              <a:buChar char="-"/>
+            </a:pPr>
+            <a:r>
+              <a:rPr lang="ko-KR" altLang="en-US" sz="1600" dirty="0" smtClean="0"/>
+              <a:t>동일한 결과가 나오는 </a:t>
+            </a:r>
+            <a:r>
+              <a:rPr lang="en-US" altLang="ko-KR" sz="1600" dirty="0" smtClean="0"/>
+              <a:t>SQL</a:t>
+            </a:r>
+            <a:r>
+              <a:rPr lang="ko-KR" altLang="en-US" sz="1600" dirty="0" smtClean="0"/>
+              <a:t>도 어떻게 </a:t>
+            </a:r>
+            <a:r>
+              <a:rPr lang="ko-KR" altLang="en-US" sz="1600" dirty="0" err="1" smtClean="0"/>
+              <a:t>실행하느냐에</a:t>
+            </a:r>
+            <a:r>
+              <a:rPr lang="ko-KR" altLang="en-US" sz="1600" dirty="0" smtClean="0"/>
+              <a:t> 따라 성능이 달라진다</a:t>
+            </a:r>
+            <a:r>
+              <a:rPr lang="en-US" altLang="ko-KR" sz="1600" dirty="0" smtClean="0"/>
+              <a:t>.</a:t>
+            </a:r>
+          </a:p>
+          <a:p>
+            <a:pPr marL="285750" indent="-285750">
+              <a:lnSpc>
+                <a:spcPct val="150000"/>
+              </a:lnSpc>
+              <a:buFontTx/>
+              <a:buChar char="-"/>
+            </a:pPr>
+            <a:r>
+              <a:rPr lang="ko-KR" altLang="en-US" sz="1600" dirty="0" smtClean="0"/>
+              <a:t>데이터 </a:t>
+            </a:r>
+            <a:r>
+              <a:rPr lang="ko-KR" altLang="en-US" sz="1600" dirty="0" err="1" smtClean="0"/>
+              <a:t>딕셔너리에</a:t>
+            </a:r>
+            <a:r>
+              <a:rPr lang="ko-KR" altLang="en-US" sz="1600" dirty="0" smtClean="0"/>
+              <a:t> 있는 오브젝트 통계</a:t>
+            </a:r>
+            <a:r>
+              <a:rPr lang="en-US" altLang="ko-KR" sz="1600" dirty="0" smtClean="0"/>
+              <a:t>, </a:t>
+            </a:r>
+            <a:r>
+              <a:rPr lang="ko-KR" altLang="en-US" sz="1600" dirty="0" smtClean="0"/>
+              <a:t>시스템 </a:t>
+            </a:r>
+            <a:r>
+              <a:rPr lang="ko-KR" altLang="en-US" sz="1600" dirty="0" err="1" smtClean="0"/>
+              <a:t>통계등의</a:t>
+            </a:r>
+            <a:r>
+              <a:rPr lang="ko-KR" altLang="en-US" sz="1600" dirty="0" smtClean="0"/>
+              <a:t> 정보를 사용해서 예상되는 비용을 산정한다</a:t>
+            </a:r>
+            <a:r>
+              <a:rPr lang="en-US" altLang="ko-KR" sz="1600" dirty="0" smtClean="0"/>
+              <a:t>.</a:t>
+            </a:r>
+          </a:p>
+          <a:p>
+            <a:pPr marL="285750" indent="-285750">
+              <a:lnSpc>
+                <a:spcPct val="150000"/>
+              </a:lnSpc>
+              <a:buFontTx/>
+              <a:buChar char="-"/>
+            </a:pPr>
+            <a:r>
+              <a:rPr lang="ko-KR" altLang="en-US" sz="1600" dirty="0" err="1" smtClean="0"/>
+              <a:t>옵티마이저는</a:t>
+            </a:r>
+            <a:r>
+              <a:rPr lang="ko-KR" altLang="en-US" sz="1600" dirty="0" smtClean="0"/>
+              <a:t> 여러 개의 실행 계획 중에서 </a:t>
+            </a:r>
+            <a:r>
+              <a:rPr lang="ko-KR" altLang="en-US" sz="1600" dirty="0" err="1" smtClean="0"/>
+              <a:t>최저비용을</a:t>
+            </a:r>
+            <a:r>
+              <a:rPr lang="ko-KR" altLang="en-US" sz="1600" dirty="0" smtClean="0"/>
+              <a:t> 가지고 있는 계획을 선택해서 </a:t>
+            </a:r>
+            <a:r>
+              <a:rPr lang="en-US" altLang="ko-KR" sz="1600" dirty="0" smtClean="0"/>
+              <a:t>SQL</a:t>
+            </a:r>
+            <a:r>
+              <a:rPr lang="ko-KR" altLang="en-US" sz="1600" dirty="0" smtClean="0"/>
+              <a:t>을 실행한다</a:t>
+            </a:r>
+            <a:r>
+              <a:rPr lang="en-US" altLang="ko-KR" sz="1600" dirty="0" smtClean="0"/>
+              <a:t>.</a:t>
+            </a:r>
+            <a:endParaRPr lang="ko-KR" altLang="en-US" sz="1600" dirty="0"/>
+          </a:p>
+        </p:txBody>
+      </p:sp>
+    </p:spTree>
+    <p:extLst>
+      <p:ext uri="{BB962C8B-B14F-4D97-AF65-F5344CB8AC3E}">
+        <p14:creationId xmlns:p14="http://schemas.microsoft.com/office/powerpoint/2010/main" val="2415260329"/>
+      </p:ext>
+    </p:extLst>
+  </p:cSld>
+  <p:clrMapOvr>
+    <a:masterClrMapping/>
+  </p:clrMapOvr>
+  <p:timing>
+    <p:tnLst>
+      <p:par>
+        <p:cTn id="1" dur="indefinite" restart="never" nodeType="tmRoot"/>
+      </p:par>
+    </p:tnLst>
+  </p:timing>
+</p:sld>
+</file>
+
+<file path=ppt/slides/slide38.xml><?xml version="1.0" encoding="utf-8"?>
+<p:sld xmlns:a="http://schemas.openxmlformats.org/drawingml/2006/main" xmlns:r="http://schemas.openxmlformats.org/officeDocument/2006/relationships" xmlns:p="http://schemas.openxmlformats.org/presentationml/2006/main">
+  <p:cSld>
+    <p:spTree>
+      <p:nvGrpSpPr>
+        <p:cNvPr id="1" name=""/>
+        <p:cNvGrpSpPr/>
+        <p:nvPr/>
+      </p:nvGrpSpPr>
+      <p:grpSpPr>
+        <a:xfrm>
+          <a:off x="0" y="0"/>
+          <a:ext cx="0" cy="0"/>
+          <a:chOff x="0" y="0"/>
+          <a:chExt cx="0" cy="0"/>
+        </a:xfrm>
+      </p:grpSpPr>
+      <p:sp>
+        <p:nvSpPr>
+          <p:cNvPr id="4" name="슬라이드 번호 개체 틀 3"/>
+          <p:cNvSpPr>
+            <a:spLocks noGrp="1"/>
+          </p:cNvSpPr>
+          <p:nvPr>
+            <p:ph type="sldNum" sz="quarter" idx="12"/>
+          </p:nvPr>
+        </p:nvSpPr>
+        <p:spPr/>
+        <p:txBody>
+          <a:bodyPr/>
+          <a:lstStyle/>
+          <a:p>
+            <a:fld id="{1BDE3FE7-3AEA-4B05-AC5A-802D1816ACF0}" type="slidenum">
+              <a:rPr lang="ko-KR" altLang="en-US" smtClean="0"/>
+              <a:t>38</a:t>
             </a:fld>
             <a:endParaRPr lang="ko-KR" altLang="en-US"/>
           </a:p>
@@ -17167,7 +17603,7 @@
 </p:sld>
 </file>
 
-<file path=ppt/slides/slide37.xml><?xml version="1.0" encoding="utf-8"?>
+<file path=ppt/slides/slide39.xml><?xml version="1.0" encoding="utf-8"?>
 <p:sld xmlns:a="http://schemas.openxmlformats.org/drawingml/2006/main" xmlns:r="http://schemas.openxmlformats.org/officeDocument/2006/relationships" xmlns:p="http://schemas.openxmlformats.org/presentationml/2006/main">
   <p:cSld>
     <p:spTree>
@@ -17201,7 +17637,7 @@
           <a:p>
             <a:fld id="{1BDE3FE7-3AEA-4B05-AC5A-802D1816ACF0}" type="slidenum">
               <a:rPr lang="ko-KR" altLang="en-US" smtClean="0"/>
-              <a:t>37</a:t>
+              <a:t>39</a:t>
             </a:fld>
             <a:endParaRPr lang="ko-KR" altLang="en-US"/>
           </a:p>
@@ -17316,387 +17752,6 @@
     <p:extLst>
       <p:ext uri="{BB962C8B-B14F-4D97-AF65-F5344CB8AC3E}">
         <p14:creationId xmlns:p14="http://schemas.microsoft.com/office/powerpoint/2010/main" val="427714925"/>
-      </p:ext>
-    </p:extLst>
-  </p:cSld>
-  <p:clrMapOvr>
-    <a:masterClrMapping/>
-  </p:clrMapOvr>
-  <p:timing>
-    <p:tnLst>
-      <p:par>
-        <p:cTn id="1" dur="indefinite" restart="never" nodeType="tmRoot"/>
-      </p:par>
-    </p:tnLst>
-  </p:timing>
-</p:sld>
-</file>
-
-<file path=ppt/slides/slide38.xml><?xml version="1.0" encoding="utf-8"?>
-<p:sld xmlns:a="http://schemas.openxmlformats.org/drawingml/2006/main" xmlns:r="http://schemas.openxmlformats.org/officeDocument/2006/relationships" xmlns:p="http://schemas.openxmlformats.org/presentationml/2006/main">
-  <p:cSld>
-    <p:spTree>
-      <p:nvGrpSpPr>
-        <p:cNvPr id="1" name=""/>
-        <p:cNvGrpSpPr/>
-        <p:nvPr/>
-      </p:nvGrpSpPr>
-      <p:grpSpPr>
-        <a:xfrm>
-          <a:off x="0" y="0"/>
-          <a:ext cx="0" cy="0"/>
-          <a:chOff x="0" y="0"/>
-          <a:chExt cx="0" cy="0"/>
-        </a:xfrm>
-      </p:grpSpPr>
-      <p:sp>
-        <p:nvSpPr>
-          <p:cNvPr id="4" name="슬라이드 번호 개체 틀 3"/>
-          <p:cNvSpPr>
-            <a:spLocks noGrp="1"/>
-          </p:cNvSpPr>
-          <p:nvPr>
-            <p:ph type="sldNum" sz="quarter" idx="12"/>
-          </p:nvPr>
-        </p:nvSpPr>
-        <p:spPr/>
-        <p:txBody>
-          <a:bodyPr/>
-          <a:lstStyle/>
-          <a:p>
-            <a:fld id="{1BDE3FE7-3AEA-4B05-AC5A-802D1816ACF0}" type="slidenum">
-              <a:rPr lang="ko-KR" altLang="en-US" smtClean="0"/>
-              <a:t>38</a:t>
-            </a:fld>
-            <a:endParaRPr lang="ko-KR" altLang="en-US"/>
-          </a:p>
-        </p:txBody>
-      </p:sp>
-      <p:sp>
-        <p:nvSpPr>
-          <p:cNvPr id="10" name="제목 1"/>
-          <p:cNvSpPr>
-            <a:spLocks noGrp="1"/>
-          </p:cNvSpPr>
-          <p:nvPr>
-            <p:ph type="title"/>
-          </p:nvPr>
-        </p:nvSpPr>
-        <p:spPr>
-          <a:xfrm>
-            <a:off x="1" y="-18256"/>
-            <a:ext cx="5724128" cy="854968"/>
-          </a:xfrm>
-        </p:spPr>
-        <p:txBody>
-          <a:bodyPr>
-            <a:normAutofit/>
-          </a:bodyPr>
-          <a:lstStyle/>
-          <a:p>
-            <a:r>
-              <a:rPr lang="en-US" altLang="ko-KR" sz="2800" dirty="0" smtClean="0"/>
-              <a:t>  </a:t>
-            </a:r>
-            <a:r>
-              <a:rPr lang="en-US" altLang="ko-KR" sz="2800" dirty="0"/>
-              <a:t>SQL </a:t>
-            </a:r>
-            <a:r>
-              <a:rPr lang="ko-KR" altLang="en-US" sz="2800" dirty="0"/>
-              <a:t>최적화</a:t>
-            </a:r>
-            <a:endParaRPr lang="ko-KR" altLang="en-US" sz="2800" b="1" dirty="0"/>
-          </a:p>
-        </p:txBody>
-      </p:sp>
-      <p:pic>
-        <p:nvPicPr>
-          <p:cNvPr id="2" name="그림 1"/>
-          <p:cNvPicPr>
-            <a:picLocks noChangeAspect="1"/>
-          </p:cNvPicPr>
-          <p:nvPr/>
-        </p:nvPicPr>
-        <p:blipFill>
-          <a:blip r:embed="rId2">
-            <a:extLst>
-              <a:ext uri="{28A0092B-C50C-407E-A947-70E740481C1C}">
-                <a14:useLocalDpi xmlns:a14="http://schemas.microsoft.com/office/drawing/2010/main" val="0"/>
-              </a:ext>
-            </a:extLst>
-          </a:blip>
-          <a:stretch>
-            <a:fillRect/>
-          </a:stretch>
-        </p:blipFill>
-        <p:spPr>
-          <a:xfrm>
-            <a:off x="1115616" y="1484784"/>
-            <a:ext cx="5654530" cy="2225233"/>
-          </a:xfrm>
-          <a:prstGeom prst="rect">
-            <a:avLst/>
-          </a:prstGeom>
-          <a:ln>
-            <a:solidFill>
-              <a:schemeClr val="bg1">
-                <a:lumMod val="85000"/>
-              </a:schemeClr>
-            </a:solidFill>
-          </a:ln>
-        </p:spPr>
-      </p:pic>
-      <p:pic>
-        <p:nvPicPr>
-          <p:cNvPr id="7" name="그림 6"/>
-          <p:cNvPicPr>
-            <a:picLocks noChangeAspect="1"/>
-          </p:cNvPicPr>
-          <p:nvPr/>
-        </p:nvPicPr>
-        <p:blipFill>
-          <a:blip r:embed="rId3">
-            <a:extLst>
-              <a:ext uri="{28A0092B-C50C-407E-A947-70E740481C1C}">
-                <a14:useLocalDpi xmlns:a14="http://schemas.microsoft.com/office/drawing/2010/main" val="0"/>
-              </a:ext>
-            </a:extLst>
-          </a:blip>
-          <a:stretch>
-            <a:fillRect/>
-          </a:stretch>
-        </p:blipFill>
-        <p:spPr>
-          <a:xfrm>
-            <a:off x="6044760" y="3431863"/>
-            <a:ext cx="2156647" cy="556308"/>
-          </a:xfrm>
-          <a:prstGeom prst="rect">
-            <a:avLst/>
-          </a:prstGeom>
-          <a:ln>
-            <a:solidFill>
-              <a:schemeClr val="bg1">
-                <a:lumMod val="85000"/>
-              </a:schemeClr>
-            </a:solidFill>
-          </a:ln>
-        </p:spPr>
-      </p:pic>
-      <p:pic>
-        <p:nvPicPr>
-          <p:cNvPr id="3" name="그림 2"/>
-          <p:cNvPicPr>
-            <a:picLocks noChangeAspect="1"/>
-          </p:cNvPicPr>
-          <p:nvPr/>
-        </p:nvPicPr>
-        <p:blipFill>
-          <a:blip r:embed="rId4">
-            <a:extLst>
-              <a:ext uri="{28A0092B-C50C-407E-A947-70E740481C1C}">
-                <a14:useLocalDpi xmlns:a14="http://schemas.microsoft.com/office/drawing/2010/main" val="0"/>
-              </a:ext>
-            </a:extLst>
-          </a:blip>
-          <a:stretch>
-            <a:fillRect/>
-          </a:stretch>
-        </p:blipFill>
-        <p:spPr>
-          <a:xfrm>
-            <a:off x="323527" y="4221088"/>
-            <a:ext cx="8589359" cy="1512168"/>
-          </a:xfrm>
-          <a:prstGeom prst="rect">
-            <a:avLst/>
-          </a:prstGeom>
-          <a:ln>
-            <a:solidFill>
-              <a:schemeClr val="bg1">
-                <a:lumMod val="85000"/>
-              </a:schemeClr>
-            </a:solidFill>
-          </a:ln>
-        </p:spPr>
-      </p:pic>
-    </p:spTree>
-    <p:extLst>
-      <p:ext uri="{BB962C8B-B14F-4D97-AF65-F5344CB8AC3E}">
-        <p14:creationId xmlns:p14="http://schemas.microsoft.com/office/powerpoint/2010/main" val="1783278290"/>
-      </p:ext>
-    </p:extLst>
-  </p:cSld>
-  <p:clrMapOvr>
-    <a:masterClrMapping/>
-  </p:clrMapOvr>
-  <p:timing>
-    <p:tnLst>
-      <p:par>
-        <p:cTn id="1" dur="indefinite" restart="never" nodeType="tmRoot"/>
-      </p:par>
-    </p:tnLst>
-  </p:timing>
-</p:sld>
-</file>
-
-<file path=ppt/slides/slide39.xml><?xml version="1.0" encoding="utf-8"?>
-<p:sld xmlns:a="http://schemas.openxmlformats.org/drawingml/2006/main" xmlns:r="http://schemas.openxmlformats.org/officeDocument/2006/relationships" xmlns:p="http://schemas.openxmlformats.org/presentationml/2006/main">
-  <p:cSld>
-    <p:spTree>
-      <p:nvGrpSpPr>
-        <p:cNvPr id="1" name=""/>
-        <p:cNvGrpSpPr/>
-        <p:nvPr/>
-      </p:nvGrpSpPr>
-      <p:grpSpPr>
-        <a:xfrm>
-          <a:off x="0" y="0"/>
-          <a:ext cx="0" cy="0"/>
-          <a:chOff x="0" y="0"/>
-          <a:chExt cx="0" cy="0"/>
-        </a:xfrm>
-      </p:grpSpPr>
-      <p:sp>
-        <p:nvSpPr>
-          <p:cNvPr id="4" name="슬라이드 번호 개체 틀 3"/>
-          <p:cNvSpPr>
-            <a:spLocks noGrp="1"/>
-          </p:cNvSpPr>
-          <p:nvPr>
-            <p:ph type="sldNum" sz="quarter" idx="12"/>
-          </p:nvPr>
-        </p:nvSpPr>
-        <p:spPr/>
-        <p:txBody>
-          <a:bodyPr/>
-          <a:lstStyle/>
-          <a:p>
-            <a:fld id="{1BDE3FE7-3AEA-4B05-AC5A-802D1816ACF0}" type="slidenum">
-              <a:rPr lang="ko-KR" altLang="en-US" smtClean="0"/>
-              <a:t>39</a:t>
-            </a:fld>
-            <a:endParaRPr lang="ko-KR" altLang="en-US"/>
-          </a:p>
-        </p:txBody>
-      </p:sp>
-      <p:sp>
-        <p:nvSpPr>
-          <p:cNvPr id="10" name="제목 1"/>
-          <p:cNvSpPr>
-            <a:spLocks noGrp="1"/>
-          </p:cNvSpPr>
-          <p:nvPr>
-            <p:ph type="title"/>
-          </p:nvPr>
-        </p:nvSpPr>
-        <p:spPr>
-          <a:xfrm>
-            <a:off x="1" y="-18256"/>
-            <a:ext cx="5724128" cy="854968"/>
-          </a:xfrm>
-        </p:spPr>
-        <p:txBody>
-          <a:bodyPr>
-            <a:normAutofit/>
-          </a:bodyPr>
-          <a:lstStyle/>
-          <a:p>
-            <a:r>
-              <a:rPr lang="en-US" altLang="ko-KR" sz="2800" dirty="0" smtClean="0"/>
-              <a:t>  </a:t>
-            </a:r>
-            <a:r>
-              <a:rPr lang="en-US" altLang="ko-KR" sz="2800" dirty="0"/>
-              <a:t>SQL </a:t>
-            </a:r>
-            <a:r>
-              <a:rPr lang="ko-KR" altLang="en-US" sz="2800" dirty="0"/>
-              <a:t>최적화</a:t>
-            </a:r>
-            <a:endParaRPr lang="ko-KR" altLang="en-US" sz="2800" b="1" dirty="0"/>
-          </a:p>
-        </p:txBody>
-      </p:sp>
-      <p:pic>
-        <p:nvPicPr>
-          <p:cNvPr id="6" name="그림 5"/>
-          <p:cNvPicPr>
-            <a:picLocks noChangeAspect="1"/>
-          </p:cNvPicPr>
-          <p:nvPr/>
-        </p:nvPicPr>
-        <p:blipFill>
-          <a:blip r:embed="rId2">
-            <a:extLst>
-              <a:ext uri="{28A0092B-C50C-407E-A947-70E740481C1C}">
-                <a14:useLocalDpi xmlns:a14="http://schemas.microsoft.com/office/drawing/2010/main" val="0"/>
-              </a:ext>
-            </a:extLst>
-          </a:blip>
-          <a:stretch>
-            <a:fillRect/>
-          </a:stretch>
-        </p:blipFill>
-        <p:spPr>
-          <a:xfrm>
-            <a:off x="755576" y="2276872"/>
-            <a:ext cx="7524328" cy="2428102"/>
-          </a:xfrm>
-          <a:prstGeom prst="rect">
-            <a:avLst/>
-          </a:prstGeom>
-          <a:ln>
-            <a:solidFill>
-              <a:schemeClr val="bg1">
-                <a:lumMod val="85000"/>
-              </a:schemeClr>
-            </a:solidFill>
-          </a:ln>
-        </p:spPr>
-      </p:pic>
-      <p:pic>
-        <p:nvPicPr>
-          <p:cNvPr id="7" name="그림 6"/>
-          <p:cNvPicPr>
-            <a:picLocks noChangeAspect="1"/>
-          </p:cNvPicPr>
-          <p:nvPr/>
-        </p:nvPicPr>
-        <p:blipFill>
-          <a:blip r:embed="rId3">
-            <a:extLst>
-              <a:ext uri="{28A0092B-C50C-407E-A947-70E740481C1C}">
-                <a14:useLocalDpi xmlns:a14="http://schemas.microsoft.com/office/drawing/2010/main" val="0"/>
-              </a:ext>
-            </a:extLst>
-          </a:blip>
-          <a:stretch>
-            <a:fillRect/>
-          </a:stretch>
-        </p:blipFill>
-        <p:spPr>
-          <a:xfrm>
-            <a:off x="683568" y="1538163"/>
-            <a:ext cx="6923519" cy="429144"/>
-          </a:xfrm>
-          <a:prstGeom prst="rect">
-            <a:avLst/>
-          </a:prstGeom>
-          <a:ln>
-            <a:solidFill>
-              <a:schemeClr val="bg1">
-                <a:lumMod val="85000"/>
-              </a:schemeClr>
-            </a:solidFill>
-          </a:ln>
-        </p:spPr>
-      </p:pic>
-    </p:spTree>
-    <p:extLst>
-      <p:ext uri="{BB962C8B-B14F-4D97-AF65-F5344CB8AC3E}">
-        <p14:creationId xmlns:p14="http://schemas.microsoft.com/office/powerpoint/2010/main" val="2974346774"/>
       </p:ext>
     </p:extLst>
   </p:cSld>
@@ -17999,6 +18054,387 @@
       </p:sp>
       <p:pic>
         <p:nvPicPr>
+          <p:cNvPr id="2" name="그림 1"/>
+          <p:cNvPicPr>
+            <a:picLocks noChangeAspect="1"/>
+          </p:cNvPicPr>
+          <p:nvPr/>
+        </p:nvPicPr>
+        <p:blipFill>
+          <a:blip r:embed="rId2">
+            <a:extLst>
+              <a:ext uri="{28A0092B-C50C-407E-A947-70E740481C1C}">
+                <a14:useLocalDpi xmlns:a14="http://schemas.microsoft.com/office/drawing/2010/main" val="0"/>
+              </a:ext>
+            </a:extLst>
+          </a:blip>
+          <a:stretch>
+            <a:fillRect/>
+          </a:stretch>
+        </p:blipFill>
+        <p:spPr>
+          <a:xfrm>
+            <a:off x="1115616" y="1484784"/>
+            <a:ext cx="5654530" cy="2225233"/>
+          </a:xfrm>
+          <a:prstGeom prst="rect">
+            <a:avLst/>
+          </a:prstGeom>
+          <a:ln>
+            <a:solidFill>
+              <a:schemeClr val="bg1">
+                <a:lumMod val="85000"/>
+              </a:schemeClr>
+            </a:solidFill>
+          </a:ln>
+        </p:spPr>
+      </p:pic>
+      <p:pic>
+        <p:nvPicPr>
+          <p:cNvPr id="7" name="그림 6"/>
+          <p:cNvPicPr>
+            <a:picLocks noChangeAspect="1"/>
+          </p:cNvPicPr>
+          <p:nvPr/>
+        </p:nvPicPr>
+        <p:blipFill>
+          <a:blip r:embed="rId3">
+            <a:extLst>
+              <a:ext uri="{28A0092B-C50C-407E-A947-70E740481C1C}">
+                <a14:useLocalDpi xmlns:a14="http://schemas.microsoft.com/office/drawing/2010/main" val="0"/>
+              </a:ext>
+            </a:extLst>
+          </a:blip>
+          <a:stretch>
+            <a:fillRect/>
+          </a:stretch>
+        </p:blipFill>
+        <p:spPr>
+          <a:xfrm>
+            <a:off x="6044760" y="3431863"/>
+            <a:ext cx="2156647" cy="556308"/>
+          </a:xfrm>
+          <a:prstGeom prst="rect">
+            <a:avLst/>
+          </a:prstGeom>
+          <a:ln>
+            <a:solidFill>
+              <a:schemeClr val="bg1">
+                <a:lumMod val="85000"/>
+              </a:schemeClr>
+            </a:solidFill>
+          </a:ln>
+        </p:spPr>
+      </p:pic>
+      <p:pic>
+        <p:nvPicPr>
+          <p:cNvPr id="3" name="그림 2"/>
+          <p:cNvPicPr>
+            <a:picLocks noChangeAspect="1"/>
+          </p:cNvPicPr>
+          <p:nvPr/>
+        </p:nvPicPr>
+        <p:blipFill>
+          <a:blip r:embed="rId4">
+            <a:extLst>
+              <a:ext uri="{28A0092B-C50C-407E-A947-70E740481C1C}">
+                <a14:useLocalDpi xmlns:a14="http://schemas.microsoft.com/office/drawing/2010/main" val="0"/>
+              </a:ext>
+            </a:extLst>
+          </a:blip>
+          <a:stretch>
+            <a:fillRect/>
+          </a:stretch>
+        </p:blipFill>
+        <p:spPr>
+          <a:xfrm>
+            <a:off x="323527" y="4221088"/>
+            <a:ext cx="8589359" cy="1512168"/>
+          </a:xfrm>
+          <a:prstGeom prst="rect">
+            <a:avLst/>
+          </a:prstGeom>
+          <a:ln>
+            <a:solidFill>
+              <a:schemeClr val="bg1">
+                <a:lumMod val="85000"/>
+              </a:schemeClr>
+            </a:solidFill>
+          </a:ln>
+        </p:spPr>
+      </p:pic>
+    </p:spTree>
+    <p:extLst>
+      <p:ext uri="{BB962C8B-B14F-4D97-AF65-F5344CB8AC3E}">
+        <p14:creationId xmlns:p14="http://schemas.microsoft.com/office/powerpoint/2010/main" val="1783278290"/>
+      </p:ext>
+    </p:extLst>
+  </p:cSld>
+  <p:clrMapOvr>
+    <a:masterClrMapping/>
+  </p:clrMapOvr>
+  <p:timing>
+    <p:tnLst>
+      <p:par>
+        <p:cTn id="1" dur="indefinite" restart="never" nodeType="tmRoot"/>
+      </p:par>
+    </p:tnLst>
+  </p:timing>
+</p:sld>
+</file>
+
+<file path=ppt/slides/slide41.xml><?xml version="1.0" encoding="utf-8"?>
+<p:sld xmlns:a="http://schemas.openxmlformats.org/drawingml/2006/main" xmlns:r="http://schemas.openxmlformats.org/officeDocument/2006/relationships" xmlns:p="http://schemas.openxmlformats.org/presentationml/2006/main">
+  <p:cSld>
+    <p:spTree>
+      <p:nvGrpSpPr>
+        <p:cNvPr id="1" name=""/>
+        <p:cNvGrpSpPr/>
+        <p:nvPr/>
+      </p:nvGrpSpPr>
+      <p:grpSpPr>
+        <a:xfrm>
+          <a:off x="0" y="0"/>
+          <a:ext cx="0" cy="0"/>
+          <a:chOff x="0" y="0"/>
+          <a:chExt cx="0" cy="0"/>
+        </a:xfrm>
+      </p:grpSpPr>
+      <p:sp>
+        <p:nvSpPr>
+          <p:cNvPr id="4" name="슬라이드 번호 개체 틀 3"/>
+          <p:cNvSpPr>
+            <a:spLocks noGrp="1"/>
+          </p:cNvSpPr>
+          <p:nvPr>
+            <p:ph type="sldNum" sz="quarter" idx="12"/>
+          </p:nvPr>
+        </p:nvSpPr>
+        <p:spPr/>
+        <p:txBody>
+          <a:bodyPr/>
+          <a:lstStyle/>
+          <a:p>
+            <a:fld id="{1BDE3FE7-3AEA-4B05-AC5A-802D1816ACF0}" type="slidenum">
+              <a:rPr lang="ko-KR" altLang="en-US" smtClean="0"/>
+              <a:t>41</a:t>
+            </a:fld>
+            <a:endParaRPr lang="ko-KR" altLang="en-US"/>
+          </a:p>
+        </p:txBody>
+      </p:sp>
+      <p:sp>
+        <p:nvSpPr>
+          <p:cNvPr id="10" name="제목 1"/>
+          <p:cNvSpPr>
+            <a:spLocks noGrp="1"/>
+          </p:cNvSpPr>
+          <p:nvPr>
+            <p:ph type="title"/>
+          </p:nvPr>
+        </p:nvSpPr>
+        <p:spPr>
+          <a:xfrm>
+            <a:off x="1" y="-18256"/>
+            <a:ext cx="5724128" cy="854968"/>
+          </a:xfrm>
+        </p:spPr>
+        <p:txBody>
+          <a:bodyPr>
+            <a:normAutofit/>
+          </a:bodyPr>
+          <a:lstStyle/>
+          <a:p>
+            <a:r>
+              <a:rPr lang="en-US" altLang="ko-KR" sz="2800" dirty="0" smtClean="0"/>
+              <a:t>  </a:t>
+            </a:r>
+            <a:r>
+              <a:rPr lang="en-US" altLang="ko-KR" sz="2800" dirty="0"/>
+              <a:t>SQL </a:t>
+            </a:r>
+            <a:r>
+              <a:rPr lang="ko-KR" altLang="en-US" sz="2800" dirty="0"/>
+              <a:t>최적화</a:t>
+            </a:r>
+            <a:endParaRPr lang="ko-KR" altLang="en-US" sz="2800" b="1" dirty="0"/>
+          </a:p>
+        </p:txBody>
+      </p:sp>
+      <p:pic>
+        <p:nvPicPr>
+          <p:cNvPr id="6" name="그림 5"/>
+          <p:cNvPicPr>
+            <a:picLocks noChangeAspect="1"/>
+          </p:cNvPicPr>
+          <p:nvPr/>
+        </p:nvPicPr>
+        <p:blipFill>
+          <a:blip r:embed="rId2">
+            <a:extLst>
+              <a:ext uri="{28A0092B-C50C-407E-A947-70E740481C1C}">
+                <a14:useLocalDpi xmlns:a14="http://schemas.microsoft.com/office/drawing/2010/main" val="0"/>
+              </a:ext>
+            </a:extLst>
+          </a:blip>
+          <a:stretch>
+            <a:fillRect/>
+          </a:stretch>
+        </p:blipFill>
+        <p:spPr>
+          <a:xfrm>
+            <a:off x="755576" y="2276872"/>
+            <a:ext cx="7524328" cy="2428102"/>
+          </a:xfrm>
+          <a:prstGeom prst="rect">
+            <a:avLst/>
+          </a:prstGeom>
+          <a:ln>
+            <a:solidFill>
+              <a:schemeClr val="bg1">
+                <a:lumMod val="85000"/>
+              </a:schemeClr>
+            </a:solidFill>
+          </a:ln>
+        </p:spPr>
+      </p:pic>
+      <p:pic>
+        <p:nvPicPr>
+          <p:cNvPr id="7" name="그림 6"/>
+          <p:cNvPicPr>
+            <a:picLocks noChangeAspect="1"/>
+          </p:cNvPicPr>
+          <p:nvPr/>
+        </p:nvPicPr>
+        <p:blipFill>
+          <a:blip r:embed="rId3">
+            <a:extLst>
+              <a:ext uri="{28A0092B-C50C-407E-A947-70E740481C1C}">
+                <a14:useLocalDpi xmlns:a14="http://schemas.microsoft.com/office/drawing/2010/main" val="0"/>
+              </a:ext>
+            </a:extLst>
+          </a:blip>
+          <a:stretch>
+            <a:fillRect/>
+          </a:stretch>
+        </p:blipFill>
+        <p:spPr>
+          <a:xfrm>
+            <a:off x="683568" y="1538163"/>
+            <a:ext cx="6923519" cy="429144"/>
+          </a:xfrm>
+          <a:prstGeom prst="rect">
+            <a:avLst/>
+          </a:prstGeom>
+          <a:ln>
+            <a:solidFill>
+              <a:schemeClr val="bg1">
+                <a:lumMod val="85000"/>
+              </a:schemeClr>
+            </a:solidFill>
+          </a:ln>
+        </p:spPr>
+      </p:pic>
+    </p:spTree>
+    <p:extLst>
+      <p:ext uri="{BB962C8B-B14F-4D97-AF65-F5344CB8AC3E}">
+        <p14:creationId xmlns:p14="http://schemas.microsoft.com/office/powerpoint/2010/main" val="2974346774"/>
+      </p:ext>
+    </p:extLst>
+  </p:cSld>
+  <p:clrMapOvr>
+    <a:masterClrMapping/>
+  </p:clrMapOvr>
+  <p:timing>
+    <p:tnLst>
+      <p:par>
+        <p:cTn id="1" dur="indefinite" restart="never" nodeType="tmRoot"/>
+      </p:par>
+    </p:tnLst>
+  </p:timing>
+</p:sld>
+</file>
+
+<file path=ppt/slides/slide42.xml><?xml version="1.0" encoding="utf-8"?>
+<p:sld xmlns:a="http://schemas.openxmlformats.org/drawingml/2006/main" xmlns:r="http://schemas.openxmlformats.org/officeDocument/2006/relationships" xmlns:p="http://schemas.openxmlformats.org/presentationml/2006/main">
+  <p:cSld>
+    <p:spTree>
+      <p:nvGrpSpPr>
+        <p:cNvPr id="1" name=""/>
+        <p:cNvGrpSpPr/>
+        <p:nvPr/>
+      </p:nvGrpSpPr>
+      <p:grpSpPr>
+        <a:xfrm>
+          <a:off x="0" y="0"/>
+          <a:ext cx="0" cy="0"/>
+          <a:chOff x="0" y="0"/>
+          <a:chExt cx="0" cy="0"/>
+        </a:xfrm>
+      </p:grpSpPr>
+      <p:sp>
+        <p:nvSpPr>
+          <p:cNvPr id="4" name="슬라이드 번호 개체 틀 3"/>
+          <p:cNvSpPr>
+            <a:spLocks noGrp="1"/>
+          </p:cNvSpPr>
+          <p:nvPr>
+            <p:ph type="sldNum" sz="quarter" idx="12"/>
+          </p:nvPr>
+        </p:nvSpPr>
+        <p:spPr/>
+        <p:txBody>
+          <a:bodyPr/>
+          <a:lstStyle/>
+          <a:p>
+            <a:fld id="{1BDE3FE7-3AEA-4B05-AC5A-802D1816ACF0}" type="slidenum">
+              <a:rPr lang="ko-KR" altLang="en-US" smtClean="0"/>
+              <a:t>42</a:t>
+            </a:fld>
+            <a:endParaRPr lang="ko-KR" altLang="en-US"/>
+          </a:p>
+        </p:txBody>
+      </p:sp>
+      <p:sp>
+        <p:nvSpPr>
+          <p:cNvPr id="10" name="제목 1"/>
+          <p:cNvSpPr>
+            <a:spLocks noGrp="1"/>
+          </p:cNvSpPr>
+          <p:nvPr>
+            <p:ph type="title"/>
+          </p:nvPr>
+        </p:nvSpPr>
+        <p:spPr>
+          <a:xfrm>
+            <a:off x="1" y="-18256"/>
+            <a:ext cx="5724128" cy="854968"/>
+          </a:xfrm>
+        </p:spPr>
+        <p:txBody>
+          <a:bodyPr>
+            <a:normAutofit/>
+          </a:bodyPr>
+          <a:lstStyle/>
+          <a:p>
+            <a:r>
+              <a:rPr lang="en-US" altLang="ko-KR" sz="2800" dirty="0" smtClean="0"/>
+              <a:t>  </a:t>
+            </a:r>
+            <a:r>
+              <a:rPr lang="en-US" altLang="ko-KR" sz="2800" dirty="0"/>
+              <a:t>SQL </a:t>
+            </a:r>
+            <a:r>
+              <a:rPr lang="ko-KR" altLang="en-US" sz="2800" dirty="0"/>
+              <a:t>최적화</a:t>
+            </a:r>
+            <a:endParaRPr lang="ko-KR" altLang="en-US" sz="2800" b="1" dirty="0"/>
+          </a:p>
+        </p:txBody>
+      </p:sp>
+      <p:pic>
+        <p:nvPicPr>
           <p:cNvPr id="3" name="그림 2"/>
           <p:cNvPicPr>
             <a:picLocks noChangeAspect="1"/>
@@ -18091,7 +18527,7 @@
 </p:sld>
 </file>
 
-<file path=ppt/slides/slide41.xml><?xml version="1.0" encoding="utf-8"?>
+<file path=ppt/slides/slide43.xml><?xml version="1.0" encoding="utf-8"?>
 <p:sld xmlns:a="http://schemas.openxmlformats.org/drawingml/2006/main" xmlns:r="http://schemas.openxmlformats.org/officeDocument/2006/relationships" xmlns:p="http://schemas.openxmlformats.org/presentationml/2006/main">
   <p:cSld>
     <p:spTree>
@@ -18125,7 +18561,7 @@
           <a:p>
             <a:fld id="{1BDE3FE7-3AEA-4B05-AC5A-802D1816ACF0}" type="slidenum">
               <a:rPr lang="ko-KR" altLang="en-US" smtClean="0"/>
-              <a:t>41</a:t>
+              <a:t>43</a:t>
             </a:fld>
             <a:endParaRPr lang="ko-KR" altLang="en-US"/>
           </a:p>
@@ -18263,7 +18699,7 @@
 </p:sld>
 </file>
 
-<file path=ppt/slides/slide42.xml><?xml version="1.0" encoding="utf-8"?>
+<file path=ppt/slides/slide44.xml><?xml version="1.0" encoding="utf-8"?>
 <p:sld xmlns:a="http://schemas.openxmlformats.org/drawingml/2006/main" xmlns:r="http://schemas.openxmlformats.org/officeDocument/2006/relationships" xmlns:p="http://schemas.openxmlformats.org/presentationml/2006/main">
   <p:cSld>
     <p:spTree>
@@ -18297,7 +18733,7 @@
           <a:p>
             <a:fld id="{1BDE3FE7-3AEA-4B05-AC5A-802D1816ACF0}" type="slidenum">
               <a:rPr lang="ko-KR" altLang="en-US" smtClean="0"/>
-              <a:t>42</a:t>
+              <a:t>44</a:t>
             </a:fld>
             <a:endParaRPr lang="ko-KR" altLang="en-US"/>
           </a:p>
@@ -18578,7 +19014,7 @@
 </p:sld>
 </file>
 
-<file path=ppt/slides/slide43.xml><?xml version="1.0" encoding="utf-8"?>
+<file path=ppt/slides/slide45.xml><?xml version="1.0" encoding="utf-8"?>
 <p:sld xmlns:a="http://schemas.openxmlformats.org/drawingml/2006/main" xmlns:r="http://schemas.openxmlformats.org/officeDocument/2006/relationships" xmlns:p="http://schemas.openxmlformats.org/presentationml/2006/main">
   <p:cSld>
     <p:spTree>
@@ -18612,7 +19048,7 @@
           <a:p>
             <a:fld id="{1BDE3FE7-3AEA-4B05-AC5A-802D1816ACF0}" type="slidenum">
               <a:rPr lang="ko-KR" altLang="en-US" smtClean="0"/>
-              <a:t>43</a:t>
+              <a:t>45</a:t>
             </a:fld>
             <a:endParaRPr lang="ko-KR" altLang="en-US"/>
           </a:p>
@@ -18933,7 +19369,7 @@
 </p:sld>
 </file>
 
-<file path=ppt/slides/slide44.xml><?xml version="1.0" encoding="utf-8"?>
+<file path=ppt/slides/slide46.xml><?xml version="1.0" encoding="utf-8"?>
 <p:sld xmlns:a="http://schemas.openxmlformats.org/drawingml/2006/main" xmlns:r="http://schemas.openxmlformats.org/officeDocument/2006/relationships" xmlns:p="http://schemas.openxmlformats.org/presentationml/2006/main">
   <p:cSld>
     <p:spTree>
@@ -18967,7 +19403,7 @@
           <a:p>
             <a:fld id="{1BDE3FE7-3AEA-4B05-AC5A-802D1816ACF0}" type="slidenum">
               <a:rPr lang="ko-KR" altLang="en-US" smtClean="0"/>
-              <a:t>44</a:t>
+              <a:t>46</a:t>
             </a:fld>
             <a:endParaRPr lang="ko-KR" altLang="en-US"/>
           </a:p>
